--- a/ppt/BigData01-Intro.pptx
+++ b/ppt/BigData01-Intro.pptx
@@ -5,10 +5,10 @@
     <p:sldMasterId id="2147483653" r:id="rId1"/>
   </p:sldMasterIdLst>
   <p:notesMasterIdLst>
-    <p:notesMasterId r:id="rId15"/>
+    <p:notesMasterId r:id="rId39"/>
   </p:notesMasterIdLst>
   <p:handoutMasterIdLst>
-    <p:handoutMasterId r:id="rId16"/>
+    <p:handoutMasterId r:id="rId40"/>
   </p:handoutMasterIdLst>
   <p:sldIdLst>
     <p:sldId id="264" r:id="rId2"/>
@@ -24,6 +24,30 @@
     <p:sldId id="286" r:id="rId12"/>
     <p:sldId id="289" r:id="rId13"/>
     <p:sldId id="292" r:id="rId14"/>
+    <p:sldId id="335" r:id="rId15"/>
+    <p:sldId id="336" r:id="rId16"/>
+    <p:sldId id="348" r:id="rId17"/>
+    <p:sldId id="345" r:id="rId18"/>
+    <p:sldId id="293" r:id="rId19"/>
+    <p:sldId id="294" r:id="rId20"/>
+    <p:sldId id="295" r:id="rId21"/>
+    <p:sldId id="296" r:id="rId22"/>
+    <p:sldId id="297" r:id="rId23"/>
+    <p:sldId id="298" r:id="rId24"/>
+    <p:sldId id="299" r:id="rId25"/>
+    <p:sldId id="300" r:id="rId26"/>
+    <p:sldId id="349" r:id="rId27"/>
+    <p:sldId id="314" r:id="rId28"/>
+    <p:sldId id="304" r:id="rId29"/>
+    <p:sldId id="305" r:id="rId30"/>
+    <p:sldId id="306" r:id="rId31"/>
+    <p:sldId id="307" r:id="rId32"/>
+    <p:sldId id="272" r:id="rId33"/>
+    <p:sldId id="333" r:id="rId34"/>
+    <p:sldId id="322" r:id="rId35"/>
+    <p:sldId id="340" r:id="rId36"/>
+    <p:sldId id="341" r:id="rId37"/>
+    <p:sldId id="310" r:id="rId38"/>
   </p:sldIdLst>
   <p:sldSz cx="9144000" cy="6858000" type="screen4x3"/>
   <p:notesSz cx="6648450" cy="9782175"/>
@@ -616,35 +640,35 @@
           <a:p>
             <a:pPr lvl="0"/>
             <a:r>
-              <a:rPr lang="fr-FR" noProof="0" smtClean="0"/>
+              <a:rPr lang="fr-FR" noProof="0"/>
               <a:t>Cliquez pour modifier les styles du texte du masque</a:t>
             </a:r>
           </a:p>
           <a:p>
             <a:pPr lvl="1"/>
             <a:r>
-              <a:rPr lang="fr-FR" noProof="0" smtClean="0"/>
+              <a:rPr lang="fr-FR" noProof="0"/>
               <a:t>Deuxième niveau</a:t>
             </a:r>
           </a:p>
           <a:p>
             <a:pPr lvl="2"/>
             <a:r>
-              <a:rPr lang="fr-FR" noProof="0" smtClean="0"/>
+              <a:rPr lang="fr-FR" noProof="0"/>
               <a:t>Troisième niveau</a:t>
             </a:r>
           </a:p>
           <a:p>
             <a:pPr lvl="3"/>
             <a:r>
-              <a:rPr lang="fr-FR" noProof="0" smtClean="0"/>
+              <a:rPr lang="fr-FR" noProof="0"/>
               <a:t>Quatrième niveau</a:t>
             </a:r>
           </a:p>
           <a:p>
             <a:pPr lvl="4"/>
             <a:r>
-              <a:rPr lang="fr-FR" noProof="0" smtClean="0"/>
+              <a:rPr lang="fr-FR" noProof="0"/>
               <a:t>Cinquième niveau</a:t>
             </a:r>
           </a:p>
@@ -932,10 +956,9 @@
           <a:lstStyle/>
           <a:p>
             <a:r>
-              <a:rPr lang="fr-FR" smtClean="0"/>
+              <a:rPr lang="fr-FR"/>
               <a:t>Cliquez pour modifier le style du titre</a:t>
             </a:r>
-            <a:endParaRPr lang="fr-FR"/>
           </a:p>
         </p:txBody>
       </p:sp>
@@ -997,10 +1020,9 @@
           </a:lstStyle>
           <a:p>
             <a:r>
-              <a:rPr lang="fr-FR" smtClean="0"/>
+              <a:rPr lang="fr-FR"/>
               <a:t>Cliquez pour modifier le style des sous-titres du masque</a:t>
             </a:r>
-            <a:endParaRPr lang="fr-FR"/>
           </a:p>
         </p:txBody>
       </p:sp>
@@ -1055,10 +1077,9 @@
           <a:lstStyle/>
           <a:p>
             <a:r>
-              <a:rPr lang="fr-FR" smtClean="0"/>
+              <a:rPr lang="fr-FR"/>
               <a:t>Cliquez pour modifier le style du titre</a:t>
             </a:r>
-            <a:endParaRPr lang="fr-FR"/>
           </a:p>
         </p:txBody>
       </p:sp>
@@ -1084,38 +1105,37 @@
           <a:p>
             <a:pPr lvl="0"/>
             <a:r>
-              <a:rPr lang="fr-FR" smtClean="0"/>
+              <a:rPr lang="fr-FR"/>
               <a:t>Cliquez pour modifier les styles du texte du masque</a:t>
             </a:r>
           </a:p>
           <a:p>
             <a:pPr lvl="1"/>
             <a:r>
-              <a:rPr lang="fr-FR" smtClean="0"/>
+              <a:rPr lang="fr-FR"/>
               <a:t>Deuxième niveau</a:t>
             </a:r>
           </a:p>
           <a:p>
             <a:pPr lvl="2"/>
             <a:r>
-              <a:rPr lang="fr-FR" smtClean="0"/>
+              <a:rPr lang="fr-FR"/>
               <a:t>Troisième niveau</a:t>
             </a:r>
           </a:p>
           <a:p>
             <a:pPr lvl="3"/>
             <a:r>
-              <a:rPr lang="fr-FR" smtClean="0"/>
+              <a:rPr lang="fr-FR"/>
               <a:t>Quatrième niveau</a:t>
             </a:r>
           </a:p>
           <a:p>
             <a:pPr lvl="4"/>
             <a:r>
-              <a:rPr lang="fr-FR" smtClean="0"/>
+              <a:rPr lang="fr-FR"/>
               <a:t>Cinquième niveau</a:t>
             </a:r>
-            <a:endParaRPr lang="fr-FR"/>
           </a:p>
         </p:txBody>
       </p:sp>
@@ -1174,10 +1194,9 @@
           </a:lstStyle>
           <a:p>
             <a:r>
-              <a:rPr lang="fr-FR" dirty="0" smtClean="0"/>
+              <a:rPr lang="fr-FR" dirty="0"/>
               <a:t>Cliquez pour modifier le style du titre</a:t>
             </a:r>
-            <a:endParaRPr lang="fr-FR" dirty="0"/>
           </a:p>
         </p:txBody>
       </p:sp>
@@ -1203,38 +1222,37 @@
           <a:p>
             <a:pPr lvl="0"/>
             <a:r>
-              <a:rPr lang="fr-FR" dirty="0" smtClean="0"/>
+              <a:rPr lang="fr-FR" dirty="0"/>
               <a:t>Cliquez pour modifier les styles du texte du masque</a:t>
             </a:r>
           </a:p>
           <a:p>
             <a:pPr lvl="1"/>
             <a:r>
-              <a:rPr lang="fr-FR" dirty="0" smtClean="0"/>
+              <a:rPr lang="fr-FR" dirty="0"/>
               <a:t>Deuxième niveau</a:t>
             </a:r>
           </a:p>
           <a:p>
             <a:pPr lvl="2"/>
             <a:r>
-              <a:rPr lang="fr-FR" dirty="0" smtClean="0"/>
+              <a:rPr lang="fr-FR" dirty="0"/>
               <a:t>Troisième niveau</a:t>
             </a:r>
           </a:p>
           <a:p>
             <a:pPr lvl="3"/>
             <a:r>
-              <a:rPr lang="fr-FR" dirty="0" smtClean="0"/>
+              <a:rPr lang="fr-FR" dirty="0"/>
               <a:t>Quatrième niveau</a:t>
             </a:r>
           </a:p>
           <a:p>
             <a:pPr lvl="4"/>
             <a:r>
-              <a:rPr lang="fr-FR" dirty="0" smtClean="0"/>
+              <a:rPr lang="fr-FR" dirty="0"/>
               <a:t>Cinquième niveau</a:t>
             </a:r>
-            <a:endParaRPr lang="fr-FR" dirty="0"/>
           </a:p>
         </p:txBody>
       </p:sp>
@@ -1284,10 +1302,9 @@
           <a:lstStyle/>
           <a:p>
             <a:r>
-              <a:rPr lang="fr-FR" smtClean="0"/>
+              <a:rPr lang="fr-FR"/>
               <a:t>Cliquez pour modifier le style du titre</a:t>
             </a:r>
-            <a:endParaRPr lang="fr-FR"/>
           </a:p>
         </p:txBody>
       </p:sp>
@@ -1341,38 +1358,37 @@
           <a:p>
             <a:pPr lvl="0"/>
             <a:r>
-              <a:rPr lang="fr-FR" smtClean="0"/>
+              <a:rPr lang="fr-FR"/>
               <a:t>Cliquez pour modifier les styles du texte du masque</a:t>
             </a:r>
           </a:p>
           <a:p>
             <a:pPr lvl="1"/>
             <a:r>
-              <a:rPr lang="fr-FR" smtClean="0"/>
+              <a:rPr lang="fr-FR"/>
               <a:t>Deuxième niveau</a:t>
             </a:r>
           </a:p>
           <a:p>
             <a:pPr lvl="2"/>
             <a:r>
-              <a:rPr lang="fr-FR" smtClean="0"/>
+              <a:rPr lang="fr-FR"/>
               <a:t>Troisième niveau</a:t>
             </a:r>
           </a:p>
           <a:p>
             <a:pPr lvl="3"/>
             <a:r>
-              <a:rPr lang="fr-FR" smtClean="0"/>
+              <a:rPr lang="fr-FR"/>
               <a:t>Quatrième niveau</a:t>
             </a:r>
           </a:p>
           <a:p>
             <a:pPr lvl="4"/>
             <a:r>
-              <a:rPr lang="fr-FR" smtClean="0"/>
+              <a:rPr lang="fr-FR"/>
               <a:t>Cinquième niveau</a:t>
             </a:r>
-            <a:endParaRPr lang="fr-FR"/>
           </a:p>
         </p:txBody>
       </p:sp>
@@ -1426,38 +1442,37 @@
           <a:p>
             <a:pPr lvl="0"/>
             <a:r>
-              <a:rPr lang="fr-FR" smtClean="0"/>
+              <a:rPr lang="fr-FR"/>
               <a:t>Cliquez pour modifier les styles du texte du masque</a:t>
             </a:r>
           </a:p>
           <a:p>
             <a:pPr lvl="1"/>
             <a:r>
-              <a:rPr lang="fr-FR" smtClean="0"/>
+              <a:rPr lang="fr-FR"/>
               <a:t>Deuxième niveau</a:t>
             </a:r>
           </a:p>
           <a:p>
             <a:pPr lvl="2"/>
             <a:r>
-              <a:rPr lang="fr-FR" smtClean="0"/>
+              <a:rPr lang="fr-FR"/>
               <a:t>Troisième niveau</a:t>
             </a:r>
           </a:p>
           <a:p>
             <a:pPr lvl="3"/>
             <a:r>
-              <a:rPr lang="fr-FR" smtClean="0"/>
+              <a:rPr lang="fr-FR"/>
               <a:t>Quatrième niveau</a:t>
             </a:r>
           </a:p>
           <a:p>
             <a:pPr lvl="4"/>
             <a:r>
-              <a:rPr lang="fr-FR" smtClean="0"/>
+              <a:rPr lang="fr-FR"/>
               <a:t>Cinquième niveau</a:t>
             </a:r>
-            <a:endParaRPr lang="fr-FR"/>
           </a:p>
         </p:txBody>
       </p:sp>
@@ -1516,10 +1531,9 @@
           </a:lstStyle>
           <a:p>
             <a:r>
-              <a:rPr lang="fr-FR" smtClean="0"/>
+              <a:rPr lang="fr-FR"/>
               <a:t>Cliquez pour modifier le style du titre</a:t>
             </a:r>
-            <a:endParaRPr lang="fr-FR"/>
           </a:p>
         </p:txBody>
       </p:sp>
@@ -1582,7 +1596,7 @@
           <a:p>
             <a:pPr lvl="0"/>
             <a:r>
-              <a:rPr lang="fr-FR" smtClean="0"/>
+              <a:rPr lang="fr-FR"/>
               <a:t>Cliquez pour modifier les styles du texte du masque</a:t>
             </a:r>
           </a:p>
@@ -1638,38 +1652,37 @@
           <a:p>
             <a:pPr lvl="0"/>
             <a:r>
-              <a:rPr lang="fr-FR" smtClean="0"/>
+              <a:rPr lang="fr-FR"/>
               <a:t>Cliquez pour modifier les styles du texte du masque</a:t>
             </a:r>
           </a:p>
           <a:p>
             <a:pPr lvl="1"/>
             <a:r>
-              <a:rPr lang="fr-FR" smtClean="0"/>
+              <a:rPr lang="fr-FR"/>
               <a:t>Deuxième niveau</a:t>
             </a:r>
           </a:p>
           <a:p>
             <a:pPr lvl="2"/>
             <a:r>
-              <a:rPr lang="fr-FR" smtClean="0"/>
+              <a:rPr lang="fr-FR"/>
               <a:t>Troisième niveau</a:t>
             </a:r>
           </a:p>
           <a:p>
             <a:pPr lvl="3"/>
             <a:r>
-              <a:rPr lang="fr-FR" smtClean="0"/>
+              <a:rPr lang="fr-FR"/>
               <a:t>Quatrième niveau</a:t>
             </a:r>
           </a:p>
           <a:p>
             <a:pPr lvl="4"/>
             <a:r>
-              <a:rPr lang="fr-FR" smtClean="0"/>
+              <a:rPr lang="fr-FR"/>
               <a:t>Cinquième niveau</a:t>
             </a:r>
-            <a:endParaRPr lang="fr-FR"/>
           </a:p>
         </p:txBody>
       </p:sp>
@@ -1732,7 +1745,7 @@
           <a:p>
             <a:pPr lvl="0"/>
             <a:r>
-              <a:rPr lang="fr-FR" smtClean="0"/>
+              <a:rPr lang="fr-FR"/>
               <a:t>Cliquez pour modifier les styles du texte du masque</a:t>
             </a:r>
           </a:p>
@@ -1788,38 +1801,37 @@
           <a:p>
             <a:pPr lvl="0"/>
             <a:r>
-              <a:rPr lang="fr-FR" smtClean="0"/>
+              <a:rPr lang="fr-FR"/>
               <a:t>Cliquez pour modifier les styles du texte du masque</a:t>
             </a:r>
           </a:p>
           <a:p>
             <a:pPr lvl="1"/>
             <a:r>
-              <a:rPr lang="fr-FR" smtClean="0"/>
+              <a:rPr lang="fr-FR"/>
               <a:t>Deuxième niveau</a:t>
             </a:r>
           </a:p>
           <a:p>
             <a:pPr lvl="2"/>
             <a:r>
-              <a:rPr lang="fr-FR" smtClean="0"/>
+              <a:rPr lang="fr-FR"/>
               <a:t>Troisième niveau</a:t>
             </a:r>
           </a:p>
           <a:p>
             <a:pPr lvl="3"/>
             <a:r>
-              <a:rPr lang="fr-FR" smtClean="0"/>
+              <a:rPr lang="fr-FR"/>
               <a:t>Quatrième niveau</a:t>
             </a:r>
           </a:p>
           <a:p>
             <a:pPr lvl="4"/>
             <a:r>
-              <a:rPr lang="fr-FR" smtClean="0"/>
+              <a:rPr lang="fr-FR"/>
               <a:t>Cinquième niveau</a:t>
             </a:r>
-            <a:endParaRPr lang="fr-FR"/>
           </a:p>
         </p:txBody>
       </p:sp>
@@ -1869,10 +1881,9 @@
           <a:lstStyle/>
           <a:p>
             <a:r>
-              <a:rPr lang="fr-FR" smtClean="0"/>
+              <a:rPr lang="fr-FR"/>
               <a:t>Cliquez pour modifier le style du titre</a:t>
             </a:r>
-            <a:endParaRPr lang="fr-FR"/>
           </a:p>
         </p:txBody>
       </p:sp>
@@ -1961,10 +1972,9 @@
           </a:lstStyle>
           <a:p>
             <a:r>
-              <a:rPr lang="fr-FR" smtClean="0"/>
+              <a:rPr lang="fr-FR"/>
               <a:t>Cliquez pour modifier le style du titre</a:t>
             </a:r>
-            <a:endParaRPr lang="fr-FR"/>
           </a:p>
         </p:txBody>
       </p:sp>
@@ -2018,38 +2028,37 @@
           <a:p>
             <a:pPr lvl="0"/>
             <a:r>
-              <a:rPr lang="fr-FR" smtClean="0"/>
+              <a:rPr lang="fr-FR"/>
               <a:t>Cliquez pour modifier les styles du texte du masque</a:t>
             </a:r>
           </a:p>
           <a:p>
             <a:pPr lvl="1"/>
             <a:r>
-              <a:rPr lang="fr-FR" smtClean="0"/>
+              <a:rPr lang="fr-FR"/>
               <a:t>Deuxième niveau</a:t>
             </a:r>
           </a:p>
           <a:p>
             <a:pPr lvl="2"/>
             <a:r>
-              <a:rPr lang="fr-FR" smtClean="0"/>
+              <a:rPr lang="fr-FR"/>
               <a:t>Troisième niveau</a:t>
             </a:r>
           </a:p>
           <a:p>
             <a:pPr lvl="3"/>
             <a:r>
-              <a:rPr lang="fr-FR" smtClean="0"/>
+              <a:rPr lang="fr-FR"/>
               <a:t>Quatrième niveau</a:t>
             </a:r>
           </a:p>
           <a:p>
             <a:pPr lvl="4"/>
             <a:r>
-              <a:rPr lang="fr-FR" smtClean="0"/>
+              <a:rPr lang="fr-FR"/>
               <a:t>Cinquième niveau</a:t>
             </a:r>
-            <a:endParaRPr lang="fr-FR"/>
           </a:p>
         </p:txBody>
       </p:sp>
@@ -2112,7 +2121,7 @@
           <a:p>
             <a:pPr lvl="0"/>
             <a:r>
-              <a:rPr lang="fr-FR" smtClean="0"/>
+              <a:rPr lang="fr-FR"/>
               <a:t>Cliquez pour modifier les styles du texte du masque</a:t>
             </a:r>
           </a:p>
@@ -2173,10 +2182,9 @@
           </a:lstStyle>
           <a:p>
             <a:r>
-              <a:rPr lang="fr-FR" smtClean="0"/>
+              <a:rPr lang="fr-FR"/>
               <a:t>Cliquez pour modifier le style du titre</a:t>
             </a:r>
-            <a:endParaRPr lang="fr-FR"/>
           </a:p>
         </p:txBody>
       </p:sp>
@@ -2238,7 +2246,7 @@
           </a:lstStyle>
           <a:p>
             <a:pPr lvl="0"/>
-            <a:endParaRPr lang="fr-FR" noProof="0" smtClean="0"/>
+            <a:endParaRPr lang="fr-FR" noProof="0"/>
           </a:p>
         </p:txBody>
       </p:sp>
@@ -2301,7 +2309,7 @@
           <a:p>
             <a:pPr lvl="0"/>
             <a:r>
-              <a:rPr lang="fr-FR" smtClean="0"/>
+              <a:rPr lang="fr-FR"/>
               <a:t>Cliquez pour modifier les styles du texte du masque</a:t>
             </a:r>
           </a:p>
@@ -2353,10 +2361,9 @@
           <a:lstStyle/>
           <a:p>
             <a:r>
-              <a:rPr lang="fr-FR" smtClean="0"/>
+              <a:rPr lang="fr-FR"/>
               <a:t>Cliquez pour modifier le style du titre</a:t>
             </a:r>
-            <a:endParaRPr lang="fr-FR"/>
           </a:p>
         </p:txBody>
       </p:sp>
@@ -2377,38 +2384,37 @@
           <a:p>
             <a:pPr lvl="0"/>
             <a:r>
-              <a:rPr lang="fr-FR" smtClean="0"/>
+              <a:rPr lang="fr-FR"/>
               <a:t>Cliquez pour modifier les styles du texte du masque</a:t>
             </a:r>
           </a:p>
           <a:p>
             <a:pPr lvl="1"/>
             <a:r>
-              <a:rPr lang="fr-FR" smtClean="0"/>
+              <a:rPr lang="fr-FR"/>
               <a:t>Deuxième niveau</a:t>
             </a:r>
           </a:p>
           <a:p>
             <a:pPr lvl="2"/>
             <a:r>
-              <a:rPr lang="fr-FR" smtClean="0"/>
+              <a:rPr lang="fr-FR"/>
               <a:t>Troisième niveau</a:t>
             </a:r>
           </a:p>
           <a:p>
             <a:pPr lvl="3"/>
             <a:r>
-              <a:rPr lang="fr-FR" smtClean="0"/>
+              <a:rPr lang="fr-FR"/>
               <a:t>Quatrième niveau</a:t>
             </a:r>
           </a:p>
           <a:p>
             <a:pPr lvl="4"/>
             <a:r>
-              <a:rPr lang="fr-FR" smtClean="0"/>
+              <a:rPr lang="fr-FR"/>
               <a:t>Cinquième niveau</a:t>
             </a:r>
-            <a:endParaRPr lang="fr-FR"/>
           </a:p>
         </p:txBody>
       </p:sp>
@@ -2589,7 +2595,7 @@
             <a:pPr eaLnBrk="1" hangingPunct="1">
               <a:defRPr/>
             </a:pPr>
-            <a:endParaRPr lang="fr-FR" altLang="fr-FR" smtClean="0"/>
+            <a:endParaRPr lang="fr-FR" altLang="fr-FR"/>
           </a:p>
         </p:txBody>
       </p:sp>
@@ -2743,7 +2749,7 @@
               <a:defRPr/>
             </a:pPr>
             <a:r>
-              <a:rPr lang="fr-FR" sz="1200" dirty="0" smtClean="0"/>
+              <a:rPr lang="fr-FR" sz="1200" dirty="0"/>
               <a:t>Page </a:t>
             </a:r>
             <a:fld id="{E218E9B1-FD08-4C80-902E-210BA2967D0D}" type="slidenum">
@@ -2756,7 +2762,7 @@
               </a:pPr>
               <a:t>‹N°›</a:t>
             </a:fld>
-            <a:endParaRPr lang="fr-FR" dirty="0" smtClean="0">
+            <a:endParaRPr lang="fr-FR" dirty="0">
               <a:latin typeface="Times New Roman" pitchFamily="18" charset="0"/>
             </a:endParaRPr>
           </a:p>
@@ -2912,14 +2918,14 @@
               <a:defRPr/>
             </a:pPr>
             <a:r>
-              <a:rPr lang="fr-FR" sz="1600" dirty="0" err="1" smtClean="0"/>
+              <a:rPr lang="fr-FR" sz="1600" dirty="0" err="1"/>
               <a:t>Big</a:t>
             </a:r>
             <a:r>
-              <a:rPr lang="fr-FR" sz="1600" dirty="0" smtClean="0"/>
+              <a:rPr lang="fr-FR" sz="1600" dirty="0"/>
               <a:t> Data</a:t>
             </a:r>
-            <a:endParaRPr lang="fr-FR" dirty="0" smtClean="0">
+            <a:endParaRPr lang="fr-FR" dirty="0">
               <a:latin typeface="Times New Roman" pitchFamily="18" charset="0"/>
             </a:endParaRPr>
           </a:p>
@@ -2977,7 +2983,7 @@
           <a:p>
             <a:pPr lvl="0"/>
             <a:r>
-              <a:rPr lang="fr-FR" altLang="fr-FR" smtClean="0"/>
+              <a:rPr lang="fr-FR" altLang="fr-FR"/>
               <a:t>Cliquez pour modifier le style du titre du masque</a:t>
             </a:r>
           </a:p>
@@ -3035,35 +3041,35 @@
           <a:p>
             <a:pPr lvl="0"/>
             <a:r>
-              <a:rPr lang="fr-FR" altLang="fr-FR" smtClean="0"/>
+              <a:rPr lang="fr-FR" altLang="fr-FR"/>
               <a:t>Cliquez pour modifier les styles du texte du masque</a:t>
             </a:r>
           </a:p>
           <a:p>
             <a:pPr lvl="1"/>
             <a:r>
-              <a:rPr lang="fr-FR" altLang="fr-FR" smtClean="0"/>
+              <a:rPr lang="fr-FR" altLang="fr-FR"/>
               <a:t>Deuxième niveau</a:t>
             </a:r>
           </a:p>
           <a:p>
             <a:pPr lvl="2"/>
             <a:r>
-              <a:rPr lang="fr-FR" altLang="fr-FR" smtClean="0"/>
+              <a:rPr lang="fr-FR" altLang="fr-FR"/>
               <a:t>Troisième niveau</a:t>
             </a:r>
           </a:p>
           <a:p>
             <a:pPr lvl="3"/>
             <a:r>
-              <a:rPr lang="fr-FR" altLang="fr-FR" smtClean="0"/>
+              <a:rPr lang="fr-FR" altLang="fr-FR"/>
               <a:t>Quatrième niveau</a:t>
             </a:r>
           </a:p>
           <a:p>
             <a:pPr lvl="4"/>
             <a:r>
-              <a:rPr lang="fr-FR" altLang="fr-FR" smtClean="0"/>
+              <a:rPr lang="fr-FR" altLang="fr-FR"/>
               <a:t>Cinquième niveau</a:t>
             </a:r>
           </a:p>
@@ -3219,10 +3225,10 @@
               <a:defRPr/>
             </a:pPr>
             <a:r>
-              <a:rPr lang="fr-FR" sz="1200" smtClean="0"/>
+              <a:rPr lang="fr-FR" sz="1200"/>
               <a:t>© Cyril Vincent Conseil</a:t>
             </a:r>
-            <a:endParaRPr lang="fr-FR" smtClean="0">
+            <a:endParaRPr lang="fr-FR">
               <a:latin typeface="Times New Roman" pitchFamily="18" charset="0"/>
             </a:endParaRPr>
           </a:p>
@@ -3704,22 +3710,17 @@
           <a:p>
             <a:pPr eaLnBrk="1" hangingPunct="1"/>
             <a:r>
-              <a:rPr lang="fr-FR" altLang="fr-FR" dirty="0" smtClean="0"/>
-              <a:t>Chapitre </a:t>
-            </a:r>
-            <a:r>
               <a:rPr lang="fr-FR" altLang="fr-FR" dirty="0"/>
-              <a:t>1</a:t>
-            </a:r>
-            <a:endParaRPr lang="fr-FR" altLang="fr-FR" dirty="0" smtClean="0"/>
+              <a:t>Chapitre 1</a:t>
+            </a:r>
           </a:p>
           <a:p>
             <a:pPr eaLnBrk="1" hangingPunct="1"/>
             <a:r>
-              <a:rPr lang="fr-FR" altLang="fr-FR" smtClean="0"/>
+              <a:rPr lang="fr-FR" altLang="fr-FR"/>
               <a:t>Introduction</a:t>
             </a:r>
-            <a:endParaRPr lang="fr-FR" altLang="fr-FR" dirty="0" smtClean="0"/>
+            <a:endParaRPr lang="fr-FR" altLang="fr-FR" dirty="0"/>
           </a:p>
         </p:txBody>
       </p:sp>
@@ -3770,14 +3771,13 @@
           <a:lstStyle/>
           <a:p>
             <a:r>
-              <a:rPr lang="fr-FR" sz="3600" dirty="0" err="1" smtClean="0"/>
+              <a:rPr lang="fr-FR" sz="3600" dirty="0" err="1"/>
               <a:t>Big</a:t>
             </a:r>
             <a:r>
-              <a:rPr lang="fr-FR" sz="3600" dirty="0" smtClean="0"/>
+              <a:rPr lang="fr-FR" sz="3600" dirty="0"/>
               <a:t> Data</a:t>
             </a:r>
-            <a:endParaRPr lang="fr-FR" sz="3600" dirty="0"/>
           </a:p>
         </p:txBody>
       </p:sp>
@@ -3786,13 +3786,6 @@
   <p:clrMapOvr>
     <a:masterClrMapping/>
   </p:clrMapOvr>
-  <p:timing>
-    <p:tnLst>
-      <p:par>
-        <p:cTn id="1" dur="indefinite" restart="never" nodeType="tmRoot"/>
-      </p:par>
-    </p:tnLst>
-  </p:timing>
 </p:sld>
 </file>
 
@@ -3902,13 +3895,6 @@
   <p:clrMapOvr>
     <a:masterClrMapping/>
   </p:clrMapOvr>
-  <p:timing>
-    <p:tnLst>
-      <p:par>
-        <p:cTn id="1" dur="indefinite" restart="never" nodeType="tmRoot"/>
-      </p:par>
-    </p:tnLst>
-  </p:timing>
 </p:sld>
 </file>
 
@@ -3945,10 +3931,9 @@
           <a:lstStyle/>
           <a:p>
             <a:r>
-              <a:rPr lang="fr-FR" dirty="0" smtClean="0"/>
+              <a:rPr lang="fr-FR" dirty="0"/>
               <a:t>L'intelligence artificielle</a:t>
             </a:r>
-            <a:endParaRPr lang="fr-FR" dirty="0"/>
           </a:p>
         </p:txBody>
       </p:sp>
@@ -3973,12 +3958,8 @@
           <a:lstStyle/>
           <a:p>
             <a:r>
-              <a:rPr lang="fr-FR" dirty="0" smtClean="0"/>
-              <a:t>l'IA est </a:t>
-            </a:r>
-            <a:r>
-              <a:rPr lang="fr-FR" dirty="0"/>
-              <a:t>l'ensemble des théories et des techniques mises en œuvre en vue de réaliser des machines capables de simuler l'intelligence </a:t>
+              <a:rPr lang="fr-FR" dirty="0"/>
+              <a:t>l'IA est l'ensemble des théories et des techniques mises en œuvre en vue de réaliser des machines capables de simuler l'intelligence </a:t>
             </a:r>
           </a:p>
         </p:txBody>
@@ -4070,10 +4051,9 @@
           <a:lstStyle/>
           <a:p>
             <a:r>
-              <a:rPr lang="fr-FR" dirty="0" smtClean="0"/>
+              <a:rPr lang="fr-FR" dirty="0"/>
               <a:t>IA - ML - DL</a:t>
             </a:r>
-            <a:endParaRPr lang="fr-FR" dirty="0"/>
           </a:p>
         </p:txBody>
       </p:sp>
@@ -4164,10 +4144,9 @@
           <a:lstStyle/>
           <a:p>
             <a:r>
-              <a:rPr lang="fr-FR" dirty="0" smtClean="0"/>
+              <a:rPr lang="fr-FR" dirty="0"/>
               <a:t>Apprentissage supervisé</a:t>
             </a:r>
-            <a:endParaRPr lang="fr-FR" dirty="0"/>
           </a:p>
         </p:txBody>
       </p:sp>
@@ -4187,17 +4166,16 @@
           <a:lstStyle/>
           <a:p>
             <a:r>
-              <a:rPr lang="fr-FR" dirty="0" smtClean="0"/>
+              <a:rPr lang="fr-FR" dirty="0"/>
               <a:t>Dans cet exemple les images ont été annotés par un expert avec leur catégorie</a:t>
             </a:r>
           </a:p>
           <a:p>
             <a:pPr lvl="1"/>
             <a:r>
-              <a:rPr lang="fr-FR" dirty="0" smtClean="0"/>
+              <a:rPr lang="fr-FR" dirty="0"/>
               <a:t>La machine apprend puis prédit</a:t>
             </a:r>
-            <a:endParaRPr lang="fr-FR" dirty="0"/>
           </a:p>
         </p:txBody>
       </p:sp>
@@ -4255,6 +4233,732 @@
 </p:sld>
 </file>
 
+<file path=ppt/slides/slide14.xml><?xml version="1.0" encoding="utf-8"?>
+<p:sld xmlns:a="http://schemas.openxmlformats.org/drawingml/2006/main" xmlns:r="http://schemas.openxmlformats.org/officeDocument/2006/relationships" xmlns:p="http://schemas.openxmlformats.org/presentationml/2006/main">
+  <p:cSld>
+    <p:spTree>
+      <p:nvGrpSpPr>
+        <p:cNvPr id="1" name=""/>
+        <p:cNvGrpSpPr/>
+        <p:nvPr/>
+      </p:nvGrpSpPr>
+      <p:grpSpPr>
+        <a:xfrm>
+          <a:off x="0" y="0"/>
+          <a:ext cx="0" cy="0"/>
+          <a:chOff x="0" y="0"/>
+          <a:chExt cx="0" cy="0"/>
+        </a:xfrm>
+      </p:grpSpPr>
+      <p:sp>
+        <p:nvSpPr>
+          <p:cNvPr id="2" name="Titre 1"/>
+          <p:cNvSpPr>
+            <a:spLocks noGrp="1"/>
+          </p:cNvSpPr>
+          <p:nvPr>
+            <p:ph type="title"/>
+          </p:nvPr>
+        </p:nvSpPr>
+        <p:spPr/>
+        <p:txBody>
+          <a:bodyPr/>
+          <a:lstStyle/>
+          <a:p>
+            <a:r>
+              <a:rPr lang="fr-FR" dirty="0"/>
+              <a:t>Machine Learning vs Programmation</a:t>
+            </a:r>
+          </a:p>
+        </p:txBody>
+      </p:sp>
+      <p:pic>
+        <p:nvPicPr>
+          <p:cNvPr id="1026" name="Picture 2" descr="https://dpzbhybb2pdcj.cloudfront.net/allaire/Figures/01fig02.jpg"/>
+          <p:cNvPicPr>
+            <a:picLocks noChangeAspect="1" noChangeArrowheads="1"/>
+          </p:cNvPicPr>
+          <p:nvPr/>
+        </p:nvPicPr>
+        <p:blipFill>
+          <a:blip r:embed="rId2">
+            <a:extLst>
+              <a:ext uri="{28A0092B-C50C-407E-A947-70E740481C1C}">
+                <a14:useLocalDpi xmlns:a14="http://schemas.microsoft.com/office/drawing/2010/main" val="0"/>
+              </a:ext>
+            </a:extLst>
+          </a:blip>
+          <a:srcRect/>
+          <a:stretch>
+            <a:fillRect/>
+          </a:stretch>
+        </p:blipFill>
+        <p:spPr bwMode="auto">
+          <a:xfrm>
+            <a:off x="1275603" y="1947168"/>
+            <a:ext cx="6211602" cy="3152158"/>
+          </a:xfrm>
+          <a:prstGeom prst="rect">
+            <a:avLst/>
+          </a:prstGeom>
+          <a:noFill/>
+          <a:extLst>
+            <a:ext uri="{909E8E84-426E-40DD-AFC4-6F175D3DCCD1}">
+              <a14:hiddenFill xmlns:a14="http://schemas.microsoft.com/office/drawing/2010/main">
+                <a:solidFill>
+                  <a:srgbClr val="FFFFFF"/>
+                </a:solidFill>
+              </a14:hiddenFill>
+            </a:ext>
+          </a:extLst>
+        </p:spPr>
+      </p:pic>
+    </p:spTree>
+    <p:extLst>
+      <p:ext uri="{BB962C8B-B14F-4D97-AF65-F5344CB8AC3E}">
+        <p14:creationId xmlns:p14="http://schemas.microsoft.com/office/powerpoint/2010/main" val="2478381203"/>
+      </p:ext>
+    </p:extLst>
+  </p:cSld>
+  <p:clrMapOvr>
+    <a:masterClrMapping/>
+  </p:clrMapOvr>
+</p:sld>
+</file>
+
+<file path=ppt/slides/slide15.xml><?xml version="1.0" encoding="utf-8"?>
+<p:sld xmlns:a="http://schemas.openxmlformats.org/drawingml/2006/main" xmlns:r="http://schemas.openxmlformats.org/officeDocument/2006/relationships" xmlns:p="http://schemas.openxmlformats.org/presentationml/2006/main">
+  <p:cSld>
+    <p:spTree>
+      <p:nvGrpSpPr>
+        <p:cNvPr id="1" name=""/>
+        <p:cNvGrpSpPr/>
+        <p:nvPr/>
+      </p:nvGrpSpPr>
+      <p:grpSpPr>
+        <a:xfrm>
+          <a:off x="0" y="0"/>
+          <a:ext cx="0" cy="0"/>
+          <a:chOff x="0" y="0"/>
+          <a:chExt cx="0" cy="0"/>
+        </a:xfrm>
+      </p:grpSpPr>
+      <p:sp>
+        <p:nvSpPr>
+          <p:cNvPr id="2" name="Titre 1"/>
+          <p:cNvSpPr>
+            <a:spLocks noGrp="1"/>
+          </p:cNvSpPr>
+          <p:nvPr>
+            <p:ph type="title"/>
+          </p:nvPr>
+        </p:nvSpPr>
+        <p:spPr/>
+        <p:txBody>
+          <a:bodyPr/>
+          <a:lstStyle/>
+          <a:p>
+            <a:r>
+              <a:rPr lang="fr-FR" dirty="0"/>
+              <a:t>Apprentissage</a:t>
+            </a:r>
+          </a:p>
+        </p:txBody>
+      </p:sp>
+      <p:sp>
+        <p:nvSpPr>
+          <p:cNvPr id="3" name="Espace réservé du contenu 2"/>
+          <p:cNvSpPr>
+            <a:spLocks noGrp="1"/>
+          </p:cNvSpPr>
+          <p:nvPr>
+            <p:ph idx="1"/>
+          </p:nvPr>
+        </p:nvSpPr>
+        <p:spPr>
+          <a:xfrm>
+            <a:off x="628650" y="2226469"/>
+            <a:ext cx="4262005" cy="3263504"/>
+          </a:xfrm>
+        </p:spPr>
+        <p:txBody>
+          <a:bodyPr/>
+          <a:lstStyle/>
+          <a:p>
+            <a:r>
+              <a:rPr lang="fr-FR" dirty="0"/>
+              <a:t>En </a:t>
+            </a:r>
+            <a:r>
+              <a:rPr lang="fr-FR" dirty="0" err="1"/>
+              <a:t>Deep</a:t>
+            </a:r>
+            <a:r>
+              <a:rPr lang="fr-FR" dirty="0"/>
+              <a:t> Learning, l'idée est que l'algorithme construise une "représentation interne" tout seul </a:t>
+            </a:r>
+          </a:p>
+          <a:p>
+            <a:pPr lvl="1"/>
+            <a:r>
+              <a:rPr lang="fr-FR" dirty="0"/>
+              <a:t>L’être humain est quasiment incapable d’écrire l’algorithme</a:t>
+            </a:r>
+          </a:p>
+          <a:p>
+            <a:r>
+              <a:rPr lang="fr-FR" dirty="0"/>
+              <a:t>Pour cela, il va d'abord falloir lui entrer un jeu de données d'exemples afin qu'il puisse s'entraîner</a:t>
+            </a:r>
+          </a:p>
+          <a:p>
+            <a:endParaRPr lang="fr-FR" dirty="0"/>
+          </a:p>
+        </p:txBody>
+      </p:sp>
+      <p:pic>
+        <p:nvPicPr>
+          <p:cNvPr id="5122" name="Picture 2" descr="MNIST - Lecture de la base de chiffres manuscrits | Intelligence  Artificielle">
+            <a:extLst>
+              <a:ext uri="{FF2B5EF4-FFF2-40B4-BE49-F238E27FC236}">
+                <a16:creationId xmlns:a16="http://schemas.microsoft.com/office/drawing/2014/main" id="{1A4D7DB9-6909-4529-A857-5E2BF0ACA20A}"/>
+              </a:ext>
+            </a:extLst>
+          </p:cNvPr>
+          <p:cNvPicPr>
+            <a:picLocks noChangeAspect="1" noChangeArrowheads="1"/>
+          </p:cNvPicPr>
+          <p:nvPr/>
+        </p:nvPicPr>
+        <p:blipFill>
+          <a:blip r:embed="rId2">
+            <a:extLst>
+              <a:ext uri="{28A0092B-C50C-407E-A947-70E740481C1C}">
+                <a14:useLocalDpi xmlns:a14="http://schemas.microsoft.com/office/drawing/2010/main" val="0"/>
+              </a:ext>
+            </a:extLst>
+          </a:blip>
+          <a:srcRect/>
+          <a:stretch>
+            <a:fillRect/>
+          </a:stretch>
+        </p:blipFill>
+        <p:spPr bwMode="auto">
+          <a:xfrm>
+            <a:off x="4972050" y="2280914"/>
+            <a:ext cx="4171950" cy="2764631"/>
+          </a:xfrm>
+          <a:prstGeom prst="rect">
+            <a:avLst/>
+          </a:prstGeom>
+          <a:noFill/>
+          <a:extLst>
+            <a:ext uri="{909E8E84-426E-40DD-AFC4-6F175D3DCCD1}">
+              <a14:hiddenFill xmlns:a14="http://schemas.microsoft.com/office/drawing/2010/main">
+                <a:solidFill>
+                  <a:srgbClr val="FFFFFF"/>
+                </a:solidFill>
+              </a14:hiddenFill>
+            </a:ext>
+          </a:extLst>
+        </p:spPr>
+      </p:pic>
+    </p:spTree>
+    <p:extLst>
+      <p:ext uri="{BB962C8B-B14F-4D97-AF65-F5344CB8AC3E}">
+        <p14:creationId xmlns:p14="http://schemas.microsoft.com/office/powerpoint/2010/main" val="3149347441"/>
+      </p:ext>
+    </p:extLst>
+  </p:cSld>
+  <p:clrMapOvr>
+    <a:masterClrMapping/>
+  </p:clrMapOvr>
+</p:sld>
+</file>
+
+<file path=ppt/slides/slide16.xml><?xml version="1.0" encoding="utf-8"?>
+<p:sld xmlns:a="http://schemas.openxmlformats.org/drawingml/2006/main" xmlns:r="http://schemas.openxmlformats.org/officeDocument/2006/relationships" xmlns:p="http://schemas.openxmlformats.org/presentationml/2006/main">
+  <p:cSld>
+    <p:spTree>
+      <p:nvGrpSpPr>
+        <p:cNvPr id="1" name=""/>
+        <p:cNvGrpSpPr/>
+        <p:nvPr/>
+      </p:nvGrpSpPr>
+      <p:grpSpPr>
+        <a:xfrm>
+          <a:off x="0" y="0"/>
+          <a:ext cx="0" cy="0"/>
+          <a:chOff x="0" y="0"/>
+          <a:chExt cx="0" cy="0"/>
+        </a:xfrm>
+      </p:grpSpPr>
+      <p:sp>
+        <p:nvSpPr>
+          <p:cNvPr id="2" name="Titre 1">
+            <a:extLst>
+              <a:ext uri="{FF2B5EF4-FFF2-40B4-BE49-F238E27FC236}">
+                <a16:creationId xmlns:a16="http://schemas.microsoft.com/office/drawing/2014/main" id="{DE9D51E5-13D3-4051-959E-71DF6575790E}"/>
+              </a:ext>
+            </a:extLst>
+          </p:cNvPr>
+          <p:cNvSpPr>
+            <a:spLocks noGrp="1"/>
+          </p:cNvSpPr>
+          <p:nvPr>
+            <p:ph type="title"/>
+          </p:nvPr>
+        </p:nvSpPr>
+        <p:spPr/>
+        <p:txBody>
+          <a:bodyPr/>
+          <a:lstStyle/>
+          <a:p>
+            <a:r>
+              <a:rPr lang="fr-FR" dirty="0"/>
+              <a:t>Prédiction</a:t>
+            </a:r>
+          </a:p>
+        </p:txBody>
+      </p:sp>
+      <p:sp>
+        <p:nvSpPr>
+          <p:cNvPr id="3" name="Espace réservé du contenu 2">
+            <a:extLst>
+              <a:ext uri="{FF2B5EF4-FFF2-40B4-BE49-F238E27FC236}">
+                <a16:creationId xmlns:a16="http://schemas.microsoft.com/office/drawing/2014/main" id="{6AE44763-AE4C-46F7-BB16-F40FA40A1A9B}"/>
+              </a:ext>
+            </a:extLst>
+          </p:cNvPr>
+          <p:cNvSpPr>
+            <a:spLocks noGrp="1"/>
+          </p:cNvSpPr>
+          <p:nvPr>
+            <p:ph idx="1"/>
+          </p:nvPr>
+        </p:nvSpPr>
+        <p:spPr/>
+        <p:txBody>
+          <a:bodyPr/>
+          <a:lstStyle/>
+          <a:p>
+            <a:r>
+              <a:rPr lang="fr-FR" dirty="0"/>
+              <a:t>Une fois l'apprentissage effectué le modèle est capable d'effectuer des prédictions sur des nouvelles données</a:t>
+            </a:r>
+          </a:p>
+        </p:txBody>
+      </p:sp>
+      <p:pic>
+        <p:nvPicPr>
+          <p:cNvPr id="4098" name="Picture 2" descr="Applied Sciences | Free Full-Text | A Survey of Handwritten Character  Recognition with MNIST and EMNIST | HTML">
+            <a:extLst>
+              <a:ext uri="{FF2B5EF4-FFF2-40B4-BE49-F238E27FC236}">
+                <a16:creationId xmlns:a16="http://schemas.microsoft.com/office/drawing/2014/main" id="{FE728249-27BB-4C95-91AD-87A5086EAF79}"/>
+              </a:ext>
+            </a:extLst>
+          </p:cNvPr>
+          <p:cNvPicPr>
+            <a:picLocks noChangeAspect="1" noChangeArrowheads="1"/>
+          </p:cNvPicPr>
+          <p:nvPr/>
+        </p:nvPicPr>
+        <p:blipFill>
+          <a:blip r:embed="rId2" cstate="print">
+            <a:extLst>
+              <a:ext uri="{28A0092B-C50C-407E-A947-70E740481C1C}">
+                <a14:useLocalDpi xmlns:a14="http://schemas.microsoft.com/office/drawing/2010/main" val="0"/>
+              </a:ext>
+            </a:extLst>
+          </a:blip>
+          <a:srcRect/>
+          <a:stretch>
+            <a:fillRect/>
+          </a:stretch>
+        </p:blipFill>
+        <p:spPr bwMode="auto">
+          <a:xfrm>
+            <a:off x="2148396" y="2947082"/>
+            <a:ext cx="4847208" cy="2542891"/>
+          </a:xfrm>
+          <a:prstGeom prst="rect">
+            <a:avLst/>
+          </a:prstGeom>
+          <a:noFill/>
+          <a:extLst>
+            <a:ext uri="{909E8E84-426E-40DD-AFC4-6F175D3DCCD1}">
+              <a14:hiddenFill xmlns:a14="http://schemas.microsoft.com/office/drawing/2010/main">
+                <a:solidFill>
+                  <a:srgbClr val="FFFFFF"/>
+                </a:solidFill>
+              </a14:hiddenFill>
+            </a:ext>
+          </a:extLst>
+        </p:spPr>
+      </p:pic>
+    </p:spTree>
+    <p:extLst>
+      <p:ext uri="{BB962C8B-B14F-4D97-AF65-F5344CB8AC3E}">
+        <p14:creationId xmlns:p14="http://schemas.microsoft.com/office/powerpoint/2010/main" val="608446594"/>
+      </p:ext>
+    </p:extLst>
+  </p:cSld>
+  <p:clrMapOvr>
+    <a:masterClrMapping/>
+  </p:clrMapOvr>
+</p:sld>
+</file>
+
+<file path=ppt/slides/slide17.xml><?xml version="1.0" encoding="utf-8"?>
+<p:sld xmlns:a="http://schemas.openxmlformats.org/drawingml/2006/main" xmlns:r="http://schemas.openxmlformats.org/officeDocument/2006/relationships" xmlns:p="http://schemas.openxmlformats.org/presentationml/2006/main">
+  <p:cSld>
+    <p:spTree>
+      <p:nvGrpSpPr>
+        <p:cNvPr id="1" name=""/>
+        <p:cNvGrpSpPr/>
+        <p:nvPr/>
+      </p:nvGrpSpPr>
+      <p:grpSpPr>
+        <a:xfrm>
+          <a:off x="0" y="0"/>
+          <a:ext cx="0" cy="0"/>
+          <a:chOff x="0" y="0"/>
+          <a:chExt cx="0" cy="0"/>
+        </a:xfrm>
+      </p:grpSpPr>
+      <p:sp>
+        <p:nvSpPr>
+          <p:cNvPr id="2" name="Titre 1"/>
+          <p:cNvSpPr>
+            <a:spLocks noGrp="1"/>
+          </p:cNvSpPr>
+          <p:nvPr>
+            <p:ph type="title"/>
+          </p:nvPr>
+        </p:nvSpPr>
+        <p:spPr/>
+        <p:txBody>
+          <a:bodyPr/>
+          <a:lstStyle/>
+          <a:p>
+            <a:r>
+              <a:rPr lang="fr-FR" dirty="0"/>
+              <a:t>Apprentissage non supervisé ou semi-supervisé</a:t>
+            </a:r>
+          </a:p>
+        </p:txBody>
+      </p:sp>
+      <p:sp>
+        <p:nvSpPr>
+          <p:cNvPr id="3" name="Espace réservé du contenu 2"/>
+          <p:cNvSpPr>
+            <a:spLocks noGrp="1"/>
+          </p:cNvSpPr>
+          <p:nvPr>
+            <p:ph idx="1"/>
+          </p:nvPr>
+        </p:nvSpPr>
+        <p:spPr/>
+        <p:txBody>
+          <a:bodyPr/>
+          <a:lstStyle/>
+          <a:p>
+            <a:r>
+              <a:rPr lang="fr-FR" dirty="0"/>
+              <a:t>Clustering</a:t>
+            </a:r>
+          </a:p>
+          <a:p>
+            <a:r>
+              <a:rPr lang="fr-FR" dirty="0"/>
+              <a:t>Regroupement en mesurant une "distance" entre des données</a:t>
+            </a:r>
+          </a:p>
+          <a:p>
+            <a:r>
+              <a:rPr lang="fr-FR" dirty="0"/>
+              <a:t>Par exemple :</a:t>
+            </a:r>
+          </a:p>
+          <a:p>
+            <a:pPr lvl="1"/>
+            <a:r>
+              <a:rPr lang="fr-FR" dirty="0"/>
+              <a:t>"Il fait beau" est plus proche de "le temps est magnifique" que "il est beau"</a:t>
+            </a:r>
+          </a:p>
+          <a:p>
+            <a:r>
+              <a:rPr lang="fr-FR" dirty="0"/>
+              <a:t>Cas d'utilisation</a:t>
+            </a:r>
+          </a:p>
+          <a:p>
+            <a:pPr lvl="1"/>
+            <a:r>
+              <a:rPr lang="fr-FR" dirty="0"/>
+              <a:t>Regrouper des images qui se ressemblent</a:t>
+            </a:r>
+          </a:p>
+          <a:p>
+            <a:pPr lvl="1"/>
+            <a:r>
+              <a:rPr lang="fr-FR" dirty="0"/>
+              <a:t>Regrouper des signaux électromagnétiques qui se ressemblent</a:t>
+            </a:r>
+          </a:p>
+          <a:p>
+            <a:pPr lvl="1"/>
+            <a:r>
+              <a:rPr lang="fr-FR" dirty="0"/>
+              <a:t>Regrouper des textes qui se ressemblent avec gestions des synonymes et des contextes</a:t>
+            </a:r>
+          </a:p>
+        </p:txBody>
+      </p:sp>
+    </p:spTree>
+    <p:extLst>
+      <p:ext uri="{BB962C8B-B14F-4D97-AF65-F5344CB8AC3E}">
+        <p14:creationId xmlns:p14="http://schemas.microsoft.com/office/powerpoint/2010/main" val="3823895156"/>
+      </p:ext>
+    </p:extLst>
+  </p:cSld>
+  <p:clrMapOvr>
+    <a:masterClrMapping/>
+  </p:clrMapOvr>
+</p:sld>
+</file>
+
+<file path=ppt/slides/slide18.xml><?xml version="1.0" encoding="utf-8"?>
+<p:sld xmlns:a="http://schemas.openxmlformats.org/drawingml/2006/main" xmlns:r="http://schemas.openxmlformats.org/officeDocument/2006/relationships" xmlns:p="http://schemas.openxmlformats.org/presentationml/2006/main">
+  <p:cSld>
+    <p:spTree>
+      <p:nvGrpSpPr>
+        <p:cNvPr id="1" name=""/>
+        <p:cNvGrpSpPr/>
+        <p:nvPr/>
+      </p:nvGrpSpPr>
+      <p:grpSpPr>
+        <a:xfrm>
+          <a:off x="0" y="0"/>
+          <a:ext cx="0" cy="0"/>
+          <a:chOff x="0" y="0"/>
+          <a:chExt cx="0" cy="0"/>
+        </a:xfrm>
+      </p:grpSpPr>
+      <p:sp>
+        <p:nvSpPr>
+          <p:cNvPr id="2" name="Titre 1"/>
+          <p:cNvSpPr>
+            <a:spLocks noGrp="1"/>
+          </p:cNvSpPr>
+          <p:nvPr>
+            <p:ph type="title"/>
+          </p:nvPr>
+        </p:nvSpPr>
+        <p:spPr/>
+        <p:txBody>
+          <a:bodyPr/>
+          <a:lstStyle/>
+          <a:p>
+            <a:r>
+              <a:rPr lang="fr-FR" dirty="0"/>
+              <a:t>But</a:t>
+            </a:r>
+          </a:p>
+        </p:txBody>
+      </p:sp>
+      <p:sp>
+        <p:nvSpPr>
+          <p:cNvPr id="3" name="Espace réservé du contenu 2"/>
+          <p:cNvSpPr>
+            <a:spLocks noGrp="1"/>
+          </p:cNvSpPr>
+          <p:nvPr>
+            <p:ph idx="1"/>
+          </p:nvPr>
+        </p:nvSpPr>
+        <p:spPr>
+          <a:xfrm>
+            <a:off x="628650" y="2040037"/>
+            <a:ext cx="7886700" cy="3263504"/>
+          </a:xfrm>
+        </p:spPr>
+        <p:txBody>
+          <a:bodyPr/>
+          <a:lstStyle/>
+          <a:p>
+            <a:r>
+              <a:rPr lang="fr-FR" dirty="0"/>
+              <a:t>En Machine Learning, l'objectif est de trouver un modèle mathématique du phénomène à l'origine des données par apprentissage</a:t>
+            </a:r>
+          </a:p>
+        </p:txBody>
+      </p:sp>
+      <p:pic>
+        <p:nvPicPr>
+          <p:cNvPr id="1026" name="Picture 2" descr="Machine learning en E-commerce : une expérience client optimale - Arkheus">
+            <a:extLst>
+              <a:ext uri="{FF2B5EF4-FFF2-40B4-BE49-F238E27FC236}">
+                <a16:creationId xmlns:a16="http://schemas.microsoft.com/office/drawing/2014/main" id="{AB55968D-DE43-4613-BCDF-B4584C3687F3}"/>
+              </a:ext>
+            </a:extLst>
+          </p:cNvPr>
+          <p:cNvPicPr>
+            <a:picLocks noChangeAspect="1" noChangeArrowheads="1"/>
+          </p:cNvPicPr>
+          <p:nvPr/>
+        </p:nvPicPr>
+        <p:blipFill>
+          <a:blip r:embed="rId2">
+            <a:extLst>
+              <a:ext uri="{28A0092B-C50C-407E-A947-70E740481C1C}">
+                <a14:useLocalDpi xmlns:a14="http://schemas.microsoft.com/office/drawing/2010/main" val="0"/>
+              </a:ext>
+            </a:extLst>
+          </a:blip>
+          <a:srcRect/>
+          <a:stretch>
+            <a:fillRect/>
+          </a:stretch>
+        </p:blipFill>
+        <p:spPr bwMode="auto">
+          <a:xfrm>
+            <a:off x="2915816" y="3501008"/>
+            <a:ext cx="3515592" cy="2487281"/>
+          </a:xfrm>
+          <a:prstGeom prst="rect">
+            <a:avLst/>
+          </a:prstGeom>
+          <a:noFill/>
+          <a:extLst>
+            <a:ext uri="{909E8E84-426E-40DD-AFC4-6F175D3DCCD1}">
+              <a14:hiddenFill xmlns:a14="http://schemas.microsoft.com/office/drawing/2010/main">
+                <a:solidFill>
+                  <a:srgbClr val="FFFFFF"/>
+                </a:solidFill>
+              </a14:hiddenFill>
+            </a:ext>
+          </a:extLst>
+        </p:spPr>
+      </p:pic>
+    </p:spTree>
+    <p:extLst>
+      <p:ext uri="{BB962C8B-B14F-4D97-AF65-F5344CB8AC3E}">
+        <p14:creationId xmlns:p14="http://schemas.microsoft.com/office/powerpoint/2010/main" val="3171926051"/>
+      </p:ext>
+    </p:extLst>
+  </p:cSld>
+  <p:clrMapOvr>
+    <a:masterClrMapping/>
+  </p:clrMapOvr>
+</p:sld>
+</file>
+
+<file path=ppt/slides/slide19.xml><?xml version="1.0" encoding="utf-8"?>
+<p:sld xmlns:a="http://schemas.openxmlformats.org/drawingml/2006/main" xmlns:r="http://schemas.openxmlformats.org/officeDocument/2006/relationships" xmlns:p="http://schemas.openxmlformats.org/presentationml/2006/main">
+  <p:cSld>
+    <p:spTree>
+      <p:nvGrpSpPr>
+        <p:cNvPr id="1" name=""/>
+        <p:cNvGrpSpPr/>
+        <p:nvPr/>
+      </p:nvGrpSpPr>
+      <p:grpSpPr>
+        <a:xfrm>
+          <a:off x="0" y="0"/>
+          <a:ext cx="0" cy="0"/>
+          <a:chOff x="0" y="0"/>
+          <a:chExt cx="0" cy="0"/>
+        </a:xfrm>
+      </p:grpSpPr>
+      <p:sp>
+        <p:nvSpPr>
+          <p:cNvPr id="2" name="Titre 1"/>
+          <p:cNvSpPr>
+            <a:spLocks noGrp="1"/>
+          </p:cNvSpPr>
+          <p:nvPr>
+            <p:ph type="title"/>
+          </p:nvPr>
+        </p:nvSpPr>
+        <p:spPr/>
+        <p:txBody>
+          <a:bodyPr/>
+          <a:lstStyle/>
+          <a:p>
+            <a:r>
+              <a:rPr lang="fr-FR" dirty="0"/>
+              <a:t>Exemple</a:t>
+            </a:r>
+          </a:p>
+        </p:txBody>
+      </p:sp>
+      <p:sp>
+        <p:nvSpPr>
+          <p:cNvPr id="3" name="Espace réservé du contenu 2"/>
+          <p:cNvSpPr>
+            <a:spLocks noGrp="1"/>
+          </p:cNvSpPr>
+          <p:nvPr>
+            <p:ph idx="1"/>
+          </p:nvPr>
+        </p:nvSpPr>
+        <p:spPr/>
+        <p:txBody>
+          <a:bodyPr/>
+          <a:lstStyle/>
+          <a:p>
+            <a:r>
+              <a:rPr lang="fr-FR" dirty="0"/>
+              <a:t>Imaginez que vous voulez savoir si vous payez trop cher votre loyer</a:t>
+            </a:r>
+          </a:p>
+          <a:p>
+            <a:r>
+              <a:rPr lang="fr-FR" dirty="0"/>
+              <a:t>Vous avez récupéré sur un site de location une trentaine de prix des locations disponibles, ainsi que la surface associée</a:t>
+            </a:r>
+          </a:p>
+        </p:txBody>
+      </p:sp>
+      <p:pic>
+        <p:nvPicPr>
+          <p:cNvPr id="4" name="Image 3"/>
+          <p:cNvPicPr>
+            <a:picLocks noChangeAspect="1"/>
+          </p:cNvPicPr>
+          <p:nvPr/>
+        </p:nvPicPr>
+        <p:blipFill>
+          <a:blip r:embed="rId2"/>
+          <a:stretch>
+            <a:fillRect/>
+          </a:stretch>
+        </p:blipFill>
+        <p:spPr>
+          <a:xfrm>
+            <a:off x="4932040" y="4149080"/>
+            <a:ext cx="2809875" cy="2038350"/>
+          </a:xfrm>
+          <a:prstGeom prst="rect">
+            <a:avLst/>
+          </a:prstGeom>
+        </p:spPr>
+      </p:pic>
+    </p:spTree>
+    <p:extLst>
+      <p:ext uri="{BB962C8B-B14F-4D97-AF65-F5344CB8AC3E}">
+        <p14:creationId xmlns:p14="http://schemas.microsoft.com/office/powerpoint/2010/main" val="3545487074"/>
+      </p:ext>
+    </p:extLst>
+  </p:cSld>
+  <p:clrMapOvr>
+    <a:masterClrMapping/>
+  </p:clrMapOvr>
+</p:sld>
+</file>
+
 <file path=ppt/slides/slide2.xml><?xml version="1.0" encoding="utf-8"?>
 <p:sld xmlns:a="http://schemas.openxmlformats.org/drawingml/2006/main" xmlns:r="http://schemas.openxmlformats.org/officeDocument/2006/relationships" xmlns:p="http://schemas.openxmlformats.org/presentationml/2006/main">
   <p:cSld>
@@ -4364,6 +5068,1573 @@
 </p:sld>
 </file>
 
+<file path=ppt/slides/slide20.xml><?xml version="1.0" encoding="utf-8"?>
+<p:sld xmlns:a="http://schemas.openxmlformats.org/drawingml/2006/main" xmlns:r="http://schemas.openxmlformats.org/officeDocument/2006/relationships" xmlns:p="http://schemas.openxmlformats.org/presentationml/2006/main">
+  <p:cSld>
+    <p:spTree>
+      <p:nvGrpSpPr>
+        <p:cNvPr id="1" name=""/>
+        <p:cNvGrpSpPr/>
+        <p:nvPr/>
+      </p:nvGrpSpPr>
+      <p:grpSpPr>
+        <a:xfrm>
+          <a:off x="0" y="0"/>
+          <a:ext cx="0" cy="0"/>
+          <a:chOff x="0" y="0"/>
+          <a:chExt cx="0" cy="0"/>
+        </a:xfrm>
+      </p:grpSpPr>
+      <p:sp>
+        <p:nvSpPr>
+          <p:cNvPr id="2" name="Titre 1"/>
+          <p:cNvSpPr>
+            <a:spLocks noGrp="1"/>
+          </p:cNvSpPr>
+          <p:nvPr>
+            <p:ph type="title"/>
+          </p:nvPr>
+        </p:nvSpPr>
+        <p:spPr/>
+        <p:txBody>
+          <a:bodyPr/>
+          <a:lstStyle/>
+          <a:p>
+            <a:r>
+              <a:rPr lang="fr-FR" dirty="0"/>
+              <a:t>Graphique</a:t>
+            </a:r>
+          </a:p>
+        </p:txBody>
+      </p:sp>
+      <p:sp>
+        <p:nvSpPr>
+          <p:cNvPr id="3" name="Espace réservé du contenu 2"/>
+          <p:cNvSpPr>
+            <a:spLocks noGrp="1"/>
+          </p:cNvSpPr>
+          <p:nvPr>
+            <p:ph idx="1"/>
+          </p:nvPr>
+        </p:nvSpPr>
+        <p:spPr/>
+        <p:txBody>
+          <a:bodyPr/>
+          <a:lstStyle/>
+          <a:p>
+            <a:r>
+              <a:rPr lang="fr-FR" dirty="0"/>
+              <a:t>Surface / Loyer</a:t>
+            </a:r>
+          </a:p>
+        </p:txBody>
+      </p:sp>
+      <p:pic>
+        <p:nvPicPr>
+          <p:cNvPr id="1028" name="Picture 4" descr="Le loyer mensuel en fonction de la surface du logement"/>
+          <p:cNvPicPr>
+            <a:picLocks noChangeAspect="1" noChangeArrowheads="1"/>
+          </p:cNvPicPr>
+          <p:nvPr/>
+        </p:nvPicPr>
+        <p:blipFill>
+          <a:blip r:embed="rId2">
+            <a:extLst>
+              <a:ext uri="{28A0092B-C50C-407E-A947-70E740481C1C}">
+                <a14:useLocalDpi xmlns:a14="http://schemas.microsoft.com/office/drawing/2010/main" val="0"/>
+              </a:ext>
+            </a:extLst>
+          </a:blip>
+          <a:srcRect/>
+          <a:stretch>
+            <a:fillRect/>
+          </a:stretch>
+        </p:blipFill>
+        <p:spPr bwMode="auto">
+          <a:xfrm>
+            <a:off x="1331640" y="2060848"/>
+            <a:ext cx="5688632" cy="3931478"/>
+          </a:xfrm>
+          <a:prstGeom prst="rect">
+            <a:avLst/>
+          </a:prstGeom>
+          <a:noFill/>
+          <a:extLst>
+            <a:ext uri="{909E8E84-426E-40DD-AFC4-6F175D3DCCD1}">
+              <a14:hiddenFill xmlns:a14="http://schemas.microsoft.com/office/drawing/2010/main">
+                <a:solidFill>
+                  <a:srgbClr val="FFFFFF"/>
+                </a:solidFill>
+              </a14:hiddenFill>
+            </a:ext>
+          </a:extLst>
+        </p:spPr>
+      </p:pic>
+    </p:spTree>
+    <p:extLst>
+      <p:ext uri="{BB962C8B-B14F-4D97-AF65-F5344CB8AC3E}">
+        <p14:creationId xmlns:p14="http://schemas.microsoft.com/office/powerpoint/2010/main" val="1314643344"/>
+      </p:ext>
+    </p:extLst>
+  </p:cSld>
+  <p:clrMapOvr>
+    <a:masterClrMapping/>
+  </p:clrMapOvr>
+</p:sld>
+</file>
+
+<file path=ppt/slides/slide21.xml><?xml version="1.0" encoding="utf-8"?>
+<p:sld xmlns:a="http://schemas.openxmlformats.org/drawingml/2006/main" xmlns:r="http://schemas.openxmlformats.org/officeDocument/2006/relationships" xmlns:p="http://schemas.openxmlformats.org/presentationml/2006/main">
+  <p:cSld>
+    <p:spTree>
+      <p:nvGrpSpPr>
+        <p:cNvPr id="1" name=""/>
+        <p:cNvGrpSpPr/>
+        <p:nvPr/>
+      </p:nvGrpSpPr>
+      <p:grpSpPr>
+        <a:xfrm>
+          <a:off x="0" y="0"/>
+          <a:ext cx="0" cy="0"/>
+          <a:chOff x="0" y="0"/>
+          <a:chExt cx="0" cy="0"/>
+        </a:xfrm>
+      </p:grpSpPr>
+      <p:sp>
+        <p:nvSpPr>
+          <p:cNvPr id="2" name="Titre 1"/>
+          <p:cNvSpPr>
+            <a:spLocks noGrp="1"/>
+          </p:cNvSpPr>
+          <p:nvPr>
+            <p:ph type="title"/>
+          </p:nvPr>
+        </p:nvSpPr>
+        <p:spPr/>
+        <p:txBody>
+          <a:bodyPr/>
+          <a:lstStyle/>
+          <a:p>
+            <a:r>
+              <a:rPr lang="fr-FR" dirty="0"/>
+              <a:t>Régression linéaire</a:t>
+            </a:r>
+          </a:p>
+        </p:txBody>
+      </p:sp>
+      <p:sp>
+        <p:nvSpPr>
+          <p:cNvPr id="3" name="Espace réservé du contenu 2"/>
+          <p:cNvSpPr>
+            <a:spLocks noGrp="1"/>
+          </p:cNvSpPr>
+          <p:nvPr>
+            <p:ph idx="1"/>
+          </p:nvPr>
+        </p:nvSpPr>
+        <p:spPr/>
+        <p:txBody>
+          <a:bodyPr/>
+          <a:lstStyle/>
+          <a:p>
+            <a:r>
+              <a:rPr lang="fr-FR" dirty="0"/>
+              <a:t>Notre exemple montre une régression linéaire</a:t>
+            </a:r>
+          </a:p>
+          <a:p>
+            <a:endParaRPr lang="fr-FR" dirty="0"/>
+          </a:p>
+        </p:txBody>
+      </p:sp>
+      <p:pic>
+        <p:nvPicPr>
+          <p:cNvPr id="2056" name="Picture 8" descr="la droite de régression correspondant à la modélisation statistique du nuage de points"/>
+          <p:cNvPicPr>
+            <a:picLocks noChangeAspect="1" noChangeArrowheads="1"/>
+          </p:cNvPicPr>
+          <p:nvPr/>
+        </p:nvPicPr>
+        <p:blipFill>
+          <a:blip r:embed="rId2">
+            <a:extLst>
+              <a:ext uri="{28A0092B-C50C-407E-A947-70E740481C1C}">
+                <a14:useLocalDpi xmlns:a14="http://schemas.microsoft.com/office/drawing/2010/main" val="0"/>
+              </a:ext>
+            </a:extLst>
+          </a:blip>
+          <a:srcRect/>
+          <a:stretch>
+            <a:fillRect/>
+          </a:stretch>
+        </p:blipFill>
+        <p:spPr bwMode="auto">
+          <a:xfrm>
+            <a:off x="1619671" y="2420888"/>
+            <a:ext cx="5212067" cy="3648448"/>
+          </a:xfrm>
+          <a:prstGeom prst="rect">
+            <a:avLst/>
+          </a:prstGeom>
+          <a:noFill/>
+          <a:extLst>
+            <a:ext uri="{909E8E84-426E-40DD-AFC4-6F175D3DCCD1}">
+              <a14:hiddenFill xmlns:a14="http://schemas.microsoft.com/office/drawing/2010/main">
+                <a:solidFill>
+                  <a:srgbClr val="FFFFFF"/>
+                </a:solidFill>
+              </a14:hiddenFill>
+            </a:ext>
+          </a:extLst>
+        </p:spPr>
+      </p:pic>
+    </p:spTree>
+    <p:extLst>
+      <p:ext uri="{BB962C8B-B14F-4D97-AF65-F5344CB8AC3E}">
+        <p14:creationId xmlns:p14="http://schemas.microsoft.com/office/powerpoint/2010/main" val="1067816086"/>
+      </p:ext>
+    </p:extLst>
+  </p:cSld>
+  <p:clrMapOvr>
+    <a:masterClrMapping/>
+  </p:clrMapOvr>
+</p:sld>
+</file>
+
+<file path=ppt/slides/slide22.xml><?xml version="1.0" encoding="utf-8"?>
+<p:sld xmlns:a="http://schemas.openxmlformats.org/drawingml/2006/main" xmlns:r="http://schemas.openxmlformats.org/officeDocument/2006/relationships" xmlns:p="http://schemas.openxmlformats.org/presentationml/2006/main">
+  <p:cSld>
+    <p:spTree>
+      <p:nvGrpSpPr>
+        <p:cNvPr id="1" name=""/>
+        <p:cNvGrpSpPr/>
+        <p:nvPr/>
+      </p:nvGrpSpPr>
+      <p:grpSpPr>
+        <a:xfrm>
+          <a:off x="0" y="0"/>
+          <a:ext cx="0" cy="0"/>
+          <a:chOff x="0" y="0"/>
+          <a:chExt cx="0" cy="0"/>
+        </a:xfrm>
+      </p:grpSpPr>
+      <p:sp>
+        <p:nvSpPr>
+          <p:cNvPr id="2" name="Titre 1"/>
+          <p:cNvSpPr>
+            <a:spLocks noGrp="1"/>
+          </p:cNvSpPr>
+          <p:nvPr>
+            <p:ph type="title"/>
+          </p:nvPr>
+        </p:nvSpPr>
+        <p:spPr/>
+        <p:txBody>
+          <a:bodyPr/>
+          <a:lstStyle/>
+          <a:p>
+            <a:r>
+              <a:rPr lang="fr-FR" dirty="0"/>
+              <a:t>Classification</a:t>
+            </a:r>
+          </a:p>
+        </p:txBody>
+      </p:sp>
+      <p:sp>
+        <p:nvSpPr>
+          <p:cNvPr id="3" name="Espace réservé du contenu 2"/>
+          <p:cNvSpPr>
+            <a:spLocks noGrp="1"/>
+          </p:cNvSpPr>
+          <p:nvPr>
+            <p:ph idx="1"/>
+          </p:nvPr>
+        </p:nvSpPr>
+        <p:spPr/>
+        <p:txBody>
+          <a:bodyPr/>
+          <a:lstStyle/>
+          <a:p>
+            <a:r>
+              <a:rPr lang="fr-FR" dirty="0"/>
+              <a:t>Une autre distinction qui vous aidera dans le choix d'un algorithme de machine </a:t>
+            </a:r>
+            <a:r>
+              <a:rPr lang="fr-FR" dirty="0" err="1"/>
+              <a:t>learning</a:t>
+            </a:r>
+            <a:r>
+              <a:rPr lang="fr-FR" dirty="0"/>
+              <a:t> est le type de sortie que l'on attend de notre programme</a:t>
+            </a:r>
+          </a:p>
+          <a:p>
+            <a:pPr lvl="1"/>
+            <a:r>
+              <a:rPr lang="fr-FR" dirty="0"/>
+              <a:t>Est-ce une valeur continue (un nombre)</a:t>
+            </a:r>
+          </a:p>
+          <a:p>
+            <a:pPr lvl="1"/>
+            <a:r>
+              <a:rPr lang="fr-FR" dirty="0"/>
+              <a:t>ou bien une valeur discrète (une catégorie) ?</a:t>
+            </a:r>
+          </a:p>
+          <a:p>
+            <a:r>
+              <a:rPr lang="fr-FR" dirty="0"/>
+              <a:t>Le premier cas est appelé une régression, le second une classification</a:t>
+            </a:r>
+          </a:p>
+        </p:txBody>
+      </p:sp>
+      <p:pic>
+        <p:nvPicPr>
+          <p:cNvPr id="1026" name="Picture 2" descr="Illustration de la différence entre régression et classification"/>
+          <p:cNvPicPr>
+            <a:picLocks noChangeAspect="1" noChangeArrowheads="1"/>
+          </p:cNvPicPr>
+          <p:nvPr/>
+        </p:nvPicPr>
+        <p:blipFill>
+          <a:blip r:embed="rId2">
+            <a:extLst>
+              <a:ext uri="{28A0092B-C50C-407E-A947-70E740481C1C}">
+                <a14:useLocalDpi xmlns:a14="http://schemas.microsoft.com/office/drawing/2010/main" val="0"/>
+              </a:ext>
+            </a:extLst>
+          </a:blip>
+          <a:srcRect/>
+          <a:stretch>
+            <a:fillRect/>
+          </a:stretch>
+        </p:blipFill>
+        <p:spPr bwMode="auto">
+          <a:xfrm>
+            <a:off x="2267744" y="4591645"/>
+            <a:ext cx="4286250" cy="2143125"/>
+          </a:xfrm>
+          <a:prstGeom prst="rect">
+            <a:avLst/>
+          </a:prstGeom>
+          <a:noFill/>
+          <a:extLst>
+            <a:ext uri="{909E8E84-426E-40DD-AFC4-6F175D3DCCD1}">
+              <a14:hiddenFill xmlns:a14="http://schemas.microsoft.com/office/drawing/2010/main">
+                <a:solidFill>
+                  <a:srgbClr val="FFFFFF"/>
+                </a:solidFill>
+              </a14:hiddenFill>
+            </a:ext>
+          </a:extLst>
+        </p:spPr>
+      </p:pic>
+    </p:spTree>
+    <p:extLst>
+      <p:ext uri="{BB962C8B-B14F-4D97-AF65-F5344CB8AC3E}">
+        <p14:creationId xmlns:p14="http://schemas.microsoft.com/office/powerpoint/2010/main" val="4149567264"/>
+      </p:ext>
+    </p:extLst>
+  </p:cSld>
+  <p:clrMapOvr>
+    <a:masterClrMapping/>
+  </p:clrMapOvr>
+</p:sld>
+</file>
+
+<file path=ppt/slides/slide23.xml><?xml version="1.0" encoding="utf-8"?>
+<p:sld xmlns:a="http://schemas.openxmlformats.org/drawingml/2006/main" xmlns:r="http://schemas.openxmlformats.org/officeDocument/2006/relationships" xmlns:p="http://schemas.openxmlformats.org/presentationml/2006/main">
+  <p:cSld>
+    <p:spTree>
+      <p:nvGrpSpPr>
+        <p:cNvPr id="1" name=""/>
+        <p:cNvGrpSpPr/>
+        <p:nvPr/>
+      </p:nvGrpSpPr>
+      <p:grpSpPr>
+        <a:xfrm>
+          <a:off x="0" y="0"/>
+          <a:ext cx="0" cy="0"/>
+          <a:chOff x="0" y="0"/>
+          <a:chExt cx="0" cy="0"/>
+        </a:xfrm>
+      </p:grpSpPr>
+      <p:sp>
+        <p:nvSpPr>
+          <p:cNvPr id="2" name="Titre 1"/>
+          <p:cNvSpPr>
+            <a:spLocks noGrp="1"/>
+          </p:cNvSpPr>
+          <p:nvPr>
+            <p:ph type="title"/>
+          </p:nvPr>
+        </p:nvSpPr>
+        <p:spPr/>
+        <p:txBody>
+          <a:bodyPr/>
+          <a:lstStyle/>
+          <a:p>
+            <a:r>
+              <a:rPr lang="fr-FR" dirty="0"/>
+              <a:t>Trouver le bon modèle</a:t>
+            </a:r>
+          </a:p>
+        </p:txBody>
+      </p:sp>
+      <p:sp>
+        <p:nvSpPr>
+          <p:cNvPr id="3" name="Espace réservé du contenu 2"/>
+          <p:cNvSpPr>
+            <a:spLocks noGrp="1"/>
+          </p:cNvSpPr>
+          <p:nvPr>
+            <p:ph idx="1"/>
+          </p:nvPr>
+        </p:nvSpPr>
+        <p:spPr/>
+        <p:txBody>
+          <a:bodyPr/>
+          <a:lstStyle/>
+          <a:p>
+            <a:r>
+              <a:rPr lang="fr-FR" dirty="0"/>
+              <a:t>Pour résumer, le travail de modélisation consiste à trouver le bon modèle statistique qui colle le mieux aux données d'exemple</a:t>
+            </a:r>
+          </a:p>
+          <a:p>
+            <a:r>
+              <a:rPr lang="fr-FR" dirty="0"/>
+              <a:t>Le machine </a:t>
+            </a:r>
+            <a:r>
+              <a:rPr lang="fr-FR" dirty="0" err="1"/>
+              <a:t>learning</a:t>
+            </a:r>
+            <a:r>
+              <a:rPr lang="fr-FR" dirty="0"/>
+              <a:t> en particulier intervient pour trouver ce modèle de manière automatisée</a:t>
+            </a:r>
+          </a:p>
+          <a:p>
+            <a:r>
+              <a:rPr lang="fr-FR" dirty="0"/>
+              <a:t>Problème du quartet d’</a:t>
+            </a:r>
+            <a:r>
+              <a:rPr lang="fr-FR" dirty="0" err="1"/>
+              <a:t>Ascombe</a:t>
+            </a:r>
+            <a:endParaRPr lang="fr-FR" dirty="0"/>
+          </a:p>
+        </p:txBody>
+      </p:sp>
+    </p:spTree>
+    <p:extLst>
+      <p:ext uri="{BB962C8B-B14F-4D97-AF65-F5344CB8AC3E}">
+        <p14:creationId xmlns:p14="http://schemas.microsoft.com/office/powerpoint/2010/main" val="541696352"/>
+      </p:ext>
+    </p:extLst>
+  </p:cSld>
+  <p:clrMapOvr>
+    <a:masterClrMapping/>
+  </p:clrMapOvr>
+</p:sld>
+</file>
+
+<file path=ppt/slides/slide24.xml><?xml version="1.0" encoding="utf-8"?>
+<p:sld xmlns:a="http://schemas.openxmlformats.org/drawingml/2006/main" xmlns:r="http://schemas.openxmlformats.org/officeDocument/2006/relationships" xmlns:p="http://schemas.openxmlformats.org/presentationml/2006/main">
+  <p:cSld>
+    <p:spTree>
+      <p:nvGrpSpPr>
+        <p:cNvPr id="1" name=""/>
+        <p:cNvGrpSpPr/>
+        <p:nvPr/>
+      </p:nvGrpSpPr>
+      <p:grpSpPr>
+        <a:xfrm>
+          <a:off x="0" y="0"/>
+          <a:ext cx="0" cy="0"/>
+          <a:chOff x="0" y="0"/>
+          <a:chExt cx="0" cy="0"/>
+        </a:xfrm>
+      </p:grpSpPr>
+      <p:sp>
+        <p:nvSpPr>
+          <p:cNvPr id="2" name="Titre 1"/>
+          <p:cNvSpPr>
+            <a:spLocks noGrp="1"/>
+          </p:cNvSpPr>
+          <p:nvPr>
+            <p:ph type="title"/>
+          </p:nvPr>
+        </p:nvSpPr>
+        <p:spPr/>
+        <p:txBody>
+          <a:bodyPr/>
+          <a:lstStyle/>
+          <a:p>
+            <a:r>
+              <a:rPr lang="fr-FR" dirty="0"/>
+              <a:t>Quartet d’</a:t>
+            </a:r>
+            <a:r>
+              <a:rPr lang="fr-FR" dirty="0" err="1"/>
+              <a:t>Ascombe</a:t>
+            </a:r>
+            <a:endParaRPr lang="fr-FR" dirty="0"/>
+          </a:p>
+        </p:txBody>
+      </p:sp>
+      <p:sp>
+        <p:nvSpPr>
+          <p:cNvPr id="3" name="Espace réservé du contenu 2"/>
+          <p:cNvSpPr>
+            <a:spLocks noGrp="1"/>
+          </p:cNvSpPr>
+          <p:nvPr>
+            <p:ph idx="1"/>
+          </p:nvPr>
+        </p:nvSpPr>
+        <p:spPr/>
+        <p:txBody>
+          <a:bodyPr/>
+          <a:lstStyle/>
+          <a:p>
+            <a:r>
+              <a:rPr lang="fr-FR" dirty="0"/>
+              <a:t>Ces 4 modèles possède la même régression linéaire</a:t>
+            </a:r>
+          </a:p>
+          <a:p>
+            <a:pPr lvl="1"/>
+            <a:r>
+              <a:rPr lang="fr-FR" dirty="0"/>
+              <a:t>Trouver les erreurs</a:t>
+            </a:r>
+          </a:p>
+        </p:txBody>
+      </p:sp>
+      <p:pic>
+        <p:nvPicPr>
+          <p:cNvPr id="4098" name="Picture 2" descr="Le quartet d'anscombe"/>
+          <p:cNvPicPr>
+            <a:picLocks noChangeAspect="1" noChangeArrowheads="1"/>
+          </p:cNvPicPr>
+          <p:nvPr/>
+        </p:nvPicPr>
+        <p:blipFill>
+          <a:blip r:embed="rId2">
+            <a:extLst>
+              <a:ext uri="{28A0092B-C50C-407E-A947-70E740481C1C}">
+                <a14:useLocalDpi xmlns:a14="http://schemas.microsoft.com/office/drawing/2010/main" val="0"/>
+              </a:ext>
+            </a:extLst>
+          </a:blip>
+          <a:srcRect/>
+          <a:stretch>
+            <a:fillRect/>
+          </a:stretch>
+        </p:blipFill>
+        <p:spPr bwMode="auto">
+          <a:xfrm>
+            <a:off x="1528833" y="2783429"/>
+            <a:ext cx="6067407" cy="4053028"/>
+          </a:xfrm>
+          <a:prstGeom prst="rect">
+            <a:avLst/>
+          </a:prstGeom>
+          <a:noFill/>
+          <a:extLst>
+            <a:ext uri="{909E8E84-426E-40DD-AFC4-6F175D3DCCD1}">
+              <a14:hiddenFill xmlns:a14="http://schemas.microsoft.com/office/drawing/2010/main">
+                <a:solidFill>
+                  <a:srgbClr val="FFFFFF"/>
+                </a:solidFill>
+              </a14:hiddenFill>
+            </a:ext>
+          </a:extLst>
+        </p:spPr>
+      </p:pic>
+    </p:spTree>
+    <p:extLst>
+      <p:ext uri="{BB962C8B-B14F-4D97-AF65-F5344CB8AC3E}">
+        <p14:creationId xmlns:p14="http://schemas.microsoft.com/office/powerpoint/2010/main" val="717036446"/>
+      </p:ext>
+    </p:extLst>
+  </p:cSld>
+  <p:clrMapOvr>
+    <a:masterClrMapping/>
+  </p:clrMapOvr>
+</p:sld>
+</file>
+
+<file path=ppt/slides/slide25.xml><?xml version="1.0" encoding="utf-8"?>
+<p:sld xmlns:a="http://schemas.openxmlformats.org/drawingml/2006/main" xmlns:r="http://schemas.openxmlformats.org/officeDocument/2006/relationships" xmlns:p="http://schemas.openxmlformats.org/presentationml/2006/main">
+  <p:cSld>
+    <p:spTree>
+      <p:nvGrpSpPr>
+        <p:cNvPr id="1" name=""/>
+        <p:cNvGrpSpPr/>
+        <p:nvPr/>
+      </p:nvGrpSpPr>
+      <p:grpSpPr>
+        <a:xfrm>
+          <a:off x="0" y="0"/>
+          <a:ext cx="0" cy="0"/>
+          <a:chOff x="0" y="0"/>
+          <a:chExt cx="0" cy="0"/>
+        </a:xfrm>
+      </p:grpSpPr>
+      <p:sp>
+        <p:nvSpPr>
+          <p:cNvPr id="2" name="Titre 1"/>
+          <p:cNvSpPr>
+            <a:spLocks noGrp="1"/>
+          </p:cNvSpPr>
+          <p:nvPr>
+            <p:ph type="title"/>
+          </p:nvPr>
+        </p:nvSpPr>
+        <p:spPr/>
+        <p:txBody>
+          <a:bodyPr/>
+          <a:lstStyle/>
+          <a:p>
+            <a:r>
+              <a:rPr lang="fr-FR" dirty="0"/>
+              <a:t>Apprentissage</a:t>
+            </a:r>
+          </a:p>
+        </p:txBody>
+      </p:sp>
+      <p:sp>
+        <p:nvSpPr>
+          <p:cNvPr id="3" name="Espace réservé du contenu 2"/>
+          <p:cNvSpPr>
+            <a:spLocks noGrp="1"/>
+          </p:cNvSpPr>
+          <p:nvPr>
+            <p:ph idx="1"/>
+          </p:nvPr>
+        </p:nvSpPr>
+        <p:spPr/>
+        <p:txBody>
+          <a:bodyPr/>
+          <a:lstStyle/>
+          <a:p>
+            <a:r>
+              <a:rPr lang="fr-FR" dirty="0"/>
+              <a:t>En machine </a:t>
+            </a:r>
+            <a:r>
+              <a:rPr lang="fr-FR" dirty="0" err="1"/>
+              <a:t>learning</a:t>
+            </a:r>
+            <a:r>
+              <a:rPr lang="fr-FR" dirty="0"/>
+              <a:t>, l'idée est que l'algorithme construise une "représentation interne" tout seul afin de pouvoir effectuer la tâche qui lui est demandée (prédiction, identification, </a:t>
+            </a:r>
+            <a:r>
+              <a:rPr lang="fr-FR" dirty="0" err="1"/>
+              <a:t>etc</a:t>
+            </a:r>
+            <a:r>
+              <a:rPr lang="fr-FR" dirty="0"/>
+              <a:t>)</a:t>
+            </a:r>
+          </a:p>
+          <a:p>
+            <a:r>
+              <a:rPr lang="fr-FR" dirty="0"/>
+              <a:t>L’être humain est quasiment incapable d’écrire l’algorithme</a:t>
+            </a:r>
+          </a:p>
+          <a:p>
+            <a:r>
+              <a:rPr lang="fr-FR" dirty="0"/>
+              <a:t>Pour cela, il va d'abord falloir lui entrer un jeu de données d'exemples afin qu'il puisse s'entraîner et s'améliorer, d'où le mot apprentissage</a:t>
+            </a:r>
+          </a:p>
+          <a:p>
+            <a:r>
+              <a:rPr lang="fr-FR" dirty="0"/>
+              <a:t>Ce jeu de données s'appelle le training set</a:t>
+            </a:r>
+          </a:p>
+          <a:p>
+            <a:endParaRPr lang="fr-FR" dirty="0"/>
+          </a:p>
+        </p:txBody>
+      </p:sp>
+    </p:spTree>
+    <p:extLst>
+      <p:ext uri="{BB962C8B-B14F-4D97-AF65-F5344CB8AC3E}">
+        <p14:creationId xmlns:p14="http://schemas.microsoft.com/office/powerpoint/2010/main" val="3013364896"/>
+      </p:ext>
+    </p:extLst>
+  </p:cSld>
+  <p:clrMapOvr>
+    <a:masterClrMapping/>
+  </p:clrMapOvr>
+</p:sld>
+</file>
+
+<file path=ppt/slides/slide26.xml><?xml version="1.0" encoding="utf-8"?>
+<p:sld xmlns:a="http://schemas.openxmlformats.org/drawingml/2006/main" xmlns:r="http://schemas.openxmlformats.org/officeDocument/2006/relationships" xmlns:p="http://schemas.openxmlformats.org/presentationml/2006/main">
+  <p:cSld>
+    <p:spTree>
+      <p:nvGrpSpPr>
+        <p:cNvPr id="1" name=""/>
+        <p:cNvGrpSpPr/>
+        <p:nvPr/>
+      </p:nvGrpSpPr>
+      <p:grpSpPr>
+        <a:xfrm>
+          <a:off x="0" y="0"/>
+          <a:ext cx="0" cy="0"/>
+          <a:chOff x="0" y="0"/>
+          <a:chExt cx="0" cy="0"/>
+        </a:xfrm>
+      </p:grpSpPr>
+      <p:sp>
+        <p:nvSpPr>
+          <p:cNvPr id="2" name="Titre 1">
+            <a:extLst>
+              <a:ext uri="{FF2B5EF4-FFF2-40B4-BE49-F238E27FC236}">
+                <a16:creationId xmlns:a16="http://schemas.microsoft.com/office/drawing/2014/main" id="{FB8B347E-A3C6-4FD1-B000-9BF2AD49E8CA}"/>
+              </a:ext>
+            </a:extLst>
+          </p:cNvPr>
+          <p:cNvSpPr>
+            <a:spLocks noGrp="1"/>
+          </p:cNvSpPr>
+          <p:nvPr>
+            <p:ph type="title"/>
+          </p:nvPr>
+        </p:nvSpPr>
+        <p:spPr/>
+        <p:txBody>
+          <a:bodyPr/>
+          <a:lstStyle/>
+          <a:p>
+            <a:r>
+              <a:rPr lang="fr-FR" dirty="0"/>
+              <a:t>Les langages et </a:t>
+            </a:r>
+            <a:r>
+              <a:rPr lang="fr-FR" dirty="0" err="1"/>
+              <a:t>Frameworks</a:t>
+            </a:r>
+            <a:endParaRPr lang="fr-FR" dirty="0"/>
+          </a:p>
+        </p:txBody>
+      </p:sp>
+      <p:pic>
+        <p:nvPicPr>
+          <p:cNvPr id="6" name="Picture 2" descr="Python et intelligence artificielle">
+            <a:extLst>
+              <a:ext uri="{FF2B5EF4-FFF2-40B4-BE49-F238E27FC236}">
+                <a16:creationId xmlns:a16="http://schemas.microsoft.com/office/drawing/2014/main" id="{FB769AA8-F524-42F6-A99C-EBEF407B4F9D}"/>
+              </a:ext>
+            </a:extLst>
+          </p:cNvPr>
+          <p:cNvPicPr>
+            <a:picLocks noChangeAspect="1" noChangeArrowheads="1"/>
+          </p:cNvPicPr>
+          <p:nvPr/>
+        </p:nvPicPr>
+        <p:blipFill>
+          <a:blip r:embed="rId2" cstate="print">
+            <a:extLst>
+              <a:ext uri="{28A0092B-C50C-407E-A947-70E740481C1C}">
+                <a14:useLocalDpi xmlns:a14="http://schemas.microsoft.com/office/drawing/2010/main" val="0"/>
+              </a:ext>
+            </a:extLst>
+          </a:blip>
+          <a:srcRect/>
+          <a:stretch>
+            <a:fillRect/>
+          </a:stretch>
+        </p:blipFill>
+        <p:spPr bwMode="auto">
+          <a:xfrm>
+            <a:off x="5190680" y="3015391"/>
+            <a:ext cx="3671455" cy="1989900"/>
+          </a:xfrm>
+          <a:prstGeom prst="rect">
+            <a:avLst/>
+          </a:prstGeom>
+          <a:noFill/>
+          <a:extLst>
+            <a:ext uri="{909E8E84-426E-40DD-AFC4-6F175D3DCCD1}">
+              <a14:hiddenFill xmlns:a14="http://schemas.microsoft.com/office/drawing/2010/main">
+                <a:solidFill>
+                  <a:srgbClr val="FFFFFF"/>
+                </a:solidFill>
+              </a14:hiddenFill>
+            </a:ext>
+          </a:extLst>
+        </p:spPr>
+      </p:pic>
+      <p:pic>
+        <p:nvPicPr>
+          <p:cNvPr id="8" name="Picture 4" descr="TensorFlow — Wikipédia">
+            <a:extLst>
+              <a:ext uri="{FF2B5EF4-FFF2-40B4-BE49-F238E27FC236}">
+                <a16:creationId xmlns:a16="http://schemas.microsoft.com/office/drawing/2014/main" id="{7B92E35F-DA87-4345-A44E-D4B0F99773B5}"/>
+              </a:ext>
+            </a:extLst>
+          </p:cNvPr>
+          <p:cNvPicPr>
+            <a:picLocks noChangeAspect="1" noChangeArrowheads="1"/>
+          </p:cNvPicPr>
+          <p:nvPr/>
+        </p:nvPicPr>
+        <p:blipFill>
+          <a:blip r:embed="rId3">
+            <a:extLst>
+              <a:ext uri="{28A0092B-C50C-407E-A947-70E740481C1C}">
+                <a14:useLocalDpi xmlns:a14="http://schemas.microsoft.com/office/drawing/2010/main" val="0"/>
+              </a:ext>
+            </a:extLst>
+          </a:blip>
+          <a:srcRect/>
+          <a:stretch>
+            <a:fillRect/>
+          </a:stretch>
+        </p:blipFill>
+        <p:spPr bwMode="auto">
+          <a:xfrm>
+            <a:off x="7557541" y="1873856"/>
+            <a:ext cx="1304594" cy="1087161"/>
+          </a:xfrm>
+          <a:prstGeom prst="rect">
+            <a:avLst/>
+          </a:prstGeom>
+          <a:noFill/>
+          <a:extLst>
+            <a:ext uri="{909E8E84-426E-40DD-AFC4-6F175D3DCCD1}">
+              <a14:hiddenFill xmlns:a14="http://schemas.microsoft.com/office/drawing/2010/main">
+                <a:solidFill>
+                  <a:srgbClr val="FFFFFF"/>
+                </a:solidFill>
+              </a14:hiddenFill>
+            </a:ext>
+          </a:extLst>
+        </p:spPr>
+      </p:pic>
+      <p:sp>
+        <p:nvSpPr>
+          <p:cNvPr id="9" name="Espace réservé du contenu 2">
+            <a:extLst>
+              <a:ext uri="{FF2B5EF4-FFF2-40B4-BE49-F238E27FC236}">
+                <a16:creationId xmlns:a16="http://schemas.microsoft.com/office/drawing/2014/main" id="{C4E86258-C244-48B5-ADC8-901B50E0DF47}"/>
+              </a:ext>
+            </a:extLst>
+          </p:cNvPr>
+          <p:cNvSpPr txBox="1">
+            <a:spLocks/>
+          </p:cNvSpPr>
+          <p:nvPr/>
+        </p:nvSpPr>
+        <p:spPr>
+          <a:xfrm>
+            <a:off x="217264" y="1851422"/>
+            <a:ext cx="4670318" cy="3780420"/>
+          </a:xfrm>
+          <a:prstGeom prst="rect">
+            <a:avLst/>
+          </a:prstGeom>
+        </p:spPr>
+        <p:txBody>
+          <a:bodyPr/>
+          <a:lstStyle>
+            <a:lvl1pPr marL="228600" indent="-228600" algn="l" defTabSz="914400" rtl="0" eaLnBrk="1" latinLnBrk="0" hangingPunct="1">
+              <a:lnSpc>
+                <a:spcPct val="90000"/>
+              </a:lnSpc>
+              <a:spcBef>
+                <a:spcPts val="1000"/>
+              </a:spcBef>
+              <a:buFont typeface="Arial" panose="020B0604020202020204" pitchFamily="34" charset="0"/>
+              <a:buChar char="•"/>
+              <a:defRPr sz="2800" kern="1200">
+                <a:solidFill>
+                  <a:schemeClr val="tx1"/>
+                </a:solidFill>
+                <a:latin typeface="+mn-lt"/>
+                <a:ea typeface="+mn-ea"/>
+                <a:cs typeface="+mn-cs"/>
+              </a:defRPr>
+            </a:lvl1pPr>
+            <a:lvl2pPr marL="685800" indent="-228600" algn="l" defTabSz="914400" rtl="0" eaLnBrk="1" latinLnBrk="0" hangingPunct="1">
+              <a:lnSpc>
+                <a:spcPct val="90000"/>
+              </a:lnSpc>
+              <a:spcBef>
+                <a:spcPts val="500"/>
+              </a:spcBef>
+              <a:buFont typeface="Arial" panose="020B0604020202020204" pitchFamily="34" charset="0"/>
+              <a:buChar char="•"/>
+              <a:defRPr sz="2400" kern="1200">
+                <a:solidFill>
+                  <a:schemeClr val="tx1"/>
+                </a:solidFill>
+                <a:latin typeface="+mn-lt"/>
+                <a:ea typeface="+mn-ea"/>
+                <a:cs typeface="+mn-cs"/>
+              </a:defRPr>
+            </a:lvl2pPr>
+            <a:lvl3pPr marL="1143000" indent="-228600" algn="l" defTabSz="914400" rtl="0" eaLnBrk="1" latinLnBrk="0" hangingPunct="1">
+              <a:lnSpc>
+                <a:spcPct val="90000"/>
+              </a:lnSpc>
+              <a:spcBef>
+                <a:spcPts val="500"/>
+              </a:spcBef>
+              <a:buFont typeface="Arial" panose="020B0604020202020204" pitchFamily="34" charset="0"/>
+              <a:buChar char="•"/>
+              <a:defRPr sz="2000" kern="1200">
+                <a:solidFill>
+                  <a:schemeClr val="tx1"/>
+                </a:solidFill>
+                <a:latin typeface="+mn-lt"/>
+                <a:ea typeface="+mn-ea"/>
+                <a:cs typeface="+mn-cs"/>
+              </a:defRPr>
+            </a:lvl3pPr>
+            <a:lvl4pPr marL="1600200" indent="-228600" algn="l" defTabSz="914400" rtl="0" eaLnBrk="1" latinLnBrk="0" hangingPunct="1">
+              <a:lnSpc>
+                <a:spcPct val="90000"/>
+              </a:lnSpc>
+              <a:spcBef>
+                <a:spcPts val="500"/>
+              </a:spcBef>
+              <a:buFont typeface="Arial" panose="020B0604020202020204" pitchFamily="34" charset="0"/>
+              <a:buChar char="•"/>
+              <a:defRPr sz="1800" kern="1200">
+                <a:solidFill>
+                  <a:schemeClr val="tx1"/>
+                </a:solidFill>
+                <a:latin typeface="+mn-lt"/>
+                <a:ea typeface="+mn-ea"/>
+                <a:cs typeface="+mn-cs"/>
+              </a:defRPr>
+            </a:lvl4pPr>
+            <a:lvl5pPr marL="2057400" indent="-228600" algn="l" defTabSz="914400" rtl="0" eaLnBrk="1" latinLnBrk="0" hangingPunct="1">
+              <a:lnSpc>
+                <a:spcPct val="90000"/>
+              </a:lnSpc>
+              <a:spcBef>
+                <a:spcPts val="500"/>
+              </a:spcBef>
+              <a:buFont typeface="Arial" panose="020B0604020202020204" pitchFamily="34" charset="0"/>
+              <a:buChar char="•"/>
+              <a:defRPr sz="1800" kern="1200">
+                <a:solidFill>
+                  <a:schemeClr val="tx1"/>
+                </a:solidFill>
+                <a:latin typeface="+mn-lt"/>
+                <a:ea typeface="+mn-ea"/>
+                <a:cs typeface="+mn-cs"/>
+              </a:defRPr>
+            </a:lvl5pPr>
+            <a:lvl6pPr marL="2514600" indent="-228600" algn="l" defTabSz="914400" rtl="0" eaLnBrk="1" latinLnBrk="0" hangingPunct="1">
+              <a:lnSpc>
+                <a:spcPct val="90000"/>
+              </a:lnSpc>
+              <a:spcBef>
+                <a:spcPts val="500"/>
+              </a:spcBef>
+              <a:buFont typeface="Arial" panose="020B0604020202020204" pitchFamily="34" charset="0"/>
+              <a:buChar char="•"/>
+              <a:defRPr sz="1800" kern="1200">
+                <a:solidFill>
+                  <a:schemeClr val="tx1"/>
+                </a:solidFill>
+                <a:latin typeface="+mn-lt"/>
+                <a:ea typeface="+mn-ea"/>
+                <a:cs typeface="+mn-cs"/>
+              </a:defRPr>
+            </a:lvl6pPr>
+            <a:lvl7pPr marL="2971800" indent="-228600" algn="l" defTabSz="914400" rtl="0" eaLnBrk="1" latinLnBrk="0" hangingPunct="1">
+              <a:lnSpc>
+                <a:spcPct val="90000"/>
+              </a:lnSpc>
+              <a:spcBef>
+                <a:spcPts val="500"/>
+              </a:spcBef>
+              <a:buFont typeface="Arial" panose="020B0604020202020204" pitchFamily="34" charset="0"/>
+              <a:buChar char="•"/>
+              <a:defRPr sz="1800" kern="1200">
+                <a:solidFill>
+                  <a:schemeClr val="tx1"/>
+                </a:solidFill>
+                <a:latin typeface="+mn-lt"/>
+                <a:ea typeface="+mn-ea"/>
+                <a:cs typeface="+mn-cs"/>
+              </a:defRPr>
+            </a:lvl7pPr>
+            <a:lvl8pPr marL="3429000" indent="-228600" algn="l" defTabSz="914400" rtl="0" eaLnBrk="1" latinLnBrk="0" hangingPunct="1">
+              <a:lnSpc>
+                <a:spcPct val="90000"/>
+              </a:lnSpc>
+              <a:spcBef>
+                <a:spcPts val="500"/>
+              </a:spcBef>
+              <a:buFont typeface="Arial" panose="020B0604020202020204" pitchFamily="34" charset="0"/>
+              <a:buChar char="•"/>
+              <a:defRPr sz="1800" kern="1200">
+                <a:solidFill>
+                  <a:schemeClr val="tx1"/>
+                </a:solidFill>
+                <a:latin typeface="+mn-lt"/>
+                <a:ea typeface="+mn-ea"/>
+                <a:cs typeface="+mn-cs"/>
+              </a:defRPr>
+            </a:lvl8pPr>
+            <a:lvl9pPr marL="3886200" indent="-228600" algn="l" defTabSz="914400" rtl="0" eaLnBrk="1" latinLnBrk="0" hangingPunct="1">
+              <a:lnSpc>
+                <a:spcPct val="90000"/>
+              </a:lnSpc>
+              <a:spcBef>
+                <a:spcPts val="500"/>
+              </a:spcBef>
+              <a:buFont typeface="Arial" panose="020B0604020202020204" pitchFamily="34" charset="0"/>
+              <a:buChar char="•"/>
+              <a:defRPr sz="1800" kern="1200">
+                <a:solidFill>
+                  <a:schemeClr val="tx1"/>
+                </a:solidFill>
+                <a:latin typeface="+mn-lt"/>
+                <a:ea typeface="+mn-ea"/>
+                <a:cs typeface="+mn-cs"/>
+              </a:defRPr>
+            </a:lvl9pPr>
+          </a:lstStyle>
+          <a:p>
+            <a:r>
+              <a:rPr lang="fr-FR" sz="2400" dirty="0"/>
+              <a:t>Apprentissage</a:t>
+            </a:r>
+          </a:p>
+          <a:p>
+            <a:pPr lvl="1"/>
+            <a:r>
+              <a:rPr lang="fr-FR" sz="2100" dirty="0"/>
+              <a:t>Python</a:t>
+            </a:r>
+          </a:p>
+          <a:p>
+            <a:pPr lvl="1"/>
+            <a:r>
+              <a:rPr lang="fr-FR" sz="2100" dirty="0" err="1"/>
+              <a:t>Scikit-learn</a:t>
+            </a:r>
+            <a:endParaRPr lang="fr-FR" sz="2100" dirty="0"/>
+          </a:p>
+          <a:p>
+            <a:pPr lvl="2"/>
+            <a:r>
+              <a:rPr lang="fr-FR" sz="1500" dirty="0"/>
+              <a:t>INRIA et Télécom ParisTech</a:t>
+            </a:r>
+          </a:p>
+          <a:p>
+            <a:pPr lvl="1"/>
+            <a:r>
+              <a:rPr lang="fr-FR" sz="2100" dirty="0" err="1"/>
+              <a:t>TensorFlow</a:t>
+            </a:r>
+            <a:endParaRPr lang="fr-FR" sz="2100" dirty="0"/>
+          </a:p>
+          <a:p>
+            <a:pPr lvl="2"/>
+            <a:r>
+              <a:rPr lang="fr-FR" sz="1500" dirty="0"/>
+              <a:t>Google</a:t>
+            </a:r>
+          </a:p>
+          <a:p>
+            <a:pPr lvl="1"/>
+            <a:r>
+              <a:rPr lang="fr-FR" sz="1900" dirty="0" err="1"/>
+              <a:t>PyTorch</a:t>
+            </a:r>
+            <a:endParaRPr lang="fr-FR" sz="1900" dirty="0"/>
+          </a:p>
+          <a:p>
+            <a:pPr lvl="2"/>
+            <a:r>
+              <a:rPr lang="fr-FR" sz="1500" dirty="0"/>
+              <a:t>Facebook</a:t>
+            </a:r>
+          </a:p>
+          <a:p>
+            <a:r>
+              <a:rPr lang="fr-FR" sz="2400" dirty="0"/>
+              <a:t>Prédiction</a:t>
+            </a:r>
+          </a:p>
+          <a:p>
+            <a:pPr lvl="1"/>
+            <a:r>
+              <a:rPr lang="fr-FR" sz="1800" dirty="0"/>
+              <a:t>N'importe quel langage !</a:t>
+            </a:r>
+          </a:p>
+          <a:p>
+            <a:pPr lvl="1"/>
+            <a:r>
+              <a:rPr lang="fr-FR" sz="1800" dirty="0"/>
+              <a:t>Embarqué : C++, JS, …</a:t>
+            </a:r>
+          </a:p>
+          <a:p>
+            <a:pPr lvl="1"/>
+            <a:endParaRPr lang="fr-FR" sz="1500" dirty="0"/>
+          </a:p>
+        </p:txBody>
+      </p:sp>
+      <p:pic>
+        <p:nvPicPr>
+          <p:cNvPr id="11" name="Image 10">
+            <a:extLst>
+              <a:ext uri="{FF2B5EF4-FFF2-40B4-BE49-F238E27FC236}">
+                <a16:creationId xmlns:a16="http://schemas.microsoft.com/office/drawing/2014/main" id="{E2C0264F-CF05-444C-A3C0-924199BBFEB2}"/>
+              </a:ext>
+            </a:extLst>
+          </p:cNvPr>
+          <p:cNvPicPr>
+            <a:picLocks noChangeAspect="1"/>
+          </p:cNvPicPr>
+          <p:nvPr/>
+        </p:nvPicPr>
+        <p:blipFill>
+          <a:blip r:embed="rId4"/>
+          <a:stretch>
+            <a:fillRect/>
+          </a:stretch>
+        </p:blipFill>
+        <p:spPr>
+          <a:xfrm>
+            <a:off x="5190679" y="1873856"/>
+            <a:ext cx="2300288" cy="571500"/>
+          </a:xfrm>
+          <a:prstGeom prst="rect">
+            <a:avLst/>
+          </a:prstGeom>
+        </p:spPr>
+      </p:pic>
+    </p:spTree>
+    <p:extLst>
+      <p:ext uri="{BB962C8B-B14F-4D97-AF65-F5344CB8AC3E}">
+        <p14:creationId xmlns:p14="http://schemas.microsoft.com/office/powerpoint/2010/main" val="3605670846"/>
+      </p:ext>
+    </p:extLst>
+  </p:cSld>
+  <p:clrMapOvr>
+    <a:masterClrMapping/>
+  </p:clrMapOvr>
+</p:sld>
+</file>
+
+<file path=ppt/slides/slide27.xml><?xml version="1.0" encoding="utf-8"?>
+<p:sld xmlns:a="http://schemas.openxmlformats.org/drawingml/2006/main" xmlns:r="http://schemas.openxmlformats.org/officeDocument/2006/relationships" xmlns:p="http://schemas.openxmlformats.org/presentationml/2006/main">
+  <p:cSld>
+    <p:spTree>
+      <p:nvGrpSpPr>
+        <p:cNvPr id="1" name=""/>
+        <p:cNvGrpSpPr/>
+        <p:nvPr/>
+      </p:nvGrpSpPr>
+      <p:grpSpPr>
+        <a:xfrm>
+          <a:off x="0" y="0"/>
+          <a:ext cx="0" cy="0"/>
+          <a:chOff x="0" y="0"/>
+          <a:chExt cx="0" cy="0"/>
+        </a:xfrm>
+      </p:grpSpPr>
+      <p:sp>
+        <p:nvSpPr>
+          <p:cNvPr id="2" name="Titre 1">
+            <a:extLst>
+              <a:ext uri="{FF2B5EF4-FFF2-40B4-BE49-F238E27FC236}">
+                <a16:creationId xmlns:a16="http://schemas.microsoft.com/office/drawing/2014/main" id="{9E89BEBE-6249-4EE9-A3DE-988A6532E15C}"/>
+              </a:ext>
+            </a:extLst>
+          </p:cNvPr>
+          <p:cNvSpPr>
+            <a:spLocks noGrp="1"/>
+          </p:cNvSpPr>
+          <p:nvPr>
+            <p:ph type="title"/>
+          </p:nvPr>
+        </p:nvSpPr>
+        <p:spPr/>
+        <p:txBody>
+          <a:bodyPr/>
+          <a:lstStyle/>
+          <a:p>
+            <a:r>
+              <a:rPr lang="fr-FR" dirty="0"/>
+              <a:t>Les </a:t>
+            </a:r>
+            <a:r>
+              <a:rPr lang="fr-FR" dirty="0" err="1"/>
+              <a:t>Frameworks</a:t>
+            </a:r>
+            <a:r>
+              <a:rPr lang="fr-FR" dirty="0"/>
+              <a:t> ML et DL en 2019</a:t>
+            </a:r>
+          </a:p>
+        </p:txBody>
+      </p:sp>
+      <p:pic>
+        <p:nvPicPr>
+          <p:cNvPr id="1036" name="Picture 12">
+            <a:extLst>
+              <a:ext uri="{FF2B5EF4-FFF2-40B4-BE49-F238E27FC236}">
+                <a16:creationId xmlns:a16="http://schemas.microsoft.com/office/drawing/2014/main" id="{CC81630E-520F-4640-A4D7-4C649ED090DD}"/>
+              </a:ext>
+            </a:extLst>
+          </p:cNvPr>
+          <p:cNvPicPr>
+            <a:picLocks noChangeAspect="1" noChangeArrowheads="1"/>
+          </p:cNvPicPr>
+          <p:nvPr/>
+        </p:nvPicPr>
+        <p:blipFill>
+          <a:blip r:embed="rId2">
+            <a:extLst>
+              <a:ext uri="{28A0092B-C50C-407E-A947-70E740481C1C}">
+                <a14:useLocalDpi xmlns:a14="http://schemas.microsoft.com/office/drawing/2010/main" val="0"/>
+              </a:ext>
+            </a:extLst>
+          </a:blip>
+          <a:srcRect/>
+          <a:stretch>
+            <a:fillRect/>
+          </a:stretch>
+        </p:blipFill>
+        <p:spPr bwMode="auto">
+          <a:xfrm>
+            <a:off x="1534507" y="1851422"/>
+            <a:ext cx="5938352" cy="3401057"/>
+          </a:xfrm>
+          <a:prstGeom prst="rect">
+            <a:avLst/>
+          </a:prstGeom>
+          <a:noFill/>
+          <a:extLst>
+            <a:ext uri="{909E8E84-426E-40DD-AFC4-6F175D3DCCD1}">
+              <a14:hiddenFill xmlns:a14="http://schemas.microsoft.com/office/drawing/2010/main">
+                <a:solidFill>
+                  <a:srgbClr val="FFFFFF"/>
+                </a:solidFill>
+              </a14:hiddenFill>
+            </a:ext>
+          </a:extLst>
+        </p:spPr>
+      </p:pic>
+      <p:pic>
+        <p:nvPicPr>
+          <p:cNvPr id="3" name="Picture 4" descr="TensorFlow — Wikipédia">
+            <a:extLst>
+              <a:ext uri="{FF2B5EF4-FFF2-40B4-BE49-F238E27FC236}">
+                <a16:creationId xmlns:a16="http://schemas.microsoft.com/office/drawing/2014/main" id="{C4B0032F-A73B-40A0-917F-E14A99B3F947}"/>
+              </a:ext>
+            </a:extLst>
+          </p:cNvPr>
+          <p:cNvPicPr>
+            <a:picLocks noChangeAspect="1" noChangeArrowheads="1"/>
+          </p:cNvPicPr>
+          <p:nvPr/>
+        </p:nvPicPr>
+        <p:blipFill>
+          <a:blip r:embed="rId3">
+            <a:extLst>
+              <a:ext uri="{28A0092B-C50C-407E-A947-70E740481C1C}">
+                <a14:useLocalDpi xmlns:a14="http://schemas.microsoft.com/office/drawing/2010/main" val="0"/>
+              </a:ext>
+            </a:extLst>
+          </a:blip>
+          <a:srcRect/>
+          <a:stretch>
+            <a:fillRect/>
+          </a:stretch>
+        </p:blipFill>
+        <p:spPr bwMode="auto">
+          <a:xfrm>
+            <a:off x="5927934" y="2089516"/>
+            <a:ext cx="1304594" cy="1087161"/>
+          </a:xfrm>
+          <a:prstGeom prst="rect">
+            <a:avLst/>
+          </a:prstGeom>
+          <a:noFill/>
+          <a:extLst>
+            <a:ext uri="{909E8E84-426E-40DD-AFC4-6F175D3DCCD1}">
+              <a14:hiddenFill xmlns:a14="http://schemas.microsoft.com/office/drawing/2010/main">
+                <a:solidFill>
+                  <a:srgbClr val="FFFFFF"/>
+                </a:solidFill>
+              </a14:hiddenFill>
+            </a:ext>
+          </a:extLst>
+        </p:spPr>
+      </p:pic>
+    </p:spTree>
+    <p:extLst>
+      <p:ext uri="{BB962C8B-B14F-4D97-AF65-F5344CB8AC3E}">
+        <p14:creationId xmlns:p14="http://schemas.microsoft.com/office/powerpoint/2010/main" val="934904824"/>
+      </p:ext>
+    </p:extLst>
+  </p:cSld>
+  <p:clrMapOvr>
+    <a:masterClrMapping/>
+  </p:clrMapOvr>
+</p:sld>
+</file>
+
+<file path=ppt/slides/slide28.xml><?xml version="1.0" encoding="utf-8"?>
+<p:sld xmlns:a="http://schemas.openxmlformats.org/drawingml/2006/main" xmlns:r="http://schemas.openxmlformats.org/officeDocument/2006/relationships" xmlns:p="http://schemas.openxmlformats.org/presentationml/2006/main">
+  <p:cSld>
+    <p:spTree>
+      <p:nvGrpSpPr>
+        <p:cNvPr id="1" name=""/>
+        <p:cNvGrpSpPr/>
+        <p:nvPr/>
+      </p:nvGrpSpPr>
+      <p:grpSpPr>
+        <a:xfrm>
+          <a:off x="0" y="0"/>
+          <a:ext cx="0" cy="0"/>
+          <a:chOff x="0" y="0"/>
+          <a:chExt cx="0" cy="0"/>
+        </a:xfrm>
+      </p:grpSpPr>
+      <p:sp>
+        <p:nvSpPr>
+          <p:cNvPr id="2" name="Titre 1"/>
+          <p:cNvSpPr>
+            <a:spLocks noGrp="1"/>
+          </p:cNvSpPr>
+          <p:nvPr>
+            <p:ph type="title"/>
+          </p:nvPr>
+        </p:nvSpPr>
+        <p:spPr/>
+        <p:txBody>
+          <a:bodyPr/>
+          <a:lstStyle/>
+          <a:p>
+            <a:r>
+              <a:rPr lang="fr-FR" dirty="0" err="1"/>
+              <a:t>Deep</a:t>
+            </a:r>
+            <a:r>
+              <a:rPr lang="fr-FR" dirty="0"/>
+              <a:t> Learning</a:t>
+            </a:r>
+          </a:p>
+        </p:txBody>
+      </p:sp>
+      <p:sp>
+        <p:nvSpPr>
+          <p:cNvPr id="3" name="Espace réservé du contenu 2"/>
+          <p:cNvSpPr>
+            <a:spLocks noGrp="1"/>
+          </p:cNvSpPr>
+          <p:nvPr>
+            <p:ph idx="1"/>
+          </p:nvPr>
+        </p:nvSpPr>
+        <p:spPr/>
+        <p:txBody>
+          <a:bodyPr/>
+          <a:lstStyle/>
+          <a:p>
+            <a:r>
+              <a:rPr lang="fr-FR" dirty="0"/>
+              <a:t>Le </a:t>
+            </a:r>
+            <a:r>
+              <a:rPr lang="fr-FR" dirty="0" err="1"/>
+              <a:t>deep</a:t>
+            </a:r>
+            <a:r>
+              <a:rPr lang="fr-FR" dirty="0"/>
+              <a:t> </a:t>
+            </a:r>
+            <a:r>
+              <a:rPr lang="fr-FR" dirty="0" err="1"/>
+              <a:t>learning</a:t>
+            </a:r>
+            <a:r>
+              <a:rPr lang="fr-FR" dirty="0"/>
+              <a:t> est un ensemble de méthodes d'apprentissage automatique tentant de modéliser avec un haut niveau d’abstraction des données grâce à des architectures articulées de différentes transformations </a:t>
+            </a:r>
+            <a:r>
+              <a:rPr lang="fr-FR"/>
+              <a:t>non linéaires</a:t>
+            </a:r>
+          </a:p>
+          <a:p>
+            <a:pPr lvl="1"/>
+            <a:r>
+              <a:rPr lang="fr-FR"/>
+              <a:t>Ces </a:t>
+            </a:r>
+            <a:r>
+              <a:rPr lang="fr-FR" dirty="0"/>
+              <a:t>techniques ont permis des progrès importants et rapides dans les domaines de l'analyse du signal sonore ou visuel et notamment de la reconnaissance faciale, de la reconnaissance vocale, de la vision par ordinateur, du traitement automatisé du langage</a:t>
+            </a:r>
+          </a:p>
+        </p:txBody>
+      </p:sp>
+    </p:spTree>
+    <p:extLst>
+      <p:ext uri="{BB962C8B-B14F-4D97-AF65-F5344CB8AC3E}">
+        <p14:creationId xmlns:p14="http://schemas.microsoft.com/office/powerpoint/2010/main" val="3554226762"/>
+      </p:ext>
+    </p:extLst>
+  </p:cSld>
+  <p:clrMapOvr>
+    <a:masterClrMapping/>
+  </p:clrMapOvr>
+</p:sld>
+</file>
+
+<file path=ppt/slides/slide29.xml><?xml version="1.0" encoding="utf-8"?>
+<p:sld xmlns:a="http://schemas.openxmlformats.org/drawingml/2006/main" xmlns:r="http://schemas.openxmlformats.org/officeDocument/2006/relationships" xmlns:p="http://schemas.openxmlformats.org/presentationml/2006/main">
+  <p:cSld>
+    <p:spTree>
+      <p:nvGrpSpPr>
+        <p:cNvPr id="1" name=""/>
+        <p:cNvGrpSpPr/>
+        <p:nvPr/>
+      </p:nvGrpSpPr>
+      <p:grpSpPr>
+        <a:xfrm>
+          <a:off x="0" y="0"/>
+          <a:ext cx="0" cy="0"/>
+          <a:chOff x="0" y="0"/>
+          <a:chExt cx="0" cy="0"/>
+        </a:xfrm>
+      </p:grpSpPr>
+      <p:sp>
+        <p:nvSpPr>
+          <p:cNvPr id="2" name="Titre 1"/>
+          <p:cNvSpPr>
+            <a:spLocks noGrp="1"/>
+          </p:cNvSpPr>
+          <p:nvPr>
+            <p:ph type="title"/>
+          </p:nvPr>
+        </p:nvSpPr>
+        <p:spPr/>
+        <p:txBody>
+          <a:bodyPr/>
+          <a:lstStyle/>
+          <a:p>
+            <a:r>
+              <a:rPr lang="fr-FR"/>
+              <a:t>Neurone</a:t>
+            </a:r>
+          </a:p>
+        </p:txBody>
+      </p:sp>
+      <p:sp>
+        <p:nvSpPr>
+          <p:cNvPr id="3" name="Espace réservé du contenu 2"/>
+          <p:cNvSpPr>
+            <a:spLocks noGrp="1"/>
+          </p:cNvSpPr>
+          <p:nvPr>
+            <p:ph idx="1"/>
+          </p:nvPr>
+        </p:nvSpPr>
+        <p:spPr/>
+        <p:txBody>
+          <a:bodyPr/>
+          <a:lstStyle/>
+          <a:p>
+            <a:r>
+              <a:rPr lang="fr-FR" dirty="0"/>
+              <a:t>En biologie un neurone est une cellule connecté à d’autre neurones qui a la faculté de laisser passer ou non un courant électrique</a:t>
+            </a:r>
+          </a:p>
+          <a:p>
+            <a:pPr lvl="1"/>
+            <a:r>
+              <a:rPr lang="fr-FR" dirty="0"/>
+              <a:t>Sa modélisation mathématique est appelé perceptron</a:t>
+            </a:r>
+          </a:p>
+          <a:p>
+            <a:endParaRPr lang="fr-FR" dirty="0"/>
+          </a:p>
+        </p:txBody>
+      </p:sp>
+      <p:pic>
+        <p:nvPicPr>
+          <p:cNvPr id="6146" name="Picture 2" descr="RÃ©sultat de recherche d'images pour &quot;neurone&quot;"/>
+          <p:cNvPicPr>
+            <a:picLocks noChangeAspect="1" noChangeArrowheads="1"/>
+          </p:cNvPicPr>
+          <p:nvPr/>
+        </p:nvPicPr>
+        <p:blipFill>
+          <a:blip r:embed="rId2">
+            <a:extLst>
+              <a:ext uri="{28A0092B-C50C-407E-A947-70E740481C1C}">
+                <a14:useLocalDpi xmlns:a14="http://schemas.microsoft.com/office/drawing/2010/main" val="0"/>
+              </a:ext>
+            </a:extLst>
+          </a:blip>
+          <a:srcRect/>
+          <a:stretch>
+            <a:fillRect/>
+          </a:stretch>
+        </p:blipFill>
+        <p:spPr bwMode="auto">
+          <a:xfrm>
+            <a:off x="2627784" y="3429000"/>
+            <a:ext cx="5184576" cy="2912774"/>
+          </a:xfrm>
+          <a:prstGeom prst="rect">
+            <a:avLst/>
+          </a:prstGeom>
+          <a:noFill/>
+          <a:extLst>
+            <a:ext uri="{909E8E84-426E-40DD-AFC4-6F175D3DCCD1}">
+              <a14:hiddenFill xmlns:a14="http://schemas.microsoft.com/office/drawing/2010/main">
+                <a:solidFill>
+                  <a:srgbClr val="FFFFFF"/>
+                </a:solidFill>
+              </a14:hiddenFill>
+            </a:ext>
+          </a:extLst>
+        </p:spPr>
+      </p:pic>
+    </p:spTree>
+    <p:extLst>
+      <p:ext uri="{BB962C8B-B14F-4D97-AF65-F5344CB8AC3E}">
+        <p14:creationId xmlns:p14="http://schemas.microsoft.com/office/powerpoint/2010/main" val="548719315"/>
+      </p:ext>
+    </p:extLst>
+  </p:cSld>
+  <p:clrMapOvr>
+    <a:masterClrMapping/>
+  </p:clrMapOvr>
+</p:sld>
+</file>
+
 <file path=ppt/slides/slide3.xml><?xml version="1.0" encoding="utf-8"?>
 <p:sld xmlns:a="http://schemas.openxmlformats.org/drawingml/2006/main" xmlns:r="http://schemas.openxmlformats.org/officeDocument/2006/relationships" xmlns:p="http://schemas.openxmlformats.org/presentationml/2006/main">
   <p:cSld>
@@ -4397,7 +6668,7 @@
           <a:lstStyle/>
           <a:p>
             <a:r>
-              <a:rPr lang="fr-FR" dirty="0" err="1" smtClean="0"/>
+              <a:rPr lang="fr-FR" dirty="0" err="1"/>
               <a:t>Wikipedia</a:t>
             </a:r>
             <a:endParaRPr lang="fr-FR" dirty="0"/>
@@ -4421,48 +6692,20 @@
           <a:p>
             <a:r>
               <a:rPr lang="fr-FR" dirty="0"/>
-              <a:t>L</a:t>
-            </a:r>
-            <a:r>
-              <a:rPr lang="fr-FR" dirty="0" smtClean="0"/>
-              <a:t>a </a:t>
-            </a:r>
-            <a:r>
-              <a:rPr lang="fr-FR" dirty="0"/>
-              <a:t>science des données est l'extraction de connaissance d'ensembles de </a:t>
-            </a:r>
-            <a:r>
-              <a:rPr lang="fr-FR" dirty="0" smtClean="0"/>
-              <a:t>données</a:t>
-            </a:r>
-          </a:p>
-          <a:p>
-            <a:r>
-              <a:rPr lang="fr-FR" dirty="0" smtClean="0"/>
-              <a:t>Elle </a:t>
-            </a:r>
-            <a:r>
-              <a:rPr lang="fr-FR" dirty="0"/>
-              <a:t>emploie des techniques et des théories tirées de plusieurs autres domaines plus </a:t>
-            </a:r>
-            <a:r>
-              <a:rPr lang="fr-FR" dirty="0" smtClean="0"/>
-              <a:t>larges :</a:t>
+              <a:t>La science des données est l'extraction de connaissance d'ensembles de données</a:t>
+            </a:r>
+          </a:p>
+          <a:p>
+            <a:r>
+              <a:rPr lang="fr-FR" dirty="0"/>
+              <a:t>Elle emploie des techniques et des théories tirées de plusieurs autres domaines plus larges :</a:t>
             </a:r>
           </a:p>
           <a:p>
             <a:pPr lvl="1"/>
             <a:r>
-              <a:rPr lang="fr-FR" dirty="0" smtClean="0"/>
-              <a:t>des </a:t>
-            </a:r>
-            <a:r>
-              <a:rPr lang="fr-FR" dirty="0"/>
-              <a:t>mathématiques, la statistique principalement, la théorie de l'information et la technologie de l'information, notamment le traitement de signal, des modèles probabilistes, l'apprentissage automatique, l'apprentissage statistique, la programmation informatique, l'ingénierie de données, la reconnaissance de formes et l'apprentissage, la visualisation, l'analytique prophétique, la modélisation d'incertitude, le stockage de données, </a:t>
-            </a:r>
-            <a:r>
-              <a:rPr lang="fr-FR" dirty="0" smtClean="0"/>
-              <a:t>…</a:t>
+              <a:rPr lang="fr-FR" dirty="0"/>
+              <a:t>des mathématiques, la statistique principalement, la théorie de l'information et la technologie de l'information, notamment le traitement de signal, des modèles probabilistes, l'apprentissage automatique, l'apprentissage statistique, la programmation informatique, l'ingénierie de données, la reconnaissance de formes et l'apprentissage, la visualisation, l'analytique prophétique, la modélisation d'incertitude, le stockage de données, …</a:t>
             </a:r>
           </a:p>
         </p:txBody>
@@ -4471,6 +6714,1533 @@
     <p:extLst>
       <p:ext uri="{BB962C8B-B14F-4D97-AF65-F5344CB8AC3E}">
         <p14:creationId xmlns:p14="http://schemas.microsoft.com/office/powerpoint/2010/main" val="1773936858"/>
+      </p:ext>
+    </p:extLst>
+  </p:cSld>
+  <p:clrMapOvr>
+    <a:masterClrMapping/>
+  </p:clrMapOvr>
+</p:sld>
+</file>
+
+<file path=ppt/slides/slide30.xml><?xml version="1.0" encoding="utf-8"?>
+<p:sld xmlns:a="http://schemas.openxmlformats.org/drawingml/2006/main" xmlns:r="http://schemas.openxmlformats.org/officeDocument/2006/relationships" xmlns:p="http://schemas.openxmlformats.org/presentationml/2006/main">
+  <p:cSld>
+    <p:spTree>
+      <p:nvGrpSpPr>
+        <p:cNvPr id="1" name=""/>
+        <p:cNvGrpSpPr/>
+        <p:nvPr/>
+      </p:nvGrpSpPr>
+      <p:grpSpPr>
+        <a:xfrm>
+          <a:off x="0" y="0"/>
+          <a:ext cx="0" cy="0"/>
+          <a:chOff x="0" y="0"/>
+          <a:chExt cx="0" cy="0"/>
+        </a:xfrm>
+      </p:grpSpPr>
+      <p:sp>
+        <p:nvSpPr>
+          <p:cNvPr id="2" name="Titre 1"/>
+          <p:cNvSpPr>
+            <a:spLocks noGrp="1"/>
+          </p:cNvSpPr>
+          <p:nvPr>
+            <p:ph type="title"/>
+          </p:nvPr>
+        </p:nvSpPr>
+        <p:spPr/>
+        <p:txBody>
+          <a:bodyPr/>
+          <a:lstStyle/>
+          <a:p>
+            <a:r>
+              <a:rPr lang="fr-FR" dirty="0"/>
+              <a:t>Neurone</a:t>
+            </a:r>
+          </a:p>
+        </p:txBody>
+      </p:sp>
+      <p:sp>
+        <p:nvSpPr>
+          <p:cNvPr id="3" name="Espace réservé du contenu 2"/>
+          <p:cNvSpPr>
+            <a:spLocks noGrp="1"/>
+          </p:cNvSpPr>
+          <p:nvPr>
+            <p:ph idx="1"/>
+          </p:nvPr>
+        </p:nvSpPr>
+        <p:spPr/>
+        <p:txBody>
+          <a:bodyPr/>
+          <a:lstStyle/>
+          <a:p>
+            <a:r>
+              <a:rPr lang="fr-FR" dirty="0"/>
+              <a:t>Un neurone possède plusieurs entrées (ix), une sortie (o), un seuil et une fonction d’activation (f)</a:t>
+            </a:r>
+          </a:p>
+          <a:p>
+            <a:r>
+              <a:rPr lang="fr-FR" dirty="0"/>
+              <a:t>Chaque entrée possède un poids (</a:t>
+            </a:r>
+            <a:r>
+              <a:rPr lang="fr-FR" dirty="0" err="1"/>
+              <a:t>Wx</a:t>
+            </a:r>
+            <a:r>
+              <a:rPr lang="fr-FR" dirty="0"/>
+              <a:t>)</a:t>
+            </a:r>
+          </a:p>
+          <a:p>
+            <a:endParaRPr lang="fr-FR" dirty="0"/>
+          </a:p>
+        </p:txBody>
+      </p:sp>
+      <p:pic>
+        <p:nvPicPr>
+          <p:cNvPr id="1026" name="Picture 2" descr="Schéma d'un perceptron à n entrées."/>
+          <p:cNvPicPr>
+            <a:picLocks noChangeAspect="1" noChangeArrowheads="1"/>
+          </p:cNvPicPr>
+          <p:nvPr/>
+        </p:nvPicPr>
+        <p:blipFill>
+          <a:blip r:embed="rId2">
+            <a:extLst>
+              <a:ext uri="{28A0092B-C50C-407E-A947-70E740481C1C}">
+                <a14:useLocalDpi xmlns:a14="http://schemas.microsoft.com/office/drawing/2010/main" val="0"/>
+              </a:ext>
+            </a:extLst>
+          </a:blip>
+          <a:srcRect/>
+          <a:stretch>
+            <a:fillRect/>
+          </a:stretch>
+        </p:blipFill>
+        <p:spPr bwMode="auto">
+          <a:xfrm>
+            <a:off x="1216473" y="2719205"/>
+            <a:ext cx="5640561" cy="3990698"/>
+          </a:xfrm>
+          <a:prstGeom prst="rect">
+            <a:avLst/>
+          </a:prstGeom>
+          <a:noFill/>
+          <a:extLst>
+            <a:ext uri="{909E8E84-426E-40DD-AFC4-6F175D3DCCD1}">
+              <a14:hiddenFill xmlns:a14="http://schemas.microsoft.com/office/drawing/2010/main">
+                <a:solidFill>
+                  <a:srgbClr val="FFFFFF"/>
+                </a:solidFill>
+              </a14:hiddenFill>
+            </a:ext>
+          </a:extLst>
+        </p:spPr>
+      </p:pic>
+    </p:spTree>
+    <p:extLst>
+      <p:ext uri="{BB962C8B-B14F-4D97-AF65-F5344CB8AC3E}">
+        <p14:creationId xmlns:p14="http://schemas.microsoft.com/office/powerpoint/2010/main" val="176497300"/>
+      </p:ext>
+    </p:extLst>
+  </p:cSld>
+  <p:clrMapOvr>
+    <a:masterClrMapping/>
+  </p:clrMapOvr>
+</p:sld>
+</file>
+
+<file path=ppt/slides/slide31.xml><?xml version="1.0" encoding="utf-8"?>
+<p:sld xmlns:a="http://schemas.openxmlformats.org/drawingml/2006/main" xmlns:r="http://schemas.openxmlformats.org/officeDocument/2006/relationships" xmlns:p="http://schemas.openxmlformats.org/presentationml/2006/main">
+  <p:cSld>
+    <p:spTree>
+      <p:nvGrpSpPr>
+        <p:cNvPr id="1" name=""/>
+        <p:cNvGrpSpPr/>
+        <p:nvPr/>
+      </p:nvGrpSpPr>
+      <p:grpSpPr>
+        <a:xfrm>
+          <a:off x="0" y="0"/>
+          <a:ext cx="0" cy="0"/>
+          <a:chOff x="0" y="0"/>
+          <a:chExt cx="0" cy="0"/>
+        </a:xfrm>
+      </p:grpSpPr>
+      <p:sp>
+        <p:nvSpPr>
+          <p:cNvPr id="2" name="Titre 1"/>
+          <p:cNvSpPr>
+            <a:spLocks noGrp="1"/>
+          </p:cNvSpPr>
+          <p:nvPr>
+            <p:ph type="title"/>
+          </p:nvPr>
+        </p:nvSpPr>
+        <p:spPr/>
+        <p:txBody>
+          <a:bodyPr/>
+          <a:lstStyle/>
+          <a:p>
+            <a:r>
+              <a:rPr lang="fr-FR" dirty="0"/>
+              <a:t>Réseaux</a:t>
+            </a:r>
+          </a:p>
+        </p:txBody>
+      </p:sp>
+      <p:sp>
+        <p:nvSpPr>
+          <p:cNvPr id="3" name="Espace réservé du contenu 2"/>
+          <p:cNvSpPr>
+            <a:spLocks noGrp="1"/>
+          </p:cNvSpPr>
+          <p:nvPr>
+            <p:ph idx="1"/>
+          </p:nvPr>
+        </p:nvSpPr>
+        <p:spPr/>
+        <p:txBody>
+          <a:bodyPr/>
+          <a:lstStyle/>
+          <a:p>
+            <a:r>
+              <a:rPr lang="fr-FR" dirty="0"/>
+              <a:t>Les neurones peuvent être mis en réseaux</a:t>
+            </a:r>
+          </a:p>
+          <a:p>
+            <a:pPr lvl="1"/>
+            <a:r>
+              <a:rPr lang="fr-FR" dirty="0"/>
+              <a:t>En arbre (MLP)</a:t>
+            </a:r>
+          </a:p>
+          <a:p>
+            <a:pPr lvl="1"/>
+            <a:r>
+              <a:rPr lang="fr-FR" dirty="0"/>
+              <a:t>En graphe (plus complexe)</a:t>
+            </a:r>
+          </a:p>
+          <a:p>
+            <a:pPr lvl="1"/>
+            <a:r>
+              <a:rPr lang="fr-FR" dirty="0"/>
+              <a:t>Poids multiples</a:t>
+            </a:r>
+          </a:p>
+          <a:p>
+            <a:r>
+              <a:rPr lang="fr-FR" dirty="0"/>
+              <a:t>Très couteux</a:t>
+            </a:r>
+          </a:p>
+          <a:p>
+            <a:pPr lvl="1"/>
+            <a:r>
+              <a:rPr lang="fr-FR" dirty="0"/>
+              <a:t>Mais donne de très bon résultats</a:t>
+            </a:r>
+          </a:p>
+          <a:p>
+            <a:pPr lvl="1"/>
+            <a:r>
+              <a:rPr lang="fr-FR" dirty="0"/>
+              <a:t>Maitrise l’addition sur 4 bits avec 10 neurones et 10000 itérations</a:t>
+            </a:r>
+          </a:p>
+          <a:p>
+            <a:r>
+              <a:rPr lang="fr-FR" dirty="0" err="1"/>
+              <a:t>Backpropagation</a:t>
+            </a:r>
+            <a:r>
+              <a:rPr lang="fr-FR"/>
+              <a:t> complexe</a:t>
+            </a:r>
+            <a:endParaRPr lang="fr-FR" dirty="0"/>
+          </a:p>
+        </p:txBody>
+      </p:sp>
+      <p:pic>
+        <p:nvPicPr>
+          <p:cNvPr id="3074" name="Picture 2" descr="../_images/multilayerperceptron_network.png"/>
+          <p:cNvPicPr>
+            <a:picLocks noChangeAspect="1" noChangeArrowheads="1"/>
+          </p:cNvPicPr>
+          <p:nvPr/>
+        </p:nvPicPr>
+        <p:blipFill>
+          <a:blip r:embed="rId2" cstate="print">
+            <a:extLst>
+              <a:ext uri="{28A0092B-C50C-407E-A947-70E740481C1C}">
+                <a14:useLocalDpi xmlns:a14="http://schemas.microsoft.com/office/drawing/2010/main" val="0"/>
+              </a:ext>
+            </a:extLst>
+          </a:blip>
+          <a:srcRect/>
+          <a:stretch>
+            <a:fillRect/>
+          </a:stretch>
+        </p:blipFill>
+        <p:spPr bwMode="auto">
+          <a:xfrm>
+            <a:off x="6516216" y="1930341"/>
+            <a:ext cx="2088232" cy="2269585"/>
+          </a:xfrm>
+          <a:prstGeom prst="rect">
+            <a:avLst/>
+          </a:prstGeom>
+          <a:noFill/>
+          <a:extLst>
+            <a:ext uri="{909E8E84-426E-40DD-AFC4-6F175D3DCCD1}">
+              <a14:hiddenFill xmlns:a14="http://schemas.microsoft.com/office/drawing/2010/main">
+                <a:solidFill>
+                  <a:srgbClr val="FFFFFF"/>
+                </a:solidFill>
+              </a14:hiddenFill>
+            </a:ext>
+          </a:extLst>
+        </p:spPr>
+      </p:pic>
+    </p:spTree>
+    <p:extLst>
+      <p:ext uri="{BB962C8B-B14F-4D97-AF65-F5344CB8AC3E}">
+        <p14:creationId xmlns:p14="http://schemas.microsoft.com/office/powerpoint/2010/main" val="2978072789"/>
+      </p:ext>
+    </p:extLst>
+  </p:cSld>
+  <p:clrMapOvr>
+    <a:masterClrMapping/>
+  </p:clrMapOvr>
+</p:sld>
+</file>
+
+<file path=ppt/slides/slide32.xml><?xml version="1.0" encoding="utf-8"?>
+<p:sld xmlns:a="http://schemas.openxmlformats.org/drawingml/2006/main" xmlns:r="http://schemas.openxmlformats.org/officeDocument/2006/relationships" xmlns:p="http://schemas.openxmlformats.org/presentationml/2006/main">
+  <p:cSld>
+    <p:spTree>
+      <p:nvGrpSpPr>
+        <p:cNvPr id="1" name=""/>
+        <p:cNvGrpSpPr/>
+        <p:nvPr/>
+      </p:nvGrpSpPr>
+      <p:grpSpPr>
+        <a:xfrm>
+          <a:off x="0" y="0"/>
+          <a:ext cx="0" cy="0"/>
+          <a:chOff x="0" y="0"/>
+          <a:chExt cx="0" cy="0"/>
+        </a:xfrm>
+      </p:grpSpPr>
+      <p:sp>
+        <p:nvSpPr>
+          <p:cNvPr id="2" name="Titre 1"/>
+          <p:cNvSpPr>
+            <a:spLocks noGrp="1"/>
+          </p:cNvSpPr>
+          <p:nvPr>
+            <p:ph type="title"/>
+          </p:nvPr>
+        </p:nvSpPr>
+        <p:spPr/>
+        <p:txBody>
+          <a:bodyPr/>
+          <a:lstStyle/>
+          <a:p>
+            <a:r>
+              <a:rPr lang="fr-FR" dirty="0"/>
+              <a:t>Workflow</a:t>
+            </a:r>
+          </a:p>
+        </p:txBody>
+      </p:sp>
+      <p:pic>
+        <p:nvPicPr>
+          <p:cNvPr id="1026" name="Picture 2" descr="Cycle de travail du data scientist - en.wikipedia.org/wiki/Data_science pouet"/>
+          <p:cNvPicPr>
+            <a:picLocks noGrp="1" noChangeAspect="1" noChangeArrowheads="1"/>
+          </p:cNvPicPr>
+          <p:nvPr>
+            <p:ph idx="1"/>
+          </p:nvPr>
+        </p:nvPicPr>
+        <p:blipFill>
+          <a:blip r:embed="rId2">
+            <a:extLst>
+              <a:ext uri="{28A0092B-C50C-407E-A947-70E740481C1C}">
+                <a14:useLocalDpi xmlns:a14="http://schemas.microsoft.com/office/drawing/2010/main" val="0"/>
+              </a:ext>
+            </a:extLst>
+          </a:blip>
+          <a:srcRect/>
+          <a:stretch>
+            <a:fillRect/>
+          </a:stretch>
+        </p:blipFill>
+        <p:spPr bwMode="auto">
+          <a:xfrm>
+            <a:off x="1547664" y="1484784"/>
+            <a:ext cx="5415111" cy="4061333"/>
+          </a:xfrm>
+          <a:prstGeom prst="rect">
+            <a:avLst/>
+          </a:prstGeom>
+          <a:noFill/>
+          <a:extLst>
+            <a:ext uri="{909E8E84-426E-40DD-AFC4-6F175D3DCCD1}">
+              <a14:hiddenFill xmlns:a14="http://schemas.microsoft.com/office/drawing/2010/main">
+                <a:solidFill>
+                  <a:srgbClr val="FFFFFF"/>
+                </a:solidFill>
+              </a14:hiddenFill>
+            </a:ext>
+          </a:extLst>
+        </p:spPr>
+      </p:pic>
+    </p:spTree>
+    <p:extLst>
+      <p:ext uri="{BB962C8B-B14F-4D97-AF65-F5344CB8AC3E}">
+        <p14:creationId xmlns:p14="http://schemas.microsoft.com/office/powerpoint/2010/main" val="4247828387"/>
+      </p:ext>
+    </p:extLst>
+  </p:cSld>
+  <p:clrMapOvr>
+    <a:masterClrMapping/>
+  </p:clrMapOvr>
+</p:sld>
+</file>
+
+<file path=ppt/slides/slide33.xml><?xml version="1.0" encoding="utf-8"?>
+<p:sld xmlns:a="http://schemas.openxmlformats.org/drawingml/2006/main" xmlns:r="http://schemas.openxmlformats.org/officeDocument/2006/relationships" xmlns:p="http://schemas.openxmlformats.org/presentationml/2006/main">
+  <p:cSld>
+    <p:spTree>
+      <p:nvGrpSpPr>
+        <p:cNvPr id="1" name=""/>
+        <p:cNvGrpSpPr/>
+        <p:nvPr/>
+      </p:nvGrpSpPr>
+      <p:grpSpPr>
+        <a:xfrm>
+          <a:off x="0" y="0"/>
+          <a:ext cx="0" cy="0"/>
+          <a:chOff x="0" y="0"/>
+          <a:chExt cx="0" cy="0"/>
+        </a:xfrm>
+      </p:grpSpPr>
+      <p:sp>
+        <p:nvSpPr>
+          <p:cNvPr id="2" name="Titre 1">
+            <a:extLst>
+              <a:ext uri="{FF2B5EF4-FFF2-40B4-BE49-F238E27FC236}">
+                <a16:creationId xmlns:a16="http://schemas.microsoft.com/office/drawing/2014/main" id="{553CA38B-3BB0-4629-BF22-7D4D4C6D2943}"/>
+              </a:ext>
+            </a:extLst>
+          </p:cNvPr>
+          <p:cNvSpPr>
+            <a:spLocks noGrp="1"/>
+          </p:cNvSpPr>
+          <p:nvPr>
+            <p:ph type="title"/>
+          </p:nvPr>
+        </p:nvSpPr>
+        <p:spPr/>
+        <p:txBody>
+          <a:bodyPr/>
+          <a:lstStyle/>
+          <a:p>
+            <a:r>
+              <a:rPr lang="fr-FR" dirty="0"/>
+              <a:t>Les enjeux 1/3</a:t>
+            </a:r>
+          </a:p>
+        </p:txBody>
+      </p:sp>
+      <p:sp>
+        <p:nvSpPr>
+          <p:cNvPr id="7" name="Espace réservé du contenu 2">
+            <a:extLst>
+              <a:ext uri="{FF2B5EF4-FFF2-40B4-BE49-F238E27FC236}">
+                <a16:creationId xmlns:a16="http://schemas.microsoft.com/office/drawing/2014/main" id="{62CAC85E-A812-47F9-A7C5-91F75568AA15}"/>
+              </a:ext>
+            </a:extLst>
+          </p:cNvPr>
+          <p:cNvSpPr txBox="1">
+            <a:spLocks/>
+          </p:cNvSpPr>
+          <p:nvPr/>
+        </p:nvSpPr>
+        <p:spPr>
+          <a:xfrm>
+            <a:off x="628650" y="2226469"/>
+            <a:ext cx="7886700" cy="3263504"/>
+          </a:xfrm>
+          <a:prstGeom prst="rect">
+            <a:avLst/>
+          </a:prstGeom>
+        </p:spPr>
+        <p:txBody>
+          <a:bodyPr/>
+          <a:lstStyle>
+            <a:lvl1pPr marL="228600" indent="-228600" algn="l" defTabSz="914400" rtl="0" eaLnBrk="1" latinLnBrk="0" hangingPunct="1">
+              <a:lnSpc>
+                <a:spcPct val="90000"/>
+              </a:lnSpc>
+              <a:spcBef>
+                <a:spcPts val="1000"/>
+              </a:spcBef>
+              <a:buFont typeface="Arial" panose="020B0604020202020204" pitchFamily="34" charset="0"/>
+              <a:buChar char="•"/>
+              <a:defRPr sz="2800" kern="1200">
+                <a:solidFill>
+                  <a:schemeClr val="tx1"/>
+                </a:solidFill>
+                <a:latin typeface="+mn-lt"/>
+                <a:ea typeface="+mn-ea"/>
+                <a:cs typeface="+mn-cs"/>
+              </a:defRPr>
+            </a:lvl1pPr>
+            <a:lvl2pPr marL="685800" indent="-228600" algn="l" defTabSz="914400" rtl="0" eaLnBrk="1" latinLnBrk="0" hangingPunct="1">
+              <a:lnSpc>
+                <a:spcPct val="90000"/>
+              </a:lnSpc>
+              <a:spcBef>
+                <a:spcPts val="500"/>
+              </a:spcBef>
+              <a:buFont typeface="Arial" panose="020B0604020202020204" pitchFamily="34" charset="0"/>
+              <a:buChar char="•"/>
+              <a:defRPr sz="2400" kern="1200">
+                <a:solidFill>
+                  <a:schemeClr val="tx1"/>
+                </a:solidFill>
+                <a:latin typeface="+mn-lt"/>
+                <a:ea typeface="+mn-ea"/>
+                <a:cs typeface="+mn-cs"/>
+              </a:defRPr>
+            </a:lvl2pPr>
+            <a:lvl3pPr marL="1143000" indent="-228600" algn="l" defTabSz="914400" rtl="0" eaLnBrk="1" latinLnBrk="0" hangingPunct="1">
+              <a:lnSpc>
+                <a:spcPct val="90000"/>
+              </a:lnSpc>
+              <a:spcBef>
+                <a:spcPts val="500"/>
+              </a:spcBef>
+              <a:buFont typeface="Arial" panose="020B0604020202020204" pitchFamily="34" charset="0"/>
+              <a:buChar char="•"/>
+              <a:defRPr sz="2000" kern="1200">
+                <a:solidFill>
+                  <a:schemeClr val="tx1"/>
+                </a:solidFill>
+                <a:latin typeface="+mn-lt"/>
+                <a:ea typeface="+mn-ea"/>
+                <a:cs typeface="+mn-cs"/>
+              </a:defRPr>
+            </a:lvl3pPr>
+            <a:lvl4pPr marL="1600200" indent="-228600" algn="l" defTabSz="914400" rtl="0" eaLnBrk="1" latinLnBrk="0" hangingPunct="1">
+              <a:lnSpc>
+                <a:spcPct val="90000"/>
+              </a:lnSpc>
+              <a:spcBef>
+                <a:spcPts val="500"/>
+              </a:spcBef>
+              <a:buFont typeface="Arial" panose="020B0604020202020204" pitchFamily="34" charset="0"/>
+              <a:buChar char="•"/>
+              <a:defRPr sz="1800" kern="1200">
+                <a:solidFill>
+                  <a:schemeClr val="tx1"/>
+                </a:solidFill>
+                <a:latin typeface="+mn-lt"/>
+                <a:ea typeface="+mn-ea"/>
+                <a:cs typeface="+mn-cs"/>
+              </a:defRPr>
+            </a:lvl4pPr>
+            <a:lvl5pPr marL="2057400" indent="-228600" algn="l" defTabSz="914400" rtl="0" eaLnBrk="1" latinLnBrk="0" hangingPunct="1">
+              <a:lnSpc>
+                <a:spcPct val="90000"/>
+              </a:lnSpc>
+              <a:spcBef>
+                <a:spcPts val="500"/>
+              </a:spcBef>
+              <a:buFont typeface="Arial" panose="020B0604020202020204" pitchFamily="34" charset="0"/>
+              <a:buChar char="•"/>
+              <a:defRPr sz="1800" kern="1200">
+                <a:solidFill>
+                  <a:schemeClr val="tx1"/>
+                </a:solidFill>
+                <a:latin typeface="+mn-lt"/>
+                <a:ea typeface="+mn-ea"/>
+                <a:cs typeface="+mn-cs"/>
+              </a:defRPr>
+            </a:lvl5pPr>
+            <a:lvl6pPr marL="2514600" indent="-228600" algn="l" defTabSz="914400" rtl="0" eaLnBrk="1" latinLnBrk="0" hangingPunct="1">
+              <a:lnSpc>
+                <a:spcPct val="90000"/>
+              </a:lnSpc>
+              <a:spcBef>
+                <a:spcPts val="500"/>
+              </a:spcBef>
+              <a:buFont typeface="Arial" panose="020B0604020202020204" pitchFamily="34" charset="0"/>
+              <a:buChar char="•"/>
+              <a:defRPr sz="1800" kern="1200">
+                <a:solidFill>
+                  <a:schemeClr val="tx1"/>
+                </a:solidFill>
+                <a:latin typeface="+mn-lt"/>
+                <a:ea typeface="+mn-ea"/>
+                <a:cs typeface="+mn-cs"/>
+              </a:defRPr>
+            </a:lvl6pPr>
+            <a:lvl7pPr marL="2971800" indent="-228600" algn="l" defTabSz="914400" rtl="0" eaLnBrk="1" latinLnBrk="0" hangingPunct="1">
+              <a:lnSpc>
+                <a:spcPct val="90000"/>
+              </a:lnSpc>
+              <a:spcBef>
+                <a:spcPts val="500"/>
+              </a:spcBef>
+              <a:buFont typeface="Arial" panose="020B0604020202020204" pitchFamily="34" charset="0"/>
+              <a:buChar char="•"/>
+              <a:defRPr sz="1800" kern="1200">
+                <a:solidFill>
+                  <a:schemeClr val="tx1"/>
+                </a:solidFill>
+                <a:latin typeface="+mn-lt"/>
+                <a:ea typeface="+mn-ea"/>
+                <a:cs typeface="+mn-cs"/>
+              </a:defRPr>
+            </a:lvl7pPr>
+            <a:lvl8pPr marL="3429000" indent="-228600" algn="l" defTabSz="914400" rtl="0" eaLnBrk="1" latinLnBrk="0" hangingPunct="1">
+              <a:lnSpc>
+                <a:spcPct val="90000"/>
+              </a:lnSpc>
+              <a:spcBef>
+                <a:spcPts val="500"/>
+              </a:spcBef>
+              <a:buFont typeface="Arial" panose="020B0604020202020204" pitchFamily="34" charset="0"/>
+              <a:buChar char="•"/>
+              <a:defRPr sz="1800" kern="1200">
+                <a:solidFill>
+                  <a:schemeClr val="tx1"/>
+                </a:solidFill>
+                <a:latin typeface="+mn-lt"/>
+                <a:ea typeface="+mn-ea"/>
+                <a:cs typeface="+mn-cs"/>
+              </a:defRPr>
+            </a:lvl8pPr>
+            <a:lvl9pPr marL="3886200" indent="-228600" algn="l" defTabSz="914400" rtl="0" eaLnBrk="1" latinLnBrk="0" hangingPunct="1">
+              <a:lnSpc>
+                <a:spcPct val="90000"/>
+              </a:lnSpc>
+              <a:spcBef>
+                <a:spcPts val="500"/>
+              </a:spcBef>
+              <a:buFont typeface="Arial" panose="020B0604020202020204" pitchFamily="34" charset="0"/>
+              <a:buChar char="•"/>
+              <a:defRPr sz="1800" kern="1200">
+                <a:solidFill>
+                  <a:schemeClr val="tx1"/>
+                </a:solidFill>
+                <a:latin typeface="+mn-lt"/>
+                <a:ea typeface="+mn-ea"/>
+                <a:cs typeface="+mn-cs"/>
+              </a:defRPr>
+            </a:lvl9pPr>
+          </a:lstStyle>
+          <a:p>
+            <a:r>
+              <a:rPr lang="fr-FR" sz="2100" b="1" dirty="0">
+                <a:solidFill>
+                  <a:srgbClr val="111111"/>
+                </a:solidFill>
+                <a:latin typeface="Arial" panose="020B0604020202020204" pitchFamily="34" charset="0"/>
+              </a:rPr>
+              <a:t>Constituer et donner accès à de très grands jeux de données de qualité</a:t>
+            </a:r>
+          </a:p>
+          <a:p>
+            <a:pPr lvl="1"/>
+            <a:r>
+              <a:rPr lang="fr-FR" sz="1800" dirty="0"/>
+              <a:t>le principal facteur limitant à l’heure actuelle n’est pas la technologie mais l’accès à des données de qualité.</a:t>
+            </a:r>
+          </a:p>
+          <a:p>
+            <a:pPr lvl="1"/>
+            <a:r>
+              <a:rPr lang="fr-FR" sz="1800" dirty="0"/>
+              <a:t>L’accès à des données massives, corrélées, complètes, qualifiées, historisées, est une clé technologique majeure de mise au point de technologies d’intelligence artificielle aujourd’hui</a:t>
+            </a:r>
+          </a:p>
+        </p:txBody>
+      </p:sp>
+    </p:spTree>
+    <p:extLst>
+      <p:ext uri="{BB962C8B-B14F-4D97-AF65-F5344CB8AC3E}">
+        <p14:creationId xmlns:p14="http://schemas.microsoft.com/office/powerpoint/2010/main" val="3326188260"/>
+      </p:ext>
+    </p:extLst>
+  </p:cSld>
+  <p:clrMapOvr>
+    <a:masterClrMapping/>
+  </p:clrMapOvr>
+</p:sld>
+</file>
+
+<file path=ppt/slides/slide34.xml><?xml version="1.0" encoding="utf-8"?>
+<p:sld xmlns:a="http://schemas.openxmlformats.org/drawingml/2006/main" xmlns:r="http://schemas.openxmlformats.org/officeDocument/2006/relationships" xmlns:p="http://schemas.openxmlformats.org/presentationml/2006/main">
+  <p:cSld>
+    <p:spTree>
+      <p:nvGrpSpPr>
+        <p:cNvPr id="1" name=""/>
+        <p:cNvGrpSpPr/>
+        <p:nvPr/>
+      </p:nvGrpSpPr>
+      <p:grpSpPr>
+        <a:xfrm>
+          <a:off x="0" y="0"/>
+          <a:ext cx="0" cy="0"/>
+          <a:chOff x="0" y="0"/>
+          <a:chExt cx="0" cy="0"/>
+        </a:xfrm>
+      </p:grpSpPr>
+      <p:sp>
+        <p:nvSpPr>
+          <p:cNvPr id="2" name="Titre 1"/>
+          <p:cNvSpPr>
+            <a:spLocks noGrp="1"/>
+          </p:cNvSpPr>
+          <p:nvPr>
+            <p:ph type="title"/>
+          </p:nvPr>
+        </p:nvSpPr>
+        <p:spPr/>
+        <p:txBody>
+          <a:bodyPr/>
+          <a:lstStyle/>
+          <a:p>
+            <a:r>
+              <a:rPr lang="fr-FR" dirty="0"/>
+              <a:t>Les nouvelles sources de données</a:t>
+            </a:r>
+          </a:p>
+        </p:txBody>
+      </p:sp>
+      <p:sp>
+        <p:nvSpPr>
+          <p:cNvPr id="3" name="Espace réservé du contenu 2"/>
+          <p:cNvSpPr>
+            <a:spLocks noGrp="1"/>
+          </p:cNvSpPr>
+          <p:nvPr>
+            <p:ph idx="1"/>
+          </p:nvPr>
+        </p:nvSpPr>
+        <p:spPr/>
+        <p:txBody>
+          <a:bodyPr/>
+          <a:lstStyle/>
+          <a:p>
+            <a:endParaRPr lang="fr-FR" dirty="0"/>
+          </a:p>
+        </p:txBody>
+      </p:sp>
+      <p:pic>
+        <p:nvPicPr>
+          <p:cNvPr id="1026" name="Picture 2" descr="Nouvelles sources de données Big Data"/>
+          <p:cNvPicPr>
+            <a:picLocks noChangeAspect="1" noChangeArrowheads="1"/>
+          </p:cNvPicPr>
+          <p:nvPr/>
+        </p:nvPicPr>
+        <p:blipFill>
+          <a:blip r:embed="rId2">
+            <a:extLst>
+              <a:ext uri="{28A0092B-C50C-407E-A947-70E740481C1C}">
+                <a14:useLocalDpi xmlns:a14="http://schemas.microsoft.com/office/drawing/2010/main" val="0"/>
+              </a:ext>
+            </a:extLst>
+          </a:blip>
+          <a:srcRect/>
+          <a:stretch>
+            <a:fillRect/>
+          </a:stretch>
+        </p:blipFill>
+        <p:spPr bwMode="auto">
+          <a:xfrm>
+            <a:off x="1709682" y="2186862"/>
+            <a:ext cx="5837663" cy="3269091"/>
+          </a:xfrm>
+          <a:prstGeom prst="rect">
+            <a:avLst/>
+          </a:prstGeom>
+          <a:noFill/>
+          <a:extLst>
+            <a:ext uri="{909E8E84-426E-40DD-AFC4-6F175D3DCCD1}">
+              <a14:hiddenFill xmlns:a14="http://schemas.microsoft.com/office/drawing/2010/main">
+                <a:solidFill>
+                  <a:srgbClr val="FFFFFF"/>
+                </a:solidFill>
+              </a14:hiddenFill>
+            </a:ext>
+          </a:extLst>
+        </p:spPr>
+      </p:pic>
+    </p:spTree>
+    <p:extLst>
+      <p:ext uri="{BB962C8B-B14F-4D97-AF65-F5344CB8AC3E}">
+        <p14:creationId xmlns:p14="http://schemas.microsoft.com/office/powerpoint/2010/main" val="419766916"/>
+      </p:ext>
+    </p:extLst>
+  </p:cSld>
+  <p:clrMapOvr>
+    <a:masterClrMapping/>
+  </p:clrMapOvr>
+</p:sld>
+</file>
+
+<file path=ppt/slides/slide35.xml><?xml version="1.0" encoding="utf-8"?>
+<p:sld xmlns:a="http://schemas.openxmlformats.org/drawingml/2006/main" xmlns:r="http://schemas.openxmlformats.org/officeDocument/2006/relationships" xmlns:p="http://schemas.openxmlformats.org/presentationml/2006/main">
+  <p:cSld>
+    <p:spTree>
+      <p:nvGrpSpPr>
+        <p:cNvPr id="1" name=""/>
+        <p:cNvGrpSpPr/>
+        <p:nvPr/>
+      </p:nvGrpSpPr>
+      <p:grpSpPr>
+        <a:xfrm>
+          <a:off x="0" y="0"/>
+          <a:ext cx="0" cy="0"/>
+          <a:chOff x="0" y="0"/>
+          <a:chExt cx="0" cy="0"/>
+        </a:xfrm>
+      </p:grpSpPr>
+      <p:sp>
+        <p:nvSpPr>
+          <p:cNvPr id="2" name="Titre 1">
+            <a:extLst>
+              <a:ext uri="{FF2B5EF4-FFF2-40B4-BE49-F238E27FC236}">
+                <a16:creationId xmlns:a16="http://schemas.microsoft.com/office/drawing/2014/main" id="{553CA38B-3BB0-4629-BF22-7D4D4C6D2943}"/>
+              </a:ext>
+            </a:extLst>
+          </p:cNvPr>
+          <p:cNvSpPr>
+            <a:spLocks noGrp="1"/>
+          </p:cNvSpPr>
+          <p:nvPr>
+            <p:ph type="title"/>
+          </p:nvPr>
+        </p:nvSpPr>
+        <p:spPr/>
+        <p:txBody>
+          <a:bodyPr/>
+          <a:lstStyle/>
+          <a:p>
+            <a:r>
+              <a:rPr lang="fr-FR" dirty="0"/>
+              <a:t>Les enjeux 2/3</a:t>
+            </a:r>
+          </a:p>
+        </p:txBody>
+      </p:sp>
+      <p:sp>
+        <p:nvSpPr>
+          <p:cNvPr id="7" name="Espace réservé du contenu 2">
+            <a:extLst>
+              <a:ext uri="{FF2B5EF4-FFF2-40B4-BE49-F238E27FC236}">
+                <a16:creationId xmlns:a16="http://schemas.microsoft.com/office/drawing/2014/main" id="{62CAC85E-A812-47F9-A7C5-91F75568AA15}"/>
+              </a:ext>
+            </a:extLst>
+          </p:cNvPr>
+          <p:cNvSpPr txBox="1">
+            <a:spLocks/>
+          </p:cNvSpPr>
+          <p:nvPr/>
+        </p:nvSpPr>
+        <p:spPr>
+          <a:xfrm>
+            <a:off x="628650" y="2226469"/>
+            <a:ext cx="7886700" cy="3263504"/>
+          </a:xfrm>
+          <a:prstGeom prst="rect">
+            <a:avLst/>
+          </a:prstGeom>
+        </p:spPr>
+        <p:txBody>
+          <a:bodyPr/>
+          <a:lstStyle>
+            <a:lvl1pPr marL="228600" indent="-228600" algn="l" defTabSz="914400" rtl="0" eaLnBrk="1" latinLnBrk="0" hangingPunct="1">
+              <a:lnSpc>
+                <a:spcPct val="90000"/>
+              </a:lnSpc>
+              <a:spcBef>
+                <a:spcPts val="1000"/>
+              </a:spcBef>
+              <a:buFont typeface="Arial" panose="020B0604020202020204" pitchFamily="34" charset="0"/>
+              <a:buChar char="•"/>
+              <a:defRPr sz="2800" kern="1200">
+                <a:solidFill>
+                  <a:schemeClr val="tx1"/>
+                </a:solidFill>
+                <a:latin typeface="+mn-lt"/>
+                <a:ea typeface="+mn-ea"/>
+                <a:cs typeface="+mn-cs"/>
+              </a:defRPr>
+            </a:lvl1pPr>
+            <a:lvl2pPr marL="685800" indent="-228600" algn="l" defTabSz="914400" rtl="0" eaLnBrk="1" latinLnBrk="0" hangingPunct="1">
+              <a:lnSpc>
+                <a:spcPct val="90000"/>
+              </a:lnSpc>
+              <a:spcBef>
+                <a:spcPts val="500"/>
+              </a:spcBef>
+              <a:buFont typeface="Arial" panose="020B0604020202020204" pitchFamily="34" charset="0"/>
+              <a:buChar char="•"/>
+              <a:defRPr sz="2400" kern="1200">
+                <a:solidFill>
+                  <a:schemeClr val="tx1"/>
+                </a:solidFill>
+                <a:latin typeface="+mn-lt"/>
+                <a:ea typeface="+mn-ea"/>
+                <a:cs typeface="+mn-cs"/>
+              </a:defRPr>
+            </a:lvl2pPr>
+            <a:lvl3pPr marL="1143000" indent="-228600" algn="l" defTabSz="914400" rtl="0" eaLnBrk="1" latinLnBrk="0" hangingPunct="1">
+              <a:lnSpc>
+                <a:spcPct val="90000"/>
+              </a:lnSpc>
+              <a:spcBef>
+                <a:spcPts val="500"/>
+              </a:spcBef>
+              <a:buFont typeface="Arial" panose="020B0604020202020204" pitchFamily="34" charset="0"/>
+              <a:buChar char="•"/>
+              <a:defRPr sz="2000" kern="1200">
+                <a:solidFill>
+                  <a:schemeClr val="tx1"/>
+                </a:solidFill>
+                <a:latin typeface="+mn-lt"/>
+                <a:ea typeface="+mn-ea"/>
+                <a:cs typeface="+mn-cs"/>
+              </a:defRPr>
+            </a:lvl3pPr>
+            <a:lvl4pPr marL="1600200" indent="-228600" algn="l" defTabSz="914400" rtl="0" eaLnBrk="1" latinLnBrk="0" hangingPunct="1">
+              <a:lnSpc>
+                <a:spcPct val="90000"/>
+              </a:lnSpc>
+              <a:spcBef>
+                <a:spcPts val="500"/>
+              </a:spcBef>
+              <a:buFont typeface="Arial" panose="020B0604020202020204" pitchFamily="34" charset="0"/>
+              <a:buChar char="•"/>
+              <a:defRPr sz="1800" kern="1200">
+                <a:solidFill>
+                  <a:schemeClr val="tx1"/>
+                </a:solidFill>
+                <a:latin typeface="+mn-lt"/>
+                <a:ea typeface="+mn-ea"/>
+                <a:cs typeface="+mn-cs"/>
+              </a:defRPr>
+            </a:lvl4pPr>
+            <a:lvl5pPr marL="2057400" indent="-228600" algn="l" defTabSz="914400" rtl="0" eaLnBrk="1" latinLnBrk="0" hangingPunct="1">
+              <a:lnSpc>
+                <a:spcPct val="90000"/>
+              </a:lnSpc>
+              <a:spcBef>
+                <a:spcPts val="500"/>
+              </a:spcBef>
+              <a:buFont typeface="Arial" panose="020B0604020202020204" pitchFamily="34" charset="0"/>
+              <a:buChar char="•"/>
+              <a:defRPr sz="1800" kern="1200">
+                <a:solidFill>
+                  <a:schemeClr val="tx1"/>
+                </a:solidFill>
+                <a:latin typeface="+mn-lt"/>
+                <a:ea typeface="+mn-ea"/>
+                <a:cs typeface="+mn-cs"/>
+              </a:defRPr>
+            </a:lvl5pPr>
+            <a:lvl6pPr marL="2514600" indent="-228600" algn="l" defTabSz="914400" rtl="0" eaLnBrk="1" latinLnBrk="0" hangingPunct="1">
+              <a:lnSpc>
+                <a:spcPct val="90000"/>
+              </a:lnSpc>
+              <a:spcBef>
+                <a:spcPts val="500"/>
+              </a:spcBef>
+              <a:buFont typeface="Arial" panose="020B0604020202020204" pitchFamily="34" charset="0"/>
+              <a:buChar char="•"/>
+              <a:defRPr sz="1800" kern="1200">
+                <a:solidFill>
+                  <a:schemeClr val="tx1"/>
+                </a:solidFill>
+                <a:latin typeface="+mn-lt"/>
+                <a:ea typeface="+mn-ea"/>
+                <a:cs typeface="+mn-cs"/>
+              </a:defRPr>
+            </a:lvl6pPr>
+            <a:lvl7pPr marL="2971800" indent="-228600" algn="l" defTabSz="914400" rtl="0" eaLnBrk="1" latinLnBrk="0" hangingPunct="1">
+              <a:lnSpc>
+                <a:spcPct val="90000"/>
+              </a:lnSpc>
+              <a:spcBef>
+                <a:spcPts val="500"/>
+              </a:spcBef>
+              <a:buFont typeface="Arial" panose="020B0604020202020204" pitchFamily="34" charset="0"/>
+              <a:buChar char="•"/>
+              <a:defRPr sz="1800" kern="1200">
+                <a:solidFill>
+                  <a:schemeClr val="tx1"/>
+                </a:solidFill>
+                <a:latin typeface="+mn-lt"/>
+                <a:ea typeface="+mn-ea"/>
+                <a:cs typeface="+mn-cs"/>
+              </a:defRPr>
+            </a:lvl7pPr>
+            <a:lvl8pPr marL="3429000" indent="-228600" algn="l" defTabSz="914400" rtl="0" eaLnBrk="1" latinLnBrk="0" hangingPunct="1">
+              <a:lnSpc>
+                <a:spcPct val="90000"/>
+              </a:lnSpc>
+              <a:spcBef>
+                <a:spcPts val="500"/>
+              </a:spcBef>
+              <a:buFont typeface="Arial" panose="020B0604020202020204" pitchFamily="34" charset="0"/>
+              <a:buChar char="•"/>
+              <a:defRPr sz="1800" kern="1200">
+                <a:solidFill>
+                  <a:schemeClr val="tx1"/>
+                </a:solidFill>
+                <a:latin typeface="+mn-lt"/>
+                <a:ea typeface="+mn-ea"/>
+                <a:cs typeface="+mn-cs"/>
+              </a:defRPr>
+            </a:lvl8pPr>
+            <a:lvl9pPr marL="3886200" indent="-228600" algn="l" defTabSz="914400" rtl="0" eaLnBrk="1" latinLnBrk="0" hangingPunct="1">
+              <a:lnSpc>
+                <a:spcPct val="90000"/>
+              </a:lnSpc>
+              <a:spcBef>
+                <a:spcPts val="500"/>
+              </a:spcBef>
+              <a:buFont typeface="Arial" panose="020B0604020202020204" pitchFamily="34" charset="0"/>
+              <a:buChar char="•"/>
+              <a:defRPr sz="1800" kern="1200">
+                <a:solidFill>
+                  <a:schemeClr val="tx1"/>
+                </a:solidFill>
+                <a:latin typeface="+mn-lt"/>
+                <a:ea typeface="+mn-ea"/>
+                <a:cs typeface="+mn-cs"/>
+              </a:defRPr>
+            </a:lvl9pPr>
+          </a:lstStyle>
+          <a:p>
+            <a:r>
+              <a:rPr lang="fr-FR" sz="2100" b="1" dirty="0">
+                <a:solidFill>
+                  <a:srgbClr val="111111"/>
+                </a:solidFill>
+                <a:latin typeface="Arial" panose="020B0604020202020204" pitchFamily="34" charset="0"/>
+              </a:rPr>
+              <a:t>Embaucher, capitaliser et former</a:t>
+            </a:r>
+          </a:p>
+          <a:p>
+            <a:r>
+              <a:rPr lang="fr-FR" sz="2100" dirty="0">
+                <a:solidFill>
+                  <a:srgbClr val="111111"/>
+                </a:solidFill>
+                <a:latin typeface="Arial" panose="020B0604020202020204" pitchFamily="34" charset="0"/>
+              </a:rPr>
+              <a:t>Créer des équipes autonomes</a:t>
+            </a:r>
+          </a:p>
+          <a:p>
+            <a:r>
+              <a:rPr lang="en-US" sz="2100" dirty="0"/>
+              <a:t>Data Scientist (n.): Person who is better at statistics than any software engineer and better at software engineering than any statistician</a:t>
+            </a:r>
+            <a:endParaRPr lang="fr-FR" sz="2100" dirty="0"/>
+          </a:p>
+          <a:p>
+            <a:endParaRPr lang="fr-FR" sz="2100" b="1" dirty="0">
+              <a:solidFill>
+                <a:srgbClr val="111111"/>
+              </a:solidFill>
+              <a:latin typeface="Arial" panose="020B0604020202020204" pitchFamily="34" charset="0"/>
+            </a:endParaRPr>
+          </a:p>
+        </p:txBody>
+      </p:sp>
+      <p:pic>
+        <p:nvPicPr>
+          <p:cNvPr id="4" name="Picture 2" descr="https://upload.wikimedia.org/wikipedia/commons/4/44/DataScienceDisciplines.png">
+            <a:extLst>
+              <a:ext uri="{FF2B5EF4-FFF2-40B4-BE49-F238E27FC236}">
+                <a16:creationId xmlns:a16="http://schemas.microsoft.com/office/drawing/2014/main" id="{55A7E1B0-1946-4E1F-92C7-9D63F94A7C70}"/>
+              </a:ext>
+            </a:extLst>
+          </p:cNvPr>
+          <p:cNvPicPr>
+            <a:picLocks noChangeAspect="1" noChangeArrowheads="1"/>
+          </p:cNvPicPr>
+          <p:nvPr/>
+        </p:nvPicPr>
+        <p:blipFill>
+          <a:blip r:embed="rId2">
+            <a:extLst>
+              <a:ext uri="{28A0092B-C50C-407E-A947-70E740481C1C}">
+                <a14:useLocalDpi xmlns:a14="http://schemas.microsoft.com/office/drawing/2010/main" val="0"/>
+              </a:ext>
+            </a:extLst>
+          </a:blip>
+          <a:srcRect/>
+          <a:stretch>
+            <a:fillRect/>
+          </a:stretch>
+        </p:blipFill>
+        <p:spPr bwMode="auto">
+          <a:xfrm>
+            <a:off x="3034753" y="3667033"/>
+            <a:ext cx="3184055" cy="2388041"/>
+          </a:xfrm>
+          <a:prstGeom prst="rect">
+            <a:avLst/>
+          </a:prstGeom>
+          <a:noFill/>
+          <a:extLst>
+            <a:ext uri="{909E8E84-426E-40DD-AFC4-6F175D3DCCD1}">
+              <a14:hiddenFill xmlns:a14="http://schemas.microsoft.com/office/drawing/2010/main">
+                <a:solidFill>
+                  <a:srgbClr val="FFFFFF"/>
+                </a:solidFill>
+              </a14:hiddenFill>
+            </a:ext>
+          </a:extLst>
+        </p:spPr>
+      </p:pic>
+    </p:spTree>
+    <p:extLst>
+      <p:ext uri="{BB962C8B-B14F-4D97-AF65-F5344CB8AC3E}">
+        <p14:creationId xmlns:p14="http://schemas.microsoft.com/office/powerpoint/2010/main" val="3120774273"/>
+      </p:ext>
+    </p:extLst>
+  </p:cSld>
+  <p:clrMapOvr>
+    <a:masterClrMapping/>
+  </p:clrMapOvr>
+</p:sld>
+</file>
+
+<file path=ppt/slides/slide36.xml><?xml version="1.0" encoding="utf-8"?>
+<p:sld xmlns:a="http://schemas.openxmlformats.org/drawingml/2006/main" xmlns:r="http://schemas.openxmlformats.org/officeDocument/2006/relationships" xmlns:p="http://schemas.openxmlformats.org/presentationml/2006/main">
+  <p:cSld>
+    <p:spTree>
+      <p:nvGrpSpPr>
+        <p:cNvPr id="1" name=""/>
+        <p:cNvGrpSpPr/>
+        <p:nvPr/>
+      </p:nvGrpSpPr>
+      <p:grpSpPr>
+        <a:xfrm>
+          <a:off x="0" y="0"/>
+          <a:ext cx="0" cy="0"/>
+          <a:chOff x="0" y="0"/>
+          <a:chExt cx="0" cy="0"/>
+        </a:xfrm>
+      </p:grpSpPr>
+      <p:sp>
+        <p:nvSpPr>
+          <p:cNvPr id="2" name="Titre 1">
+            <a:extLst>
+              <a:ext uri="{FF2B5EF4-FFF2-40B4-BE49-F238E27FC236}">
+                <a16:creationId xmlns:a16="http://schemas.microsoft.com/office/drawing/2014/main" id="{553CA38B-3BB0-4629-BF22-7D4D4C6D2943}"/>
+              </a:ext>
+            </a:extLst>
+          </p:cNvPr>
+          <p:cNvSpPr>
+            <a:spLocks noGrp="1"/>
+          </p:cNvSpPr>
+          <p:nvPr>
+            <p:ph type="title"/>
+          </p:nvPr>
+        </p:nvSpPr>
+        <p:spPr/>
+        <p:txBody>
+          <a:bodyPr/>
+          <a:lstStyle/>
+          <a:p>
+            <a:r>
+              <a:rPr lang="fr-FR" dirty="0"/>
+              <a:t>Les enjeux 3/3</a:t>
+            </a:r>
+          </a:p>
+        </p:txBody>
+      </p:sp>
+      <p:sp>
+        <p:nvSpPr>
+          <p:cNvPr id="7" name="Espace réservé du contenu 2">
+            <a:extLst>
+              <a:ext uri="{FF2B5EF4-FFF2-40B4-BE49-F238E27FC236}">
+                <a16:creationId xmlns:a16="http://schemas.microsoft.com/office/drawing/2014/main" id="{62CAC85E-A812-47F9-A7C5-91F75568AA15}"/>
+              </a:ext>
+            </a:extLst>
+          </p:cNvPr>
+          <p:cNvSpPr txBox="1">
+            <a:spLocks/>
+          </p:cNvSpPr>
+          <p:nvPr/>
+        </p:nvSpPr>
+        <p:spPr>
+          <a:xfrm>
+            <a:off x="628650" y="2226469"/>
+            <a:ext cx="7886700" cy="3263504"/>
+          </a:xfrm>
+          <a:prstGeom prst="rect">
+            <a:avLst/>
+          </a:prstGeom>
+        </p:spPr>
+        <p:txBody>
+          <a:bodyPr/>
+          <a:lstStyle>
+            <a:lvl1pPr marL="228600" indent="-228600" algn="l" defTabSz="914400" rtl="0" eaLnBrk="1" latinLnBrk="0" hangingPunct="1">
+              <a:lnSpc>
+                <a:spcPct val="90000"/>
+              </a:lnSpc>
+              <a:spcBef>
+                <a:spcPts val="1000"/>
+              </a:spcBef>
+              <a:buFont typeface="Arial" panose="020B0604020202020204" pitchFamily="34" charset="0"/>
+              <a:buChar char="•"/>
+              <a:defRPr sz="2800" kern="1200">
+                <a:solidFill>
+                  <a:schemeClr val="tx1"/>
+                </a:solidFill>
+                <a:latin typeface="+mn-lt"/>
+                <a:ea typeface="+mn-ea"/>
+                <a:cs typeface="+mn-cs"/>
+              </a:defRPr>
+            </a:lvl1pPr>
+            <a:lvl2pPr marL="685800" indent="-228600" algn="l" defTabSz="914400" rtl="0" eaLnBrk="1" latinLnBrk="0" hangingPunct="1">
+              <a:lnSpc>
+                <a:spcPct val="90000"/>
+              </a:lnSpc>
+              <a:spcBef>
+                <a:spcPts val="500"/>
+              </a:spcBef>
+              <a:buFont typeface="Arial" panose="020B0604020202020204" pitchFamily="34" charset="0"/>
+              <a:buChar char="•"/>
+              <a:defRPr sz="2400" kern="1200">
+                <a:solidFill>
+                  <a:schemeClr val="tx1"/>
+                </a:solidFill>
+                <a:latin typeface="+mn-lt"/>
+                <a:ea typeface="+mn-ea"/>
+                <a:cs typeface="+mn-cs"/>
+              </a:defRPr>
+            </a:lvl2pPr>
+            <a:lvl3pPr marL="1143000" indent="-228600" algn="l" defTabSz="914400" rtl="0" eaLnBrk="1" latinLnBrk="0" hangingPunct="1">
+              <a:lnSpc>
+                <a:spcPct val="90000"/>
+              </a:lnSpc>
+              <a:spcBef>
+                <a:spcPts val="500"/>
+              </a:spcBef>
+              <a:buFont typeface="Arial" panose="020B0604020202020204" pitchFamily="34" charset="0"/>
+              <a:buChar char="•"/>
+              <a:defRPr sz="2000" kern="1200">
+                <a:solidFill>
+                  <a:schemeClr val="tx1"/>
+                </a:solidFill>
+                <a:latin typeface="+mn-lt"/>
+                <a:ea typeface="+mn-ea"/>
+                <a:cs typeface="+mn-cs"/>
+              </a:defRPr>
+            </a:lvl3pPr>
+            <a:lvl4pPr marL="1600200" indent="-228600" algn="l" defTabSz="914400" rtl="0" eaLnBrk="1" latinLnBrk="0" hangingPunct="1">
+              <a:lnSpc>
+                <a:spcPct val="90000"/>
+              </a:lnSpc>
+              <a:spcBef>
+                <a:spcPts val="500"/>
+              </a:spcBef>
+              <a:buFont typeface="Arial" panose="020B0604020202020204" pitchFamily="34" charset="0"/>
+              <a:buChar char="•"/>
+              <a:defRPr sz="1800" kern="1200">
+                <a:solidFill>
+                  <a:schemeClr val="tx1"/>
+                </a:solidFill>
+                <a:latin typeface="+mn-lt"/>
+                <a:ea typeface="+mn-ea"/>
+                <a:cs typeface="+mn-cs"/>
+              </a:defRPr>
+            </a:lvl4pPr>
+            <a:lvl5pPr marL="2057400" indent="-228600" algn="l" defTabSz="914400" rtl="0" eaLnBrk="1" latinLnBrk="0" hangingPunct="1">
+              <a:lnSpc>
+                <a:spcPct val="90000"/>
+              </a:lnSpc>
+              <a:spcBef>
+                <a:spcPts val="500"/>
+              </a:spcBef>
+              <a:buFont typeface="Arial" panose="020B0604020202020204" pitchFamily="34" charset="0"/>
+              <a:buChar char="•"/>
+              <a:defRPr sz="1800" kern="1200">
+                <a:solidFill>
+                  <a:schemeClr val="tx1"/>
+                </a:solidFill>
+                <a:latin typeface="+mn-lt"/>
+                <a:ea typeface="+mn-ea"/>
+                <a:cs typeface="+mn-cs"/>
+              </a:defRPr>
+            </a:lvl5pPr>
+            <a:lvl6pPr marL="2514600" indent="-228600" algn="l" defTabSz="914400" rtl="0" eaLnBrk="1" latinLnBrk="0" hangingPunct="1">
+              <a:lnSpc>
+                <a:spcPct val="90000"/>
+              </a:lnSpc>
+              <a:spcBef>
+                <a:spcPts val="500"/>
+              </a:spcBef>
+              <a:buFont typeface="Arial" panose="020B0604020202020204" pitchFamily="34" charset="0"/>
+              <a:buChar char="•"/>
+              <a:defRPr sz="1800" kern="1200">
+                <a:solidFill>
+                  <a:schemeClr val="tx1"/>
+                </a:solidFill>
+                <a:latin typeface="+mn-lt"/>
+                <a:ea typeface="+mn-ea"/>
+                <a:cs typeface="+mn-cs"/>
+              </a:defRPr>
+            </a:lvl6pPr>
+            <a:lvl7pPr marL="2971800" indent="-228600" algn="l" defTabSz="914400" rtl="0" eaLnBrk="1" latinLnBrk="0" hangingPunct="1">
+              <a:lnSpc>
+                <a:spcPct val="90000"/>
+              </a:lnSpc>
+              <a:spcBef>
+                <a:spcPts val="500"/>
+              </a:spcBef>
+              <a:buFont typeface="Arial" panose="020B0604020202020204" pitchFamily="34" charset="0"/>
+              <a:buChar char="•"/>
+              <a:defRPr sz="1800" kern="1200">
+                <a:solidFill>
+                  <a:schemeClr val="tx1"/>
+                </a:solidFill>
+                <a:latin typeface="+mn-lt"/>
+                <a:ea typeface="+mn-ea"/>
+                <a:cs typeface="+mn-cs"/>
+              </a:defRPr>
+            </a:lvl7pPr>
+            <a:lvl8pPr marL="3429000" indent="-228600" algn="l" defTabSz="914400" rtl="0" eaLnBrk="1" latinLnBrk="0" hangingPunct="1">
+              <a:lnSpc>
+                <a:spcPct val="90000"/>
+              </a:lnSpc>
+              <a:spcBef>
+                <a:spcPts val="500"/>
+              </a:spcBef>
+              <a:buFont typeface="Arial" panose="020B0604020202020204" pitchFamily="34" charset="0"/>
+              <a:buChar char="•"/>
+              <a:defRPr sz="1800" kern="1200">
+                <a:solidFill>
+                  <a:schemeClr val="tx1"/>
+                </a:solidFill>
+                <a:latin typeface="+mn-lt"/>
+                <a:ea typeface="+mn-ea"/>
+                <a:cs typeface="+mn-cs"/>
+              </a:defRPr>
+            </a:lvl8pPr>
+            <a:lvl9pPr marL="3886200" indent="-228600" algn="l" defTabSz="914400" rtl="0" eaLnBrk="1" latinLnBrk="0" hangingPunct="1">
+              <a:lnSpc>
+                <a:spcPct val="90000"/>
+              </a:lnSpc>
+              <a:spcBef>
+                <a:spcPts val="500"/>
+              </a:spcBef>
+              <a:buFont typeface="Arial" panose="020B0604020202020204" pitchFamily="34" charset="0"/>
+              <a:buChar char="•"/>
+              <a:defRPr sz="1800" kern="1200">
+                <a:solidFill>
+                  <a:schemeClr val="tx1"/>
+                </a:solidFill>
+                <a:latin typeface="+mn-lt"/>
+                <a:ea typeface="+mn-ea"/>
+                <a:cs typeface="+mn-cs"/>
+              </a:defRPr>
+            </a:lvl9pPr>
+          </a:lstStyle>
+          <a:p>
+            <a:r>
+              <a:rPr lang="fr-FR" sz="2100" b="1" dirty="0">
+                <a:solidFill>
+                  <a:srgbClr val="111111"/>
+                </a:solidFill>
+                <a:latin typeface="Arial" panose="020B0604020202020204" pitchFamily="34" charset="0"/>
+              </a:rPr>
+              <a:t>Mettre en pratique et industrialiser</a:t>
+            </a:r>
+          </a:p>
+        </p:txBody>
+      </p:sp>
+    </p:spTree>
+    <p:extLst>
+      <p:ext uri="{BB962C8B-B14F-4D97-AF65-F5344CB8AC3E}">
+        <p14:creationId xmlns:p14="http://schemas.microsoft.com/office/powerpoint/2010/main" val="2372488552"/>
+      </p:ext>
+    </p:extLst>
+  </p:cSld>
+  <p:clrMapOvr>
+    <a:masterClrMapping/>
+  </p:clrMapOvr>
+</p:sld>
+</file>
+
+<file path=ppt/slides/slide37.xml><?xml version="1.0" encoding="utf-8"?>
+<p:sld xmlns:a="http://schemas.openxmlformats.org/drawingml/2006/main" xmlns:r="http://schemas.openxmlformats.org/officeDocument/2006/relationships" xmlns:p="http://schemas.openxmlformats.org/presentationml/2006/main">
+  <p:cSld>
+    <p:spTree>
+      <p:nvGrpSpPr>
+        <p:cNvPr id="1" name=""/>
+        <p:cNvGrpSpPr/>
+        <p:nvPr/>
+      </p:nvGrpSpPr>
+      <p:grpSpPr>
+        <a:xfrm>
+          <a:off x="0" y="0"/>
+          <a:ext cx="0" cy="0"/>
+          <a:chOff x="0" y="0"/>
+          <a:chExt cx="0" cy="0"/>
+        </a:xfrm>
+      </p:grpSpPr>
+      <p:sp>
+        <p:nvSpPr>
+          <p:cNvPr id="2" name="Titre 1"/>
+          <p:cNvSpPr>
+            <a:spLocks noGrp="1"/>
+          </p:cNvSpPr>
+          <p:nvPr>
+            <p:ph type="title"/>
+          </p:nvPr>
+        </p:nvSpPr>
+        <p:spPr/>
+        <p:txBody>
+          <a:bodyPr/>
+          <a:lstStyle/>
+          <a:p>
+            <a:r>
+              <a:rPr lang="fr-FR"/>
+              <a:t>²</a:t>
+            </a:r>
+            <a:endParaRPr lang="fr-FR" dirty="0"/>
+          </a:p>
+        </p:txBody>
+      </p:sp>
+      <p:sp>
+        <p:nvSpPr>
+          <p:cNvPr id="3" name="Espace réservé du contenu 2"/>
+          <p:cNvSpPr>
+            <a:spLocks noGrp="1"/>
+          </p:cNvSpPr>
+          <p:nvPr>
+            <p:ph idx="1"/>
+          </p:nvPr>
+        </p:nvSpPr>
+        <p:spPr/>
+        <p:txBody>
+          <a:bodyPr/>
+          <a:lstStyle/>
+          <a:p>
+            <a:endParaRPr lang="fr-FR" dirty="0"/>
+          </a:p>
+        </p:txBody>
+      </p:sp>
+      <p:pic>
+        <p:nvPicPr>
+          <p:cNvPr id="3074" name="Picture 2" descr="https://cdn.technologyreview.com/i/images/Face%20detection.png?sw=600"/>
+          <p:cNvPicPr>
+            <a:picLocks noChangeAspect="1" noChangeArrowheads="1"/>
+          </p:cNvPicPr>
+          <p:nvPr/>
+        </p:nvPicPr>
+        <p:blipFill>
+          <a:blip r:embed="rId2">
+            <a:extLst>
+              <a:ext uri="{28A0092B-C50C-407E-A947-70E740481C1C}">
+                <a14:useLocalDpi xmlns:a14="http://schemas.microsoft.com/office/drawing/2010/main" val="0"/>
+              </a:ext>
+            </a:extLst>
+          </a:blip>
+          <a:srcRect/>
+          <a:stretch>
+            <a:fillRect/>
+          </a:stretch>
+        </p:blipFill>
+        <p:spPr bwMode="auto">
+          <a:xfrm>
+            <a:off x="0" y="13209"/>
+            <a:ext cx="9252520" cy="5181413"/>
+          </a:xfrm>
+          <a:prstGeom prst="rect">
+            <a:avLst/>
+          </a:prstGeom>
+          <a:noFill/>
+          <a:extLst>
+            <a:ext uri="{909E8E84-426E-40DD-AFC4-6F175D3DCCD1}">
+              <a14:hiddenFill xmlns:a14="http://schemas.microsoft.com/office/drawing/2010/main">
+                <a:solidFill>
+                  <a:srgbClr val="FFFFFF"/>
+                </a:solidFill>
+              </a14:hiddenFill>
+            </a:ext>
+          </a:extLst>
+        </p:spPr>
+      </p:pic>
+      <p:pic>
+        <p:nvPicPr>
+          <p:cNvPr id="3076" name="Picture 4" descr="RÃ©sultat de recherche d'images pour &quot;deep learning face recognition&quot;"/>
+          <p:cNvPicPr>
+            <a:picLocks noChangeAspect="1" noChangeArrowheads="1"/>
+          </p:cNvPicPr>
+          <p:nvPr/>
+        </p:nvPicPr>
+        <p:blipFill>
+          <a:blip r:embed="rId3" cstate="print">
+            <a:extLst>
+              <a:ext uri="{28A0092B-C50C-407E-A947-70E740481C1C}">
+                <a14:useLocalDpi xmlns:a14="http://schemas.microsoft.com/office/drawing/2010/main" val="0"/>
+              </a:ext>
+            </a:extLst>
+          </a:blip>
+          <a:srcRect/>
+          <a:stretch>
+            <a:fillRect/>
+          </a:stretch>
+        </p:blipFill>
+        <p:spPr bwMode="auto">
+          <a:xfrm>
+            <a:off x="1985999" y="5073942"/>
+            <a:ext cx="5280521" cy="1760174"/>
+          </a:xfrm>
+          <a:prstGeom prst="rect">
+            <a:avLst/>
+          </a:prstGeom>
+          <a:noFill/>
+          <a:extLst>
+            <a:ext uri="{909E8E84-426E-40DD-AFC4-6F175D3DCCD1}">
+              <a14:hiddenFill xmlns:a14="http://schemas.microsoft.com/office/drawing/2010/main">
+                <a:solidFill>
+                  <a:srgbClr val="FFFFFF"/>
+                </a:solidFill>
+              </a14:hiddenFill>
+            </a:ext>
+          </a:extLst>
+        </p:spPr>
+      </p:pic>
+    </p:spTree>
+    <p:extLst>
+      <p:ext uri="{BB962C8B-B14F-4D97-AF65-F5344CB8AC3E}">
+        <p14:creationId xmlns:p14="http://schemas.microsoft.com/office/powerpoint/2010/main" val="1062161648"/>
       </p:ext>
     </p:extLst>
   </p:cSld>
@@ -4513,10 +8283,9 @@
           <a:lstStyle/>
           <a:p>
             <a:r>
-              <a:rPr lang="fr-FR" dirty="0" smtClean="0"/>
+              <a:rPr lang="fr-FR" dirty="0"/>
               <a:t>Data Science</a:t>
             </a:r>
-            <a:endParaRPr lang="fr-FR" dirty="0"/>
           </a:p>
         </p:txBody>
       </p:sp>
@@ -4609,10 +8378,9 @@
           <a:lstStyle/>
           <a:p>
             <a:r>
-              <a:rPr lang="fr-FR" dirty="0" smtClean="0"/>
+              <a:rPr lang="fr-FR" dirty="0"/>
               <a:t>Data Science</a:t>
             </a:r>
-            <a:endParaRPr lang="fr-FR" dirty="0"/>
           </a:p>
         </p:txBody>
       </p:sp>
@@ -4632,75 +8400,75 @@
           <a:lstStyle/>
           <a:p>
             <a:r>
-              <a:rPr lang="fr-FR" dirty="0" smtClean="0"/>
+              <a:rPr lang="fr-FR" dirty="0"/>
               <a:t>S’appuie sur plusieurs technologies</a:t>
             </a:r>
           </a:p>
           <a:p>
             <a:r>
-              <a:rPr lang="fr-FR" dirty="0" smtClean="0"/>
+              <a:rPr lang="fr-FR" dirty="0"/>
               <a:t>Développement</a:t>
             </a:r>
           </a:p>
           <a:p>
             <a:pPr lvl="1"/>
             <a:r>
-              <a:rPr lang="fr-FR" dirty="0" smtClean="0"/>
+              <a:rPr lang="fr-FR" dirty="0"/>
               <a:t>Python, R</a:t>
             </a:r>
           </a:p>
           <a:p>
             <a:r>
-              <a:rPr lang="fr-FR" dirty="0" smtClean="0"/>
+              <a:rPr lang="fr-FR" dirty="0"/>
               <a:t>Stockage</a:t>
             </a:r>
           </a:p>
           <a:p>
             <a:pPr lvl="1"/>
             <a:r>
-              <a:rPr lang="fr-FR" dirty="0" smtClean="0"/>
+              <a:rPr lang="fr-FR" dirty="0"/>
               <a:t>File, Base de données, </a:t>
             </a:r>
             <a:r>
-              <a:rPr lang="fr-FR" dirty="0" err="1" smtClean="0"/>
+              <a:rPr lang="fr-FR" dirty="0" err="1"/>
               <a:t>Big</a:t>
             </a:r>
             <a:r>
-              <a:rPr lang="fr-FR" dirty="0" smtClean="0"/>
+              <a:rPr lang="fr-FR" dirty="0"/>
               <a:t> Data</a:t>
             </a:r>
           </a:p>
           <a:p>
             <a:r>
-              <a:rPr lang="fr-FR" dirty="0" smtClean="0"/>
+              <a:rPr lang="fr-FR" dirty="0"/>
               <a:t>Math</a:t>
             </a:r>
           </a:p>
           <a:p>
             <a:pPr lvl="1"/>
             <a:r>
-              <a:rPr lang="fr-FR" dirty="0" smtClean="0"/>
+              <a:rPr lang="fr-FR" dirty="0"/>
               <a:t>Régression, </a:t>
             </a:r>
             <a:r>
-              <a:rPr lang="fr-FR" dirty="0" err="1" smtClean="0"/>
+              <a:rPr lang="fr-FR" dirty="0" err="1"/>
               <a:t>Stats</a:t>
             </a:r>
             <a:r>
-              <a:rPr lang="fr-FR" dirty="0" smtClean="0"/>
+              <a:rPr lang="fr-FR" dirty="0"/>
               <a:t>, Algèbre linéaire</a:t>
             </a:r>
           </a:p>
           <a:p>
             <a:r>
-              <a:rPr lang="fr-FR" dirty="0" smtClean="0"/>
+              <a:rPr lang="fr-FR" dirty="0"/>
               <a:t>IA</a:t>
             </a:r>
           </a:p>
           <a:p>
             <a:pPr lvl="1"/>
             <a:r>
-              <a:rPr lang="fr-FR" dirty="0" smtClean="0"/>
+              <a:rPr lang="fr-FR" dirty="0"/>
               <a:t>Réseaux neuronaux</a:t>
             </a:r>
           </a:p>
@@ -4844,10 +8612,9 @@
           <a:lstStyle/>
           <a:p>
             <a:r>
-              <a:rPr lang="fr-FR" dirty="0" smtClean="0"/>
+              <a:rPr lang="fr-FR" dirty="0"/>
               <a:t>Les langages</a:t>
             </a:r>
-            <a:endParaRPr lang="fr-FR" dirty="0"/>
           </a:p>
         </p:txBody>
       </p:sp>
@@ -4867,38 +8634,37 @@
           <a:lstStyle/>
           <a:p>
             <a:r>
-              <a:rPr lang="fr-FR" dirty="0" smtClean="0"/>
+              <a:rPr lang="fr-FR" dirty="0"/>
               <a:t>Les "nouveaux"</a:t>
             </a:r>
           </a:p>
           <a:p>
             <a:pPr lvl="1"/>
             <a:r>
-              <a:rPr lang="fr-FR" dirty="0" smtClean="0"/>
+              <a:rPr lang="fr-FR" dirty="0"/>
               <a:t>Python, R, Scala, </a:t>
             </a:r>
             <a:r>
-              <a:rPr lang="fr-FR" dirty="0" err="1" smtClean="0"/>
+              <a:rPr lang="fr-FR" dirty="0" err="1"/>
               <a:t>Kotlin</a:t>
             </a:r>
             <a:r>
-              <a:rPr lang="fr-FR" dirty="0" smtClean="0"/>
+              <a:rPr lang="fr-FR" dirty="0"/>
               <a:t>, …</a:t>
             </a:r>
           </a:p>
           <a:p>
             <a:r>
-              <a:rPr lang="fr-FR" dirty="0" smtClean="0"/>
+              <a:rPr lang="fr-FR" dirty="0"/>
               <a:t>Les "anciens"</a:t>
             </a:r>
           </a:p>
           <a:p>
             <a:pPr lvl="1"/>
             <a:r>
-              <a:rPr lang="fr-FR" dirty="0" smtClean="0"/>
+              <a:rPr lang="fr-FR" dirty="0"/>
               <a:t>Java, C#</a:t>
             </a:r>
-            <a:endParaRPr lang="fr-FR" dirty="0"/>
           </a:p>
         </p:txBody>
       </p:sp>
@@ -4948,11 +8714,11 @@
           <a:lstStyle/>
           <a:p>
             <a:r>
-              <a:rPr lang="fr-FR" dirty="0" smtClean="0"/>
+              <a:rPr lang="fr-FR" dirty="0"/>
               <a:t>Data </a:t>
             </a:r>
             <a:r>
-              <a:rPr lang="fr-FR" dirty="0" err="1" smtClean="0"/>
+              <a:rPr lang="fr-FR" dirty="0" err="1"/>
               <a:t>Scientist</a:t>
             </a:r>
             <a:endParaRPr lang="fr-FR" dirty="0"/>
@@ -4976,11 +8742,7 @@
           <a:p>
             <a:r>
               <a:rPr lang="fr-FR" dirty="0"/>
-              <a:t>Le premier objectif du </a:t>
-            </a:r>
-            <a:r>
-              <a:rPr lang="fr-FR" dirty="0" smtClean="0"/>
-              <a:t>data </a:t>
+              <a:t>Le premier objectif du data </a:t>
             </a:r>
             <a:r>
               <a:rPr lang="fr-FR" dirty="0" err="1"/>
@@ -4988,24 +8750,12 @@
             </a:r>
             <a:r>
               <a:rPr lang="fr-FR" dirty="0"/>
-              <a:t> </a:t>
-            </a:r>
-            <a:r>
-              <a:rPr lang="fr-FR" dirty="0" smtClean="0"/>
-              <a:t>est </a:t>
-            </a:r>
-            <a:r>
-              <a:rPr lang="fr-FR" dirty="0"/>
-              <a:t>de produire des méthodes (automatisées, autant que possible) de tri et d'analyse de données de masse et de sources plus ou moins complexes ou disjointes de données, afin d'en extraire des informations utiles ou potentiellement </a:t>
-            </a:r>
-            <a:r>
-              <a:rPr lang="fr-FR" dirty="0" smtClean="0"/>
-              <a:t>utiles</a:t>
-            </a:r>
-          </a:p>
-          <a:p>
-            <a:r>
-              <a:rPr lang="fr-FR" dirty="0" smtClean="0"/>
+              <a:t> est de produire des méthodes (automatisées, autant que possible) de tri et d'analyse de données de masse et de sources plus ou moins complexes ou disjointes de données, afin d'en extraire des informations utiles ou potentiellement utiles</a:t>
+            </a:r>
+          </a:p>
+          <a:p>
+            <a:r>
+              <a:rPr lang="fr-FR" dirty="0"/>
               <a:t>Terme inventé en 2001 par William Cleveland</a:t>
             </a:r>
           </a:p>
@@ -5014,7 +8764,7 @@
               <a:rPr lang="en-US" dirty="0"/>
               <a:t>Data Scientist (n.): Person who is better at statistics than any software engineer and better at software engineering than any statistician</a:t>
             </a:r>
-            <a:endParaRPr lang="fr-FR" dirty="0" smtClean="0"/>
+            <a:endParaRPr lang="fr-FR" dirty="0"/>
           </a:p>
           <a:p>
             <a:endParaRPr lang="fr-FR" dirty="0"/>
@@ -5067,10 +8817,9 @@
           <a:lstStyle/>
           <a:p>
             <a:r>
-              <a:rPr lang="fr-FR" dirty="0" smtClean="0"/>
+              <a:rPr lang="fr-FR" dirty="0"/>
               <a:t>Difficultés</a:t>
             </a:r>
-            <a:endParaRPr lang="fr-FR" dirty="0"/>
           </a:p>
         </p:txBody>
       </p:sp>
@@ -5090,42 +8839,41 @@
           <a:lstStyle/>
           <a:p>
             <a:r>
-              <a:rPr lang="fr-FR" dirty="0" smtClean="0"/>
+              <a:rPr lang="fr-FR" dirty="0"/>
               <a:t>Certains problèmes sont trop complexes pour être résolus par un algorithme</a:t>
             </a:r>
           </a:p>
           <a:p>
             <a:pPr lvl="1"/>
             <a:r>
-              <a:rPr lang="fr-FR" dirty="0" smtClean="0"/>
+              <a:rPr lang="fr-FR" dirty="0"/>
               <a:t>Comment reconnaitre un visage ?</a:t>
             </a:r>
           </a:p>
           <a:p>
             <a:pPr lvl="1"/>
             <a:r>
-              <a:rPr lang="fr-FR" dirty="0" smtClean="0"/>
+              <a:rPr lang="fr-FR" dirty="0"/>
               <a:t>Comment conduire une voiture ?</a:t>
             </a:r>
           </a:p>
           <a:p>
             <a:pPr lvl="1"/>
             <a:r>
-              <a:rPr lang="fr-FR" dirty="0" smtClean="0"/>
+              <a:rPr lang="fr-FR" dirty="0"/>
               <a:t>Est-ce la même personne ?</a:t>
             </a:r>
           </a:p>
           <a:p>
             <a:pPr lvl="1"/>
-            <a:endParaRPr lang="fr-FR" dirty="0" smtClean="0"/>
+            <a:endParaRPr lang="fr-FR" dirty="0"/>
           </a:p>
           <a:p>
             <a:pPr lvl="1"/>
             <a:r>
-              <a:rPr lang="fr-FR" dirty="0" smtClean="0"/>
+              <a:rPr lang="fr-FR" dirty="0"/>
               <a:t>Les mesures anthropométriques ne suffisent pas</a:t>
             </a:r>
-            <a:endParaRPr lang="fr-FR" dirty="0"/>
           </a:p>
         </p:txBody>
       </p:sp>
@@ -5245,13 +8993,6 @@
   <p:clrMapOvr>
     <a:masterClrMapping/>
   </p:clrMapOvr>
-  <p:timing>
-    <p:tnLst>
-      <p:par>
-        <p:cTn id="1" dur="indefinite" restart="never" nodeType="tmRoot"/>
-      </p:par>
-    </p:tnLst>
-  </p:timing>
 </p:sld>
 </file>
 

--- a/ppt/BigData01-Intro.pptx
+++ b/ppt/BigData01-Intro.pptx
@@ -5,10 +5,10 @@
     <p:sldMasterId id="2147483653" r:id="rId1"/>
   </p:sldMasterIdLst>
   <p:notesMasterIdLst>
-    <p:notesMasterId r:id="rId39"/>
+    <p:notesMasterId r:id="rId14"/>
   </p:notesMasterIdLst>
   <p:handoutMasterIdLst>
-    <p:handoutMasterId r:id="rId40"/>
+    <p:handoutMasterId r:id="rId15"/>
   </p:handoutMasterIdLst>
   <p:sldIdLst>
     <p:sldId id="264" r:id="rId2"/>
@@ -23,31 +23,6 @@
     <p:sldId id="309" r:id="rId11"/>
     <p:sldId id="286" r:id="rId12"/>
     <p:sldId id="289" r:id="rId13"/>
-    <p:sldId id="292" r:id="rId14"/>
-    <p:sldId id="335" r:id="rId15"/>
-    <p:sldId id="336" r:id="rId16"/>
-    <p:sldId id="348" r:id="rId17"/>
-    <p:sldId id="345" r:id="rId18"/>
-    <p:sldId id="293" r:id="rId19"/>
-    <p:sldId id="294" r:id="rId20"/>
-    <p:sldId id="295" r:id="rId21"/>
-    <p:sldId id="296" r:id="rId22"/>
-    <p:sldId id="297" r:id="rId23"/>
-    <p:sldId id="298" r:id="rId24"/>
-    <p:sldId id="299" r:id="rId25"/>
-    <p:sldId id="300" r:id="rId26"/>
-    <p:sldId id="349" r:id="rId27"/>
-    <p:sldId id="314" r:id="rId28"/>
-    <p:sldId id="304" r:id="rId29"/>
-    <p:sldId id="305" r:id="rId30"/>
-    <p:sldId id="306" r:id="rId31"/>
-    <p:sldId id="307" r:id="rId32"/>
-    <p:sldId id="272" r:id="rId33"/>
-    <p:sldId id="333" r:id="rId34"/>
-    <p:sldId id="322" r:id="rId35"/>
-    <p:sldId id="340" r:id="rId36"/>
-    <p:sldId id="341" r:id="rId37"/>
-    <p:sldId id="310" r:id="rId38"/>
   </p:sldIdLst>
   <p:sldSz cx="9144000" cy="6858000" type="screen4x3"/>
   <p:notesSz cx="6648450" cy="9782175"/>
@@ -4111,854 +4086,6 @@
 </p:sld>
 </file>
 
-<file path=ppt/slides/slide13.xml><?xml version="1.0" encoding="utf-8"?>
-<p:sld xmlns:a="http://schemas.openxmlformats.org/drawingml/2006/main" xmlns:r="http://schemas.openxmlformats.org/officeDocument/2006/relationships" xmlns:p="http://schemas.openxmlformats.org/presentationml/2006/main">
-  <p:cSld>
-    <p:spTree>
-      <p:nvGrpSpPr>
-        <p:cNvPr id="1" name=""/>
-        <p:cNvGrpSpPr/>
-        <p:nvPr/>
-      </p:nvGrpSpPr>
-      <p:grpSpPr>
-        <a:xfrm>
-          <a:off x="0" y="0"/>
-          <a:ext cx="0" cy="0"/>
-          <a:chOff x="0" y="0"/>
-          <a:chExt cx="0" cy="0"/>
-        </a:xfrm>
-      </p:grpSpPr>
-      <p:sp>
-        <p:nvSpPr>
-          <p:cNvPr id="2" name="Titre 1"/>
-          <p:cNvSpPr>
-            <a:spLocks noGrp="1"/>
-          </p:cNvSpPr>
-          <p:nvPr>
-            <p:ph type="title"/>
-          </p:nvPr>
-        </p:nvSpPr>
-        <p:spPr/>
-        <p:txBody>
-          <a:bodyPr/>
-          <a:lstStyle/>
-          <a:p>
-            <a:r>
-              <a:rPr lang="fr-FR" dirty="0"/>
-              <a:t>Apprentissage supervisé</a:t>
-            </a:r>
-          </a:p>
-        </p:txBody>
-      </p:sp>
-      <p:sp>
-        <p:nvSpPr>
-          <p:cNvPr id="3" name="Espace réservé du contenu 2"/>
-          <p:cNvSpPr>
-            <a:spLocks noGrp="1"/>
-          </p:cNvSpPr>
-          <p:nvPr>
-            <p:ph idx="1"/>
-          </p:nvPr>
-        </p:nvSpPr>
-        <p:spPr/>
-        <p:txBody>
-          <a:bodyPr/>
-          <a:lstStyle/>
-          <a:p>
-            <a:r>
-              <a:rPr lang="fr-FR" dirty="0"/>
-              <a:t>Dans cet exemple les images ont été annotés par un expert avec leur catégorie</a:t>
-            </a:r>
-          </a:p>
-          <a:p>
-            <a:pPr lvl="1"/>
-            <a:r>
-              <a:rPr lang="fr-FR" dirty="0"/>
-              <a:t>La machine apprend puis prédit</a:t>
-            </a:r>
-          </a:p>
-        </p:txBody>
-      </p:sp>
-      <p:pic>
-        <p:nvPicPr>
-          <p:cNvPr id="1026" name="Picture 2" descr="Chaque image est labellée de sa catégorie"/>
-          <p:cNvPicPr>
-            <a:picLocks noChangeAspect="1" noChangeArrowheads="1"/>
-          </p:cNvPicPr>
-          <p:nvPr/>
-        </p:nvPicPr>
-        <p:blipFill>
-          <a:blip r:embed="rId2">
-            <a:extLst>
-              <a:ext uri="{28A0092B-C50C-407E-A947-70E740481C1C}">
-                <a14:useLocalDpi xmlns:a14="http://schemas.microsoft.com/office/drawing/2010/main" val="0"/>
-              </a:ext>
-            </a:extLst>
-          </a:blip>
-          <a:srcRect/>
-          <a:stretch>
-            <a:fillRect/>
-          </a:stretch>
-        </p:blipFill>
-        <p:spPr bwMode="auto">
-          <a:xfrm>
-            <a:off x="2195736" y="2852936"/>
-            <a:ext cx="4533900" cy="3505200"/>
-          </a:xfrm>
-          <a:prstGeom prst="rect">
-            <a:avLst/>
-          </a:prstGeom>
-          <a:noFill/>
-          <a:extLst>
-            <a:ext uri="{909E8E84-426E-40DD-AFC4-6F175D3DCCD1}">
-              <a14:hiddenFill xmlns:a14="http://schemas.microsoft.com/office/drawing/2010/main">
-                <a:solidFill>
-                  <a:srgbClr val="FFFFFF"/>
-                </a:solidFill>
-              </a14:hiddenFill>
-            </a:ext>
-          </a:extLst>
-        </p:spPr>
-      </p:pic>
-    </p:spTree>
-    <p:extLst>
-      <p:ext uri="{BB962C8B-B14F-4D97-AF65-F5344CB8AC3E}">
-        <p14:creationId xmlns:p14="http://schemas.microsoft.com/office/powerpoint/2010/main" val="1921707080"/>
-      </p:ext>
-    </p:extLst>
-  </p:cSld>
-  <p:clrMapOvr>
-    <a:masterClrMapping/>
-  </p:clrMapOvr>
-</p:sld>
-</file>
-
-<file path=ppt/slides/slide14.xml><?xml version="1.0" encoding="utf-8"?>
-<p:sld xmlns:a="http://schemas.openxmlformats.org/drawingml/2006/main" xmlns:r="http://schemas.openxmlformats.org/officeDocument/2006/relationships" xmlns:p="http://schemas.openxmlformats.org/presentationml/2006/main">
-  <p:cSld>
-    <p:spTree>
-      <p:nvGrpSpPr>
-        <p:cNvPr id="1" name=""/>
-        <p:cNvGrpSpPr/>
-        <p:nvPr/>
-      </p:nvGrpSpPr>
-      <p:grpSpPr>
-        <a:xfrm>
-          <a:off x="0" y="0"/>
-          <a:ext cx="0" cy="0"/>
-          <a:chOff x="0" y="0"/>
-          <a:chExt cx="0" cy="0"/>
-        </a:xfrm>
-      </p:grpSpPr>
-      <p:sp>
-        <p:nvSpPr>
-          <p:cNvPr id="2" name="Titre 1"/>
-          <p:cNvSpPr>
-            <a:spLocks noGrp="1"/>
-          </p:cNvSpPr>
-          <p:nvPr>
-            <p:ph type="title"/>
-          </p:nvPr>
-        </p:nvSpPr>
-        <p:spPr/>
-        <p:txBody>
-          <a:bodyPr/>
-          <a:lstStyle/>
-          <a:p>
-            <a:r>
-              <a:rPr lang="fr-FR" dirty="0"/>
-              <a:t>Machine Learning vs Programmation</a:t>
-            </a:r>
-          </a:p>
-        </p:txBody>
-      </p:sp>
-      <p:pic>
-        <p:nvPicPr>
-          <p:cNvPr id="1026" name="Picture 2" descr="https://dpzbhybb2pdcj.cloudfront.net/allaire/Figures/01fig02.jpg"/>
-          <p:cNvPicPr>
-            <a:picLocks noChangeAspect="1" noChangeArrowheads="1"/>
-          </p:cNvPicPr>
-          <p:nvPr/>
-        </p:nvPicPr>
-        <p:blipFill>
-          <a:blip r:embed="rId2">
-            <a:extLst>
-              <a:ext uri="{28A0092B-C50C-407E-A947-70E740481C1C}">
-                <a14:useLocalDpi xmlns:a14="http://schemas.microsoft.com/office/drawing/2010/main" val="0"/>
-              </a:ext>
-            </a:extLst>
-          </a:blip>
-          <a:srcRect/>
-          <a:stretch>
-            <a:fillRect/>
-          </a:stretch>
-        </p:blipFill>
-        <p:spPr bwMode="auto">
-          <a:xfrm>
-            <a:off x="1275603" y="1947168"/>
-            <a:ext cx="6211602" cy="3152158"/>
-          </a:xfrm>
-          <a:prstGeom prst="rect">
-            <a:avLst/>
-          </a:prstGeom>
-          <a:noFill/>
-          <a:extLst>
-            <a:ext uri="{909E8E84-426E-40DD-AFC4-6F175D3DCCD1}">
-              <a14:hiddenFill xmlns:a14="http://schemas.microsoft.com/office/drawing/2010/main">
-                <a:solidFill>
-                  <a:srgbClr val="FFFFFF"/>
-                </a:solidFill>
-              </a14:hiddenFill>
-            </a:ext>
-          </a:extLst>
-        </p:spPr>
-      </p:pic>
-    </p:spTree>
-    <p:extLst>
-      <p:ext uri="{BB962C8B-B14F-4D97-AF65-F5344CB8AC3E}">
-        <p14:creationId xmlns:p14="http://schemas.microsoft.com/office/powerpoint/2010/main" val="2478381203"/>
-      </p:ext>
-    </p:extLst>
-  </p:cSld>
-  <p:clrMapOvr>
-    <a:masterClrMapping/>
-  </p:clrMapOvr>
-</p:sld>
-</file>
-
-<file path=ppt/slides/slide15.xml><?xml version="1.0" encoding="utf-8"?>
-<p:sld xmlns:a="http://schemas.openxmlformats.org/drawingml/2006/main" xmlns:r="http://schemas.openxmlformats.org/officeDocument/2006/relationships" xmlns:p="http://schemas.openxmlformats.org/presentationml/2006/main">
-  <p:cSld>
-    <p:spTree>
-      <p:nvGrpSpPr>
-        <p:cNvPr id="1" name=""/>
-        <p:cNvGrpSpPr/>
-        <p:nvPr/>
-      </p:nvGrpSpPr>
-      <p:grpSpPr>
-        <a:xfrm>
-          <a:off x="0" y="0"/>
-          <a:ext cx="0" cy="0"/>
-          <a:chOff x="0" y="0"/>
-          <a:chExt cx="0" cy="0"/>
-        </a:xfrm>
-      </p:grpSpPr>
-      <p:sp>
-        <p:nvSpPr>
-          <p:cNvPr id="2" name="Titre 1"/>
-          <p:cNvSpPr>
-            <a:spLocks noGrp="1"/>
-          </p:cNvSpPr>
-          <p:nvPr>
-            <p:ph type="title"/>
-          </p:nvPr>
-        </p:nvSpPr>
-        <p:spPr/>
-        <p:txBody>
-          <a:bodyPr/>
-          <a:lstStyle/>
-          <a:p>
-            <a:r>
-              <a:rPr lang="fr-FR" dirty="0"/>
-              <a:t>Apprentissage</a:t>
-            </a:r>
-          </a:p>
-        </p:txBody>
-      </p:sp>
-      <p:sp>
-        <p:nvSpPr>
-          <p:cNvPr id="3" name="Espace réservé du contenu 2"/>
-          <p:cNvSpPr>
-            <a:spLocks noGrp="1"/>
-          </p:cNvSpPr>
-          <p:nvPr>
-            <p:ph idx="1"/>
-          </p:nvPr>
-        </p:nvSpPr>
-        <p:spPr>
-          <a:xfrm>
-            <a:off x="628650" y="2226469"/>
-            <a:ext cx="4262005" cy="3263504"/>
-          </a:xfrm>
-        </p:spPr>
-        <p:txBody>
-          <a:bodyPr/>
-          <a:lstStyle/>
-          <a:p>
-            <a:r>
-              <a:rPr lang="fr-FR" dirty="0"/>
-              <a:t>En </a:t>
-            </a:r>
-            <a:r>
-              <a:rPr lang="fr-FR" dirty="0" err="1"/>
-              <a:t>Deep</a:t>
-            </a:r>
-            <a:r>
-              <a:rPr lang="fr-FR" dirty="0"/>
-              <a:t> Learning, l'idée est que l'algorithme construise une "représentation interne" tout seul </a:t>
-            </a:r>
-          </a:p>
-          <a:p>
-            <a:pPr lvl="1"/>
-            <a:r>
-              <a:rPr lang="fr-FR" dirty="0"/>
-              <a:t>L’être humain est quasiment incapable d’écrire l’algorithme</a:t>
-            </a:r>
-          </a:p>
-          <a:p>
-            <a:r>
-              <a:rPr lang="fr-FR" dirty="0"/>
-              <a:t>Pour cela, il va d'abord falloir lui entrer un jeu de données d'exemples afin qu'il puisse s'entraîner</a:t>
-            </a:r>
-          </a:p>
-          <a:p>
-            <a:endParaRPr lang="fr-FR" dirty="0"/>
-          </a:p>
-        </p:txBody>
-      </p:sp>
-      <p:pic>
-        <p:nvPicPr>
-          <p:cNvPr id="5122" name="Picture 2" descr="MNIST - Lecture de la base de chiffres manuscrits | Intelligence  Artificielle">
-            <a:extLst>
-              <a:ext uri="{FF2B5EF4-FFF2-40B4-BE49-F238E27FC236}">
-                <a16:creationId xmlns:a16="http://schemas.microsoft.com/office/drawing/2014/main" id="{1A4D7DB9-6909-4529-A857-5E2BF0ACA20A}"/>
-              </a:ext>
-            </a:extLst>
-          </p:cNvPr>
-          <p:cNvPicPr>
-            <a:picLocks noChangeAspect="1" noChangeArrowheads="1"/>
-          </p:cNvPicPr>
-          <p:nvPr/>
-        </p:nvPicPr>
-        <p:blipFill>
-          <a:blip r:embed="rId2">
-            <a:extLst>
-              <a:ext uri="{28A0092B-C50C-407E-A947-70E740481C1C}">
-                <a14:useLocalDpi xmlns:a14="http://schemas.microsoft.com/office/drawing/2010/main" val="0"/>
-              </a:ext>
-            </a:extLst>
-          </a:blip>
-          <a:srcRect/>
-          <a:stretch>
-            <a:fillRect/>
-          </a:stretch>
-        </p:blipFill>
-        <p:spPr bwMode="auto">
-          <a:xfrm>
-            <a:off x="4972050" y="2280914"/>
-            <a:ext cx="4171950" cy="2764631"/>
-          </a:xfrm>
-          <a:prstGeom prst="rect">
-            <a:avLst/>
-          </a:prstGeom>
-          <a:noFill/>
-          <a:extLst>
-            <a:ext uri="{909E8E84-426E-40DD-AFC4-6F175D3DCCD1}">
-              <a14:hiddenFill xmlns:a14="http://schemas.microsoft.com/office/drawing/2010/main">
-                <a:solidFill>
-                  <a:srgbClr val="FFFFFF"/>
-                </a:solidFill>
-              </a14:hiddenFill>
-            </a:ext>
-          </a:extLst>
-        </p:spPr>
-      </p:pic>
-    </p:spTree>
-    <p:extLst>
-      <p:ext uri="{BB962C8B-B14F-4D97-AF65-F5344CB8AC3E}">
-        <p14:creationId xmlns:p14="http://schemas.microsoft.com/office/powerpoint/2010/main" val="3149347441"/>
-      </p:ext>
-    </p:extLst>
-  </p:cSld>
-  <p:clrMapOvr>
-    <a:masterClrMapping/>
-  </p:clrMapOvr>
-</p:sld>
-</file>
-
-<file path=ppt/slides/slide16.xml><?xml version="1.0" encoding="utf-8"?>
-<p:sld xmlns:a="http://schemas.openxmlformats.org/drawingml/2006/main" xmlns:r="http://schemas.openxmlformats.org/officeDocument/2006/relationships" xmlns:p="http://schemas.openxmlformats.org/presentationml/2006/main">
-  <p:cSld>
-    <p:spTree>
-      <p:nvGrpSpPr>
-        <p:cNvPr id="1" name=""/>
-        <p:cNvGrpSpPr/>
-        <p:nvPr/>
-      </p:nvGrpSpPr>
-      <p:grpSpPr>
-        <a:xfrm>
-          <a:off x="0" y="0"/>
-          <a:ext cx="0" cy="0"/>
-          <a:chOff x="0" y="0"/>
-          <a:chExt cx="0" cy="0"/>
-        </a:xfrm>
-      </p:grpSpPr>
-      <p:sp>
-        <p:nvSpPr>
-          <p:cNvPr id="2" name="Titre 1">
-            <a:extLst>
-              <a:ext uri="{FF2B5EF4-FFF2-40B4-BE49-F238E27FC236}">
-                <a16:creationId xmlns:a16="http://schemas.microsoft.com/office/drawing/2014/main" id="{DE9D51E5-13D3-4051-959E-71DF6575790E}"/>
-              </a:ext>
-            </a:extLst>
-          </p:cNvPr>
-          <p:cNvSpPr>
-            <a:spLocks noGrp="1"/>
-          </p:cNvSpPr>
-          <p:nvPr>
-            <p:ph type="title"/>
-          </p:nvPr>
-        </p:nvSpPr>
-        <p:spPr/>
-        <p:txBody>
-          <a:bodyPr/>
-          <a:lstStyle/>
-          <a:p>
-            <a:r>
-              <a:rPr lang="fr-FR" dirty="0"/>
-              <a:t>Prédiction</a:t>
-            </a:r>
-          </a:p>
-        </p:txBody>
-      </p:sp>
-      <p:sp>
-        <p:nvSpPr>
-          <p:cNvPr id="3" name="Espace réservé du contenu 2">
-            <a:extLst>
-              <a:ext uri="{FF2B5EF4-FFF2-40B4-BE49-F238E27FC236}">
-                <a16:creationId xmlns:a16="http://schemas.microsoft.com/office/drawing/2014/main" id="{6AE44763-AE4C-46F7-BB16-F40FA40A1A9B}"/>
-              </a:ext>
-            </a:extLst>
-          </p:cNvPr>
-          <p:cNvSpPr>
-            <a:spLocks noGrp="1"/>
-          </p:cNvSpPr>
-          <p:nvPr>
-            <p:ph idx="1"/>
-          </p:nvPr>
-        </p:nvSpPr>
-        <p:spPr/>
-        <p:txBody>
-          <a:bodyPr/>
-          <a:lstStyle/>
-          <a:p>
-            <a:r>
-              <a:rPr lang="fr-FR" dirty="0"/>
-              <a:t>Une fois l'apprentissage effectué le modèle est capable d'effectuer des prédictions sur des nouvelles données</a:t>
-            </a:r>
-          </a:p>
-        </p:txBody>
-      </p:sp>
-      <p:pic>
-        <p:nvPicPr>
-          <p:cNvPr id="4098" name="Picture 2" descr="Applied Sciences | Free Full-Text | A Survey of Handwritten Character  Recognition with MNIST and EMNIST | HTML">
-            <a:extLst>
-              <a:ext uri="{FF2B5EF4-FFF2-40B4-BE49-F238E27FC236}">
-                <a16:creationId xmlns:a16="http://schemas.microsoft.com/office/drawing/2014/main" id="{FE728249-27BB-4C95-91AD-87A5086EAF79}"/>
-              </a:ext>
-            </a:extLst>
-          </p:cNvPr>
-          <p:cNvPicPr>
-            <a:picLocks noChangeAspect="1" noChangeArrowheads="1"/>
-          </p:cNvPicPr>
-          <p:nvPr/>
-        </p:nvPicPr>
-        <p:blipFill>
-          <a:blip r:embed="rId2" cstate="print">
-            <a:extLst>
-              <a:ext uri="{28A0092B-C50C-407E-A947-70E740481C1C}">
-                <a14:useLocalDpi xmlns:a14="http://schemas.microsoft.com/office/drawing/2010/main" val="0"/>
-              </a:ext>
-            </a:extLst>
-          </a:blip>
-          <a:srcRect/>
-          <a:stretch>
-            <a:fillRect/>
-          </a:stretch>
-        </p:blipFill>
-        <p:spPr bwMode="auto">
-          <a:xfrm>
-            <a:off x="2148396" y="2947082"/>
-            <a:ext cx="4847208" cy="2542891"/>
-          </a:xfrm>
-          <a:prstGeom prst="rect">
-            <a:avLst/>
-          </a:prstGeom>
-          <a:noFill/>
-          <a:extLst>
-            <a:ext uri="{909E8E84-426E-40DD-AFC4-6F175D3DCCD1}">
-              <a14:hiddenFill xmlns:a14="http://schemas.microsoft.com/office/drawing/2010/main">
-                <a:solidFill>
-                  <a:srgbClr val="FFFFFF"/>
-                </a:solidFill>
-              </a14:hiddenFill>
-            </a:ext>
-          </a:extLst>
-        </p:spPr>
-      </p:pic>
-    </p:spTree>
-    <p:extLst>
-      <p:ext uri="{BB962C8B-B14F-4D97-AF65-F5344CB8AC3E}">
-        <p14:creationId xmlns:p14="http://schemas.microsoft.com/office/powerpoint/2010/main" val="608446594"/>
-      </p:ext>
-    </p:extLst>
-  </p:cSld>
-  <p:clrMapOvr>
-    <a:masterClrMapping/>
-  </p:clrMapOvr>
-</p:sld>
-</file>
-
-<file path=ppt/slides/slide17.xml><?xml version="1.0" encoding="utf-8"?>
-<p:sld xmlns:a="http://schemas.openxmlformats.org/drawingml/2006/main" xmlns:r="http://schemas.openxmlformats.org/officeDocument/2006/relationships" xmlns:p="http://schemas.openxmlformats.org/presentationml/2006/main">
-  <p:cSld>
-    <p:spTree>
-      <p:nvGrpSpPr>
-        <p:cNvPr id="1" name=""/>
-        <p:cNvGrpSpPr/>
-        <p:nvPr/>
-      </p:nvGrpSpPr>
-      <p:grpSpPr>
-        <a:xfrm>
-          <a:off x="0" y="0"/>
-          <a:ext cx="0" cy="0"/>
-          <a:chOff x="0" y="0"/>
-          <a:chExt cx="0" cy="0"/>
-        </a:xfrm>
-      </p:grpSpPr>
-      <p:sp>
-        <p:nvSpPr>
-          <p:cNvPr id="2" name="Titre 1"/>
-          <p:cNvSpPr>
-            <a:spLocks noGrp="1"/>
-          </p:cNvSpPr>
-          <p:nvPr>
-            <p:ph type="title"/>
-          </p:nvPr>
-        </p:nvSpPr>
-        <p:spPr/>
-        <p:txBody>
-          <a:bodyPr/>
-          <a:lstStyle/>
-          <a:p>
-            <a:r>
-              <a:rPr lang="fr-FR" dirty="0"/>
-              <a:t>Apprentissage non supervisé ou semi-supervisé</a:t>
-            </a:r>
-          </a:p>
-        </p:txBody>
-      </p:sp>
-      <p:sp>
-        <p:nvSpPr>
-          <p:cNvPr id="3" name="Espace réservé du contenu 2"/>
-          <p:cNvSpPr>
-            <a:spLocks noGrp="1"/>
-          </p:cNvSpPr>
-          <p:nvPr>
-            <p:ph idx="1"/>
-          </p:nvPr>
-        </p:nvSpPr>
-        <p:spPr/>
-        <p:txBody>
-          <a:bodyPr/>
-          <a:lstStyle/>
-          <a:p>
-            <a:r>
-              <a:rPr lang="fr-FR" dirty="0"/>
-              <a:t>Clustering</a:t>
-            </a:r>
-          </a:p>
-          <a:p>
-            <a:r>
-              <a:rPr lang="fr-FR" dirty="0"/>
-              <a:t>Regroupement en mesurant une "distance" entre des données</a:t>
-            </a:r>
-          </a:p>
-          <a:p>
-            <a:r>
-              <a:rPr lang="fr-FR" dirty="0"/>
-              <a:t>Par exemple :</a:t>
-            </a:r>
-          </a:p>
-          <a:p>
-            <a:pPr lvl="1"/>
-            <a:r>
-              <a:rPr lang="fr-FR" dirty="0"/>
-              <a:t>"Il fait beau" est plus proche de "le temps est magnifique" que "il est beau"</a:t>
-            </a:r>
-          </a:p>
-          <a:p>
-            <a:r>
-              <a:rPr lang="fr-FR" dirty="0"/>
-              <a:t>Cas d'utilisation</a:t>
-            </a:r>
-          </a:p>
-          <a:p>
-            <a:pPr lvl="1"/>
-            <a:r>
-              <a:rPr lang="fr-FR" dirty="0"/>
-              <a:t>Regrouper des images qui se ressemblent</a:t>
-            </a:r>
-          </a:p>
-          <a:p>
-            <a:pPr lvl="1"/>
-            <a:r>
-              <a:rPr lang="fr-FR" dirty="0"/>
-              <a:t>Regrouper des signaux électromagnétiques qui se ressemblent</a:t>
-            </a:r>
-          </a:p>
-          <a:p>
-            <a:pPr lvl="1"/>
-            <a:r>
-              <a:rPr lang="fr-FR" dirty="0"/>
-              <a:t>Regrouper des textes qui se ressemblent avec gestions des synonymes et des contextes</a:t>
-            </a:r>
-          </a:p>
-        </p:txBody>
-      </p:sp>
-    </p:spTree>
-    <p:extLst>
-      <p:ext uri="{BB962C8B-B14F-4D97-AF65-F5344CB8AC3E}">
-        <p14:creationId xmlns:p14="http://schemas.microsoft.com/office/powerpoint/2010/main" val="3823895156"/>
-      </p:ext>
-    </p:extLst>
-  </p:cSld>
-  <p:clrMapOvr>
-    <a:masterClrMapping/>
-  </p:clrMapOvr>
-</p:sld>
-</file>
-
-<file path=ppt/slides/slide18.xml><?xml version="1.0" encoding="utf-8"?>
-<p:sld xmlns:a="http://schemas.openxmlformats.org/drawingml/2006/main" xmlns:r="http://schemas.openxmlformats.org/officeDocument/2006/relationships" xmlns:p="http://schemas.openxmlformats.org/presentationml/2006/main">
-  <p:cSld>
-    <p:spTree>
-      <p:nvGrpSpPr>
-        <p:cNvPr id="1" name=""/>
-        <p:cNvGrpSpPr/>
-        <p:nvPr/>
-      </p:nvGrpSpPr>
-      <p:grpSpPr>
-        <a:xfrm>
-          <a:off x="0" y="0"/>
-          <a:ext cx="0" cy="0"/>
-          <a:chOff x="0" y="0"/>
-          <a:chExt cx="0" cy="0"/>
-        </a:xfrm>
-      </p:grpSpPr>
-      <p:sp>
-        <p:nvSpPr>
-          <p:cNvPr id="2" name="Titre 1"/>
-          <p:cNvSpPr>
-            <a:spLocks noGrp="1"/>
-          </p:cNvSpPr>
-          <p:nvPr>
-            <p:ph type="title"/>
-          </p:nvPr>
-        </p:nvSpPr>
-        <p:spPr/>
-        <p:txBody>
-          <a:bodyPr/>
-          <a:lstStyle/>
-          <a:p>
-            <a:r>
-              <a:rPr lang="fr-FR" dirty="0"/>
-              <a:t>But</a:t>
-            </a:r>
-          </a:p>
-        </p:txBody>
-      </p:sp>
-      <p:sp>
-        <p:nvSpPr>
-          <p:cNvPr id="3" name="Espace réservé du contenu 2"/>
-          <p:cNvSpPr>
-            <a:spLocks noGrp="1"/>
-          </p:cNvSpPr>
-          <p:nvPr>
-            <p:ph idx="1"/>
-          </p:nvPr>
-        </p:nvSpPr>
-        <p:spPr>
-          <a:xfrm>
-            <a:off x="628650" y="2040037"/>
-            <a:ext cx="7886700" cy="3263504"/>
-          </a:xfrm>
-        </p:spPr>
-        <p:txBody>
-          <a:bodyPr/>
-          <a:lstStyle/>
-          <a:p>
-            <a:r>
-              <a:rPr lang="fr-FR" dirty="0"/>
-              <a:t>En Machine Learning, l'objectif est de trouver un modèle mathématique du phénomène à l'origine des données par apprentissage</a:t>
-            </a:r>
-          </a:p>
-        </p:txBody>
-      </p:sp>
-      <p:pic>
-        <p:nvPicPr>
-          <p:cNvPr id="1026" name="Picture 2" descr="Machine learning en E-commerce : une expérience client optimale - Arkheus">
-            <a:extLst>
-              <a:ext uri="{FF2B5EF4-FFF2-40B4-BE49-F238E27FC236}">
-                <a16:creationId xmlns:a16="http://schemas.microsoft.com/office/drawing/2014/main" id="{AB55968D-DE43-4613-BCDF-B4584C3687F3}"/>
-              </a:ext>
-            </a:extLst>
-          </p:cNvPr>
-          <p:cNvPicPr>
-            <a:picLocks noChangeAspect="1" noChangeArrowheads="1"/>
-          </p:cNvPicPr>
-          <p:nvPr/>
-        </p:nvPicPr>
-        <p:blipFill>
-          <a:blip r:embed="rId2">
-            <a:extLst>
-              <a:ext uri="{28A0092B-C50C-407E-A947-70E740481C1C}">
-                <a14:useLocalDpi xmlns:a14="http://schemas.microsoft.com/office/drawing/2010/main" val="0"/>
-              </a:ext>
-            </a:extLst>
-          </a:blip>
-          <a:srcRect/>
-          <a:stretch>
-            <a:fillRect/>
-          </a:stretch>
-        </p:blipFill>
-        <p:spPr bwMode="auto">
-          <a:xfrm>
-            <a:off x="2915816" y="3501008"/>
-            <a:ext cx="3515592" cy="2487281"/>
-          </a:xfrm>
-          <a:prstGeom prst="rect">
-            <a:avLst/>
-          </a:prstGeom>
-          <a:noFill/>
-          <a:extLst>
-            <a:ext uri="{909E8E84-426E-40DD-AFC4-6F175D3DCCD1}">
-              <a14:hiddenFill xmlns:a14="http://schemas.microsoft.com/office/drawing/2010/main">
-                <a:solidFill>
-                  <a:srgbClr val="FFFFFF"/>
-                </a:solidFill>
-              </a14:hiddenFill>
-            </a:ext>
-          </a:extLst>
-        </p:spPr>
-      </p:pic>
-    </p:spTree>
-    <p:extLst>
-      <p:ext uri="{BB962C8B-B14F-4D97-AF65-F5344CB8AC3E}">
-        <p14:creationId xmlns:p14="http://schemas.microsoft.com/office/powerpoint/2010/main" val="3171926051"/>
-      </p:ext>
-    </p:extLst>
-  </p:cSld>
-  <p:clrMapOvr>
-    <a:masterClrMapping/>
-  </p:clrMapOvr>
-</p:sld>
-</file>
-
-<file path=ppt/slides/slide19.xml><?xml version="1.0" encoding="utf-8"?>
-<p:sld xmlns:a="http://schemas.openxmlformats.org/drawingml/2006/main" xmlns:r="http://schemas.openxmlformats.org/officeDocument/2006/relationships" xmlns:p="http://schemas.openxmlformats.org/presentationml/2006/main">
-  <p:cSld>
-    <p:spTree>
-      <p:nvGrpSpPr>
-        <p:cNvPr id="1" name=""/>
-        <p:cNvGrpSpPr/>
-        <p:nvPr/>
-      </p:nvGrpSpPr>
-      <p:grpSpPr>
-        <a:xfrm>
-          <a:off x="0" y="0"/>
-          <a:ext cx="0" cy="0"/>
-          <a:chOff x="0" y="0"/>
-          <a:chExt cx="0" cy="0"/>
-        </a:xfrm>
-      </p:grpSpPr>
-      <p:sp>
-        <p:nvSpPr>
-          <p:cNvPr id="2" name="Titre 1"/>
-          <p:cNvSpPr>
-            <a:spLocks noGrp="1"/>
-          </p:cNvSpPr>
-          <p:nvPr>
-            <p:ph type="title"/>
-          </p:nvPr>
-        </p:nvSpPr>
-        <p:spPr/>
-        <p:txBody>
-          <a:bodyPr/>
-          <a:lstStyle/>
-          <a:p>
-            <a:r>
-              <a:rPr lang="fr-FR" dirty="0"/>
-              <a:t>Exemple</a:t>
-            </a:r>
-          </a:p>
-        </p:txBody>
-      </p:sp>
-      <p:sp>
-        <p:nvSpPr>
-          <p:cNvPr id="3" name="Espace réservé du contenu 2"/>
-          <p:cNvSpPr>
-            <a:spLocks noGrp="1"/>
-          </p:cNvSpPr>
-          <p:nvPr>
-            <p:ph idx="1"/>
-          </p:nvPr>
-        </p:nvSpPr>
-        <p:spPr/>
-        <p:txBody>
-          <a:bodyPr/>
-          <a:lstStyle/>
-          <a:p>
-            <a:r>
-              <a:rPr lang="fr-FR" dirty="0"/>
-              <a:t>Imaginez que vous voulez savoir si vous payez trop cher votre loyer</a:t>
-            </a:r>
-          </a:p>
-          <a:p>
-            <a:r>
-              <a:rPr lang="fr-FR" dirty="0"/>
-              <a:t>Vous avez récupéré sur un site de location une trentaine de prix des locations disponibles, ainsi que la surface associée</a:t>
-            </a:r>
-          </a:p>
-        </p:txBody>
-      </p:sp>
-      <p:pic>
-        <p:nvPicPr>
-          <p:cNvPr id="4" name="Image 3"/>
-          <p:cNvPicPr>
-            <a:picLocks noChangeAspect="1"/>
-          </p:cNvPicPr>
-          <p:nvPr/>
-        </p:nvPicPr>
-        <p:blipFill>
-          <a:blip r:embed="rId2"/>
-          <a:stretch>
-            <a:fillRect/>
-          </a:stretch>
-        </p:blipFill>
-        <p:spPr>
-          <a:xfrm>
-            <a:off x="4932040" y="4149080"/>
-            <a:ext cx="2809875" cy="2038350"/>
-          </a:xfrm>
-          <a:prstGeom prst="rect">
-            <a:avLst/>
-          </a:prstGeom>
-        </p:spPr>
-      </p:pic>
-    </p:spTree>
-    <p:extLst>
-      <p:ext uri="{BB962C8B-B14F-4D97-AF65-F5344CB8AC3E}">
-        <p14:creationId xmlns:p14="http://schemas.microsoft.com/office/powerpoint/2010/main" val="3545487074"/>
-      </p:ext>
-    </p:extLst>
-  </p:cSld>
-  <p:clrMapOvr>
-    <a:masterClrMapping/>
-  </p:clrMapOvr>
-</p:sld>
-</file>
-
 <file path=ppt/slides/slide2.xml><?xml version="1.0" encoding="utf-8"?>
 <p:sld xmlns:a="http://schemas.openxmlformats.org/drawingml/2006/main" xmlns:r="http://schemas.openxmlformats.org/officeDocument/2006/relationships" xmlns:p="http://schemas.openxmlformats.org/presentationml/2006/main">
   <p:cSld>
@@ -5068,1573 +4195,6 @@
 </p:sld>
 </file>
 
-<file path=ppt/slides/slide20.xml><?xml version="1.0" encoding="utf-8"?>
-<p:sld xmlns:a="http://schemas.openxmlformats.org/drawingml/2006/main" xmlns:r="http://schemas.openxmlformats.org/officeDocument/2006/relationships" xmlns:p="http://schemas.openxmlformats.org/presentationml/2006/main">
-  <p:cSld>
-    <p:spTree>
-      <p:nvGrpSpPr>
-        <p:cNvPr id="1" name=""/>
-        <p:cNvGrpSpPr/>
-        <p:nvPr/>
-      </p:nvGrpSpPr>
-      <p:grpSpPr>
-        <a:xfrm>
-          <a:off x="0" y="0"/>
-          <a:ext cx="0" cy="0"/>
-          <a:chOff x="0" y="0"/>
-          <a:chExt cx="0" cy="0"/>
-        </a:xfrm>
-      </p:grpSpPr>
-      <p:sp>
-        <p:nvSpPr>
-          <p:cNvPr id="2" name="Titre 1"/>
-          <p:cNvSpPr>
-            <a:spLocks noGrp="1"/>
-          </p:cNvSpPr>
-          <p:nvPr>
-            <p:ph type="title"/>
-          </p:nvPr>
-        </p:nvSpPr>
-        <p:spPr/>
-        <p:txBody>
-          <a:bodyPr/>
-          <a:lstStyle/>
-          <a:p>
-            <a:r>
-              <a:rPr lang="fr-FR" dirty="0"/>
-              <a:t>Graphique</a:t>
-            </a:r>
-          </a:p>
-        </p:txBody>
-      </p:sp>
-      <p:sp>
-        <p:nvSpPr>
-          <p:cNvPr id="3" name="Espace réservé du contenu 2"/>
-          <p:cNvSpPr>
-            <a:spLocks noGrp="1"/>
-          </p:cNvSpPr>
-          <p:nvPr>
-            <p:ph idx="1"/>
-          </p:nvPr>
-        </p:nvSpPr>
-        <p:spPr/>
-        <p:txBody>
-          <a:bodyPr/>
-          <a:lstStyle/>
-          <a:p>
-            <a:r>
-              <a:rPr lang="fr-FR" dirty="0"/>
-              <a:t>Surface / Loyer</a:t>
-            </a:r>
-          </a:p>
-        </p:txBody>
-      </p:sp>
-      <p:pic>
-        <p:nvPicPr>
-          <p:cNvPr id="1028" name="Picture 4" descr="Le loyer mensuel en fonction de la surface du logement"/>
-          <p:cNvPicPr>
-            <a:picLocks noChangeAspect="1" noChangeArrowheads="1"/>
-          </p:cNvPicPr>
-          <p:nvPr/>
-        </p:nvPicPr>
-        <p:blipFill>
-          <a:blip r:embed="rId2">
-            <a:extLst>
-              <a:ext uri="{28A0092B-C50C-407E-A947-70E740481C1C}">
-                <a14:useLocalDpi xmlns:a14="http://schemas.microsoft.com/office/drawing/2010/main" val="0"/>
-              </a:ext>
-            </a:extLst>
-          </a:blip>
-          <a:srcRect/>
-          <a:stretch>
-            <a:fillRect/>
-          </a:stretch>
-        </p:blipFill>
-        <p:spPr bwMode="auto">
-          <a:xfrm>
-            <a:off x="1331640" y="2060848"/>
-            <a:ext cx="5688632" cy="3931478"/>
-          </a:xfrm>
-          <a:prstGeom prst="rect">
-            <a:avLst/>
-          </a:prstGeom>
-          <a:noFill/>
-          <a:extLst>
-            <a:ext uri="{909E8E84-426E-40DD-AFC4-6F175D3DCCD1}">
-              <a14:hiddenFill xmlns:a14="http://schemas.microsoft.com/office/drawing/2010/main">
-                <a:solidFill>
-                  <a:srgbClr val="FFFFFF"/>
-                </a:solidFill>
-              </a14:hiddenFill>
-            </a:ext>
-          </a:extLst>
-        </p:spPr>
-      </p:pic>
-    </p:spTree>
-    <p:extLst>
-      <p:ext uri="{BB962C8B-B14F-4D97-AF65-F5344CB8AC3E}">
-        <p14:creationId xmlns:p14="http://schemas.microsoft.com/office/powerpoint/2010/main" val="1314643344"/>
-      </p:ext>
-    </p:extLst>
-  </p:cSld>
-  <p:clrMapOvr>
-    <a:masterClrMapping/>
-  </p:clrMapOvr>
-</p:sld>
-</file>
-
-<file path=ppt/slides/slide21.xml><?xml version="1.0" encoding="utf-8"?>
-<p:sld xmlns:a="http://schemas.openxmlformats.org/drawingml/2006/main" xmlns:r="http://schemas.openxmlformats.org/officeDocument/2006/relationships" xmlns:p="http://schemas.openxmlformats.org/presentationml/2006/main">
-  <p:cSld>
-    <p:spTree>
-      <p:nvGrpSpPr>
-        <p:cNvPr id="1" name=""/>
-        <p:cNvGrpSpPr/>
-        <p:nvPr/>
-      </p:nvGrpSpPr>
-      <p:grpSpPr>
-        <a:xfrm>
-          <a:off x="0" y="0"/>
-          <a:ext cx="0" cy="0"/>
-          <a:chOff x="0" y="0"/>
-          <a:chExt cx="0" cy="0"/>
-        </a:xfrm>
-      </p:grpSpPr>
-      <p:sp>
-        <p:nvSpPr>
-          <p:cNvPr id="2" name="Titre 1"/>
-          <p:cNvSpPr>
-            <a:spLocks noGrp="1"/>
-          </p:cNvSpPr>
-          <p:nvPr>
-            <p:ph type="title"/>
-          </p:nvPr>
-        </p:nvSpPr>
-        <p:spPr/>
-        <p:txBody>
-          <a:bodyPr/>
-          <a:lstStyle/>
-          <a:p>
-            <a:r>
-              <a:rPr lang="fr-FR" dirty="0"/>
-              <a:t>Régression linéaire</a:t>
-            </a:r>
-          </a:p>
-        </p:txBody>
-      </p:sp>
-      <p:sp>
-        <p:nvSpPr>
-          <p:cNvPr id="3" name="Espace réservé du contenu 2"/>
-          <p:cNvSpPr>
-            <a:spLocks noGrp="1"/>
-          </p:cNvSpPr>
-          <p:nvPr>
-            <p:ph idx="1"/>
-          </p:nvPr>
-        </p:nvSpPr>
-        <p:spPr/>
-        <p:txBody>
-          <a:bodyPr/>
-          <a:lstStyle/>
-          <a:p>
-            <a:r>
-              <a:rPr lang="fr-FR" dirty="0"/>
-              <a:t>Notre exemple montre une régression linéaire</a:t>
-            </a:r>
-          </a:p>
-          <a:p>
-            <a:endParaRPr lang="fr-FR" dirty="0"/>
-          </a:p>
-        </p:txBody>
-      </p:sp>
-      <p:pic>
-        <p:nvPicPr>
-          <p:cNvPr id="2056" name="Picture 8" descr="la droite de régression correspondant à la modélisation statistique du nuage de points"/>
-          <p:cNvPicPr>
-            <a:picLocks noChangeAspect="1" noChangeArrowheads="1"/>
-          </p:cNvPicPr>
-          <p:nvPr/>
-        </p:nvPicPr>
-        <p:blipFill>
-          <a:blip r:embed="rId2">
-            <a:extLst>
-              <a:ext uri="{28A0092B-C50C-407E-A947-70E740481C1C}">
-                <a14:useLocalDpi xmlns:a14="http://schemas.microsoft.com/office/drawing/2010/main" val="0"/>
-              </a:ext>
-            </a:extLst>
-          </a:blip>
-          <a:srcRect/>
-          <a:stretch>
-            <a:fillRect/>
-          </a:stretch>
-        </p:blipFill>
-        <p:spPr bwMode="auto">
-          <a:xfrm>
-            <a:off x="1619671" y="2420888"/>
-            <a:ext cx="5212067" cy="3648448"/>
-          </a:xfrm>
-          <a:prstGeom prst="rect">
-            <a:avLst/>
-          </a:prstGeom>
-          <a:noFill/>
-          <a:extLst>
-            <a:ext uri="{909E8E84-426E-40DD-AFC4-6F175D3DCCD1}">
-              <a14:hiddenFill xmlns:a14="http://schemas.microsoft.com/office/drawing/2010/main">
-                <a:solidFill>
-                  <a:srgbClr val="FFFFFF"/>
-                </a:solidFill>
-              </a14:hiddenFill>
-            </a:ext>
-          </a:extLst>
-        </p:spPr>
-      </p:pic>
-    </p:spTree>
-    <p:extLst>
-      <p:ext uri="{BB962C8B-B14F-4D97-AF65-F5344CB8AC3E}">
-        <p14:creationId xmlns:p14="http://schemas.microsoft.com/office/powerpoint/2010/main" val="1067816086"/>
-      </p:ext>
-    </p:extLst>
-  </p:cSld>
-  <p:clrMapOvr>
-    <a:masterClrMapping/>
-  </p:clrMapOvr>
-</p:sld>
-</file>
-
-<file path=ppt/slides/slide22.xml><?xml version="1.0" encoding="utf-8"?>
-<p:sld xmlns:a="http://schemas.openxmlformats.org/drawingml/2006/main" xmlns:r="http://schemas.openxmlformats.org/officeDocument/2006/relationships" xmlns:p="http://schemas.openxmlformats.org/presentationml/2006/main">
-  <p:cSld>
-    <p:spTree>
-      <p:nvGrpSpPr>
-        <p:cNvPr id="1" name=""/>
-        <p:cNvGrpSpPr/>
-        <p:nvPr/>
-      </p:nvGrpSpPr>
-      <p:grpSpPr>
-        <a:xfrm>
-          <a:off x="0" y="0"/>
-          <a:ext cx="0" cy="0"/>
-          <a:chOff x="0" y="0"/>
-          <a:chExt cx="0" cy="0"/>
-        </a:xfrm>
-      </p:grpSpPr>
-      <p:sp>
-        <p:nvSpPr>
-          <p:cNvPr id="2" name="Titre 1"/>
-          <p:cNvSpPr>
-            <a:spLocks noGrp="1"/>
-          </p:cNvSpPr>
-          <p:nvPr>
-            <p:ph type="title"/>
-          </p:nvPr>
-        </p:nvSpPr>
-        <p:spPr/>
-        <p:txBody>
-          <a:bodyPr/>
-          <a:lstStyle/>
-          <a:p>
-            <a:r>
-              <a:rPr lang="fr-FR" dirty="0"/>
-              <a:t>Classification</a:t>
-            </a:r>
-          </a:p>
-        </p:txBody>
-      </p:sp>
-      <p:sp>
-        <p:nvSpPr>
-          <p:cNvPr id="3" name="Espace réservé du contenu 2"/>
-          <p:cNvSpPr>
-            <a:spLocks noGrp="1"/>
-          </p:cNvSpPr>
-          <p:nvPr>
-            <p:ph idx="1"/>
-          </p:nvPr>
-        </p:nvSpPr>
-        <p:spPr/>
-        <p:txBody>
-          <a:bodyPr/>
-          <a:lstStyle/>
-          <a:p>
-            <a:r>
-              <a:rPr lang="fr-FR" dirty="0"/>
-              <a:t>Une autre distinction qui vous aidera dans le choix d'un algorithme de machine </a:t>
-            </a:r>
-            <a:r>
-              <a:rPr lang="fr-FR" dirty="0" err="1"/>
-              <a:t>learning</a:t>
-            </a:r>
-            <a:r>
-              <a:rPr lang="fr-FR" dirty="0"/>
-              <a:t> est le type de sortie que l'on attend de notre programme</a:t>
-            </a:r>
-          </a:p>
-          <a:p>
-            <a:pPr lvl="1"/>
-            <a:r>
-              <a:rPr lang="fr-FR" dirty="0"/>
-              <a:t>Est-ce une valeur continue (un nombre)</a:t>
-            </a:r>
-          </a:p>
-          <a:p>
-            <a:pPr lvl="1"/>
-            <a:r>
-              <a:rPr lang="fr-FR" dirty="0"/>
-              <a:t>ou bien une valeur discrète (une catégorie) ?</a:t>
-            </a:r>
-          </a:p>
-          <a:p>
-            <a:r>
-              <a:rPr lang="fr-FR" dirty="0"/>
-              <a:t>Le premier cas est appelé une régression, le second une classification</a:t>
-            </a:r>
-          </a:p>
-        </p:txBody>
-      </p:sp>
-      <p:pic>
-        <p:nvPicPr>
-          <p:cNvPr id="1026" name="Picture 2" descr="Illustration de la différence entre régression et classification"/>
-          <p:cNvPicPr>
-            <a:picLocks noChangeAspect="1" noChangeArrowheads="1"/>
-          </p:cNvPicPr>
-          <p:nvPr/>
-        </p:nvPicPr>
-        <p:blipFill>
-          <a:blip r:embed="rId2">
-            <a:extLst>
-              <a:ext uri="{28A0092B-C50C-407E-A947-70E740481C1C}">
-                <a14:useLocalDpi xmlns:a14="http://schemas.microsoft.com/office/drawing/2010/main" val="0"/>
-              </a:ext>
-            </a:extLst>
-          </a:blip>
-          <a:srcRect/>
-          <a:stretch>
-            <a:fillRect/>
-          </a:stretch>
-        </p:blipFill>
-        <p:spPr bwMode="auto">
-          <a:xfrm>
-            <a:off x="2267744" y="4591645"/>
-            <a:ext cx="4286250" cy="2143125"/>
-          </a:xfrm>
-          <a:prstGeom prst="rect">
-            <a:avLst/>
-          </a:prstGeom>
-          <a:noFill/>
-          <a:extLst>
-            <a:ext uri="{909E8E84-426E-40DD-AFC4-6F175D3DCCD1}">
-              <a14:hiddenFill xmlns:a14="http://schemas.microsoft.com/office/drawing/2010/main">
-                <a:solidFill>
-                  <a:srgbClr val="FFFFFF"/>
-                </a:solidFill>
-              </a14:hiddenFill>
-            </a:ext>
-          </a:extLst>
-        </p:spPr>
-      </p:pic>
-    </p:spTree>
-    <p:extLst>
-      <p:ext uri="{BB962C8B-B14F-4D97-AF65-F5344CB8AC3E}">
-        <p14:creationId xmlns:p14="http://schemas.microsoft.com/office/powerpoint/2010/main" val="4149567264"/>
-      </p:ext>
-    </p:extLst>
-  </p:cSld>
-  <p:clrMapOvr>
-    <a:masterClrMapping/>
-  </p:clrMapOvr>
-</p:sld>
-</file>
-
-<file path=ppt/slides/slide23.xml><?xml version="1.0" encoding="utf-8"?>
-<p:sld xmlns:a="http://schemas.openxmlformats.org/drawingml/2006/main" xmlns:r="http://schemas.openxmlformats.org/officeDocument/2006/relationships" xmlns:p="http://schemas.openxmlformats.org/presentationml/2006/main">
-  <p:cSld>
-    <p:spTree>
-      <p:nvGrpSpPr>
-        <p:cNvPr id="1" name=""/>
-        <p:cNvGrpSpPr/>
-        <p:nvPr/>
-      </p:nvGrpSpPr>
-      <p:grpSpPr>
-        <a:xfrm>
-          <a:off x="0" y="0"/>
-          <a:ext cx="0" cy="0"/>
-          <a:chOff x="0" y="0"/>
-          <a:chExt cx="0" cy="0"/>
-        </a:xfrm>
-      </p:grpSpPr>
-      <p:sp>
-        <p:nvSpPr>
-          <p:cNvPr id="2" name="Titre 1"/>
-          <p:cNvSpPr>
-            <a:spLocks noGrp="1"/>
-          </p:cNvSpPr>
-          <p:nvPr>
-            <p:ph type="title"/>
-          </p:nvPr>
-        </p:nvSpPr>
-        <p:spPr/>
-        <p:txBody>
-          <a:bodyPr/>
-          <a:lstStyle/>
-          <a:p>
-            <a:r>
-              <a:rPr lang="fr-FR" dirty="0"/>
-              <a:t>Trouver le bon modèle</a:t>
-            </a:r>
-          </a:p>
-        </p:txBody>
-      </p:sp>
-      <p:sp>
-        <p:nvSpPr>
-          <p:cNvPr id="3" name="Espace réservé du contenu 2"/>
-          <p:cNvSpPr>
-            <a:spLocks noGrp="1"/>
-          </p:cNvSpPr>
-          <p:nvPr>
-            <p:ph idx="1"/>
-          </p:nvPr>
-        </p:nvSpPr>
-        <p:spPr/>
-        <p:txBody>
-          <a:bodyPr/>
-          <a:lstStyle/>
-          <a:p>
-            <a:r>
-              <a:rPr lang="fr-FR" dirty="0"/>
-              <a:t>Pour résumer, le travail de modélisation consiste à trouver le bon modèle statistique qui colle le mieux aux données d'exemple</a:t>
-            </a:r>
-          </a:p>
-          <a:p>
-            <a:r>
-              <a:rPr lang="fr-FR" dirty="0"/>
-              <a:t>Le machine </a:t>
-            </a:r>
-            <a:r>
-              <a:rPr lang="fr-FR" dirty="0" err="1"/>
-              <a:t>learning</a:t>
-            </a:r>
-            <a:r>
-              <a:rPr lang="fr-FR" dirty="0"/>
-              <a:t> en particulier intervient pour trouver ce modèle de manière automatisée</a:t>
-            </a:r>
-          </a:p>
-          <a:p>
-            <a:r>
-              <a:rPr lang="fr-FR" dirty="0"/>
-              <a:t>Problème du quartet d’</a:t>
-            </a:r>
-            <a:r>
-              <a:rPr lang="fr-FR" dirty="0" err="1"/>
-              <a:t>Ascombe</a:t>
-            </a:r>
-            <a:endParaRPr lang="fr-FR" dirty="0"/>
-          </a:p>
-        </p:txBody>
-      </p:sp>
-    </p:spTree>
-    <p:extLst>
-      <p:ext uri="{BB962C8B-B14F-4D97-AF65-F5344CB8AC3E}">
-        <p14:creationId xmlns:p14="http://schemas.microsoft.com/office/powerpoint/2010/main" val="541696352"/>
-      </p:ext>
-    </p:extLst>
-  </p:cSld>
-  <p:clrMapOvr>
-    <a:masterClrMapping/>
-  </p:clrMapOvr>
-</p:sld>
-</file>
-
-<file path=ppt/slides/slide24.xml><?xml version="1.0" encoding="utf-8"?>
-<p:sld xmlns:a="http://schemas.openxmlformats.org/drawingml/2006/main" xmlns:r="http://schemas.openxmlformats.org/officeDocument/2006/relationships" xmlns:p="http://schemas.openxmlformats.org/presentationml/2006/main">
-  <p:cSld>
-    <p:spTree>
-      <p:nvGrpSpPr>
-        <p:cNvPr id="1" name=""/>
-        <p:cNvGrpSpPr/>
-        <p:nvPr/>
-      </p:nvGrpSpPr>
-      <p:grpSpPr>
-        <a:xfrm>
-          <a:off x="0" y="0"/>
-          <a:ext cx="0" cy="0"/>
-          <a:chOff x="0" y="0"/>
-          <a:chExt cx="0" cy="0"/>
-        </a:xfrm>
-      </p:grpSpPr>
-      <p:sp>
-        <p:nvSpPr>
-          <p:cNvPr id="2" name="Titre 1"/>
-          <p:cNvSpPr>
-            <a:spLocks noGrp="1"/>
-          </p:cNvSpPr>
-          <p:nvPr>
-            <p:ph type="title"/>
-          </p:nvPr>
-        </p:nvSpPr>
-        <p:spPr/>
-        <p:txBody>
-          <a:bodyPr/>
-          <a:lstStyle/>
-          <a:p>
-            <a:r>
-              <a:rPr lang="fr-FR" dirty="0"/>
-              <a:t>Quartet d’</a:t>
-            </a:r>
-            <a:r>
-              <a:rPr lang="fr-FR" dirty="0" err="1"/>
-              <a:t>Ascombe</a:t>
-            </a:r>
-            <a:endParaRPr lang="fr-FR" dirty="0"/>
-          </a:p>
-        </p:txBody>
-      </p:sp>
-      <p:sp>
-        <p:nvSpPr>
-          <p:cNvPr id="3" name="Espace réservé du contenu 2"/>
-          <p:cNvSpPr>
-            <a:spLocks noGrp="1"/>
-          </p:cNvSpPr>
-          <p:nvPr>
-            <p:ph idx="1"/>
-          </p:nvPr>
-        </p:nvSpPr>
-        <p:spPr/>
-        <p:txBody>
-          <a:bodyPr/>
-          <a:lstStyle/>
-          <a:p>
-            <a:r>
-              <a:rPr lang="fr-FR" dirty="0"/>
-              <a:t>Ces 4 modèles possède la même régression linéaire</a:t>
-            </a:r>
-          </a:p>
-          <a:p>
-            <a:pPr lvl="1"/>
-            <a:r>
-              <a:rPr lang="fr-FR" dirty="0"/>
-              <a:t>Trouver les erreurs</a:t>
-            </a:r>
-          </a:p>
-        </p:txBody>
-      </p:sp>
-      <p:pic>
-        <p:nvPicPr>
-          <p:cNvPr id="4098" name="Picture 2" descr="Le quartet d'anscombe"/>
-          <p:cNvPicPr>
-            <a:picLocks noChangeAspect="1" noChangeArrowheads="1"/>
-          </p:cNvPicPr>
-          <p:nvPr/>
-        </p:nvPicPr>
-        <p:blipFill>
-          <a:blip r:embed="rId2">
-            <a:extLst>
-              <a:ext uri="{28A0092B-C50C-407E-A947-70E740481C1C}">
-                <a14:useLocalDpi xmlns:a14="http://schemas.microsoft.com/office/drawing/2010/main" val="0"/>
-              </a:ext>
-            </a:extLst>
-          </a:blip>
-          <a:srcRect/>
-          <a:stretch>
-            <a:fillRect/>
-          </a:stretch>
-        </p:blipFill>
-        <p:spPr bwMode="auto">
-          <a:xfrm>
-            <a:off x="1528833" y="2783429"/>
-            <a:ext cx="6067407" cy="4053028"/>
-          </a:xfrm>
-          <a:prstGeom prst="rect">
-            <a:avLst/>
-          </a:prstGeom>
-          <a:noFill/>
-          <a:extLst>
-            <a:ext uri="{909E8E84-426E-40DD-AFC4-6F175D3DCCD1}">
-              <a14:hiddenFill xmlns:a14="http://schemas.microsoft.com/office/drawing/2010/main">
-                <a:solidFill>
-                  <a:srgbClr val="FFFFFF"/>
-                </a:solidFill>
-              </a14:hiddenFill>
-            </a:ext>
-          </a:extLst>
-        </p:spPr>
-      </p:pic>
-    </p:spTree>
-    <p:extLst>
-      <p:ext uri="{BB962C8B-B14F-4D97-AF65-F5344CB8AC3E}">
-        <p14:creationId xmlns:p14="http://schemas.microsoft.com/office/powerpoint/2010/main" val="717036446"/>
-      </p:ext>
-    </p:extLst>
-  </p:cSld>
-  <p:clrMapOvr>
-    <a:masterClrMapping/>
-  </p:clrMapOvr>
-</p:sld>
-</file>
-
-<file path=ppt/slides/slide25.xml><?xml version="1.0" encoding="utf-8"?>
-<p:sld xmlns:a="http://schemas.openxmlformats.org/drawingml/2006/main" xmlns:r="http://schemas.openxmlformats.org/officeDocument/2006/relationships" xmlns:p="http://schemas.openxmlformats.org/presentationml/2006/main">
-  <p:cSld>
-    <p:spTree>
-      <p:nvGrpSpPr>
-        <p:cNvPr id="1" name=""/>
-        <p:cNvGrpSpPr/>
-        <p:nvPr/>
-      </p:nvGrpSpPr>
-      <p:grpSpPr>
-        <a:xfrm>
-          <a:off x="0" y="0"/>
-          <a:ext cx="0" cy="0"/>
-          <a:chOff x="0" y="0"/>
-          <a:chExt cx="0" cy="0"/>
-        </a:xfrm>
-      </p:grpSpPr>
-      <p:sp>
-        <p:nvSpPr>
-          <p:cNvPr id="2" name="Titre 1"/>
-          <p:cNvSpPr>
-            <a:spLocks noGrp="1"/>
-          </p:cNvSpPr>
-          <p:nvPr>
-            <p:ph type="title"/>
-          </p:nvPr>
-        </p:nvSpPr>
-        <p:spPr/>
-        <p:txBody>
-          <a:bodyPr/>
-          <a:lstStyle/>
-          <a:p>
-            <a:r>
-              <a:rPr lang="fr-FR" dirty="0"/>
-              <a:t>Apprentissage</a:t>
-            </a:r>
-          </a:p>
-        </p:txBody>
-      </p:sp>
-      <p:sp>
-        <p:nvSpPr>
-          <p:cNvPr id="3" name="Espace réservé du contenu 2"/>
-          <p:cNvSpPr>
-            <a:spLocks noGrp="1"/>
-          </p:cNvSpPr>
-          <p:nvPr>
-            <p:ph idx="1"/>
-          </p:nvPr>
-        </p:nvSpPr>
-        <p:spPr/>
-        <p:txBody>
-          <a:bodyPr/>
-          <a:lstStyle/>
-          <a:p>
-            <a:r>
-              <a:rPr lang="fr-FR" dirty="0"/>
-              <a:t>En machine </a:t>
-            </a:r>
-            <a:r>
-              <a:rPr lang="fr-FR" dirty="0" err="1"/>
-              <a:t>learning</a:t>
-            </a:r>
-            <a:r>
-              <a:rPr lang="fr-FR" dirty="0"/>
-              <a:t>, l'idée est que l'algorithme construise une "représentation interne" tout seul afin de pouvoir effectuer la tâche qui lui est demandée (prédiction, identification, </a:t>
-            </a:r>
-            <a:r>
-              <a:rPr lang="fr-FR" dirty="0" err="1"/>
-              <a:t>etc</a:t>
-            </a:r>
-            <a:r>
-              <a:rPr lang="fr-FR" dirty="0"/>
-              <a:t>)</a:t>
-            </a:r>
-          </a:p>
-          <a:p>
-            <a:r>
-              <a:rPr lang="fr-FR" dirty="0"/>
-              <a:t>L’être humain est quasiment incapable d’écrire l’algorithme</a:t>
-            </a:r>
-          </a:p>
-          <a:p>
-            <a:r>
-              <a:rPr lang="fr-FR" dirty="0"/>
-              <a:t>Pour cela, il va d'abord falloir lui entrer un jeu de données d'exemples afin qu'il puisse s'entraîner et s'améliorer, d'où le mot apprentissage</a:t>
-            </a:r>
-          </a:p>
-          <a:p>
-            <a:r>
-              <a:rPr lang="fr-FR" dirty="0"/>
-              <a:t>Ce jeu de données s'appelle le training set</a:t>
-            </a:r>
-          </a:p>
-          <a:p>
-            <a:endParaRPr lang="fr-FR" dirty="0"/>
-          </a:p>
-        </p:txBody>
-      </p:sp>
-    </p:spTree>
-    <p:extLst>
-      <p:ext uri="{BB962C8B-B14F-4D97-AF65-F5344CB8AC3E}">
-        <p14:creationId xmlns:p14="http://schemas.microsoft.com/office/powerpoint/2010/main" val="3013364896"/>
-      </p:ext>
-    </p:extLst>
-  </p:cSld>
-  <p:clrMapOvr>
-    <a:masterClrMapping/>
-  </p:clrMapOvr>
-</p:sld>
-</file>
-
-<file path=ppt/slides/slide26.xml><?xml version="1.0" encoding="utf-8"?>
-<p:sld xmlns:a="http://schemas.openxmlformats.org/drawingml/2006/main" xmlns:r="http://schemas.openxmlformats.org/officeDocument/2006/relationships" xmlns:p="http://schemas.openxmlformats.org/presentationml/2006/main">
-  <p:cSld>
-    <p:spTree>
-      <p:nvGrpSpPr>
-        <p:cNvPr id="1" name=""/>
-        <p:cNvGrpSpPr/>
-        <p:nvPr/>
-      </p:nvGrpSpPr>
-      <p:grpSpPr>
-        <a:xfrm>
-          <a:off x="0" y="0"/>
-          <a:ext cx="0" cy="0"/>
-          <a:chOff x="0" y="0"/>
-          <a:chExt cx="0" cy="0"/>
-        </a:xfrm>
-      </p:grpSpPr>
-      <p:sp>
-        <p:nvSpPr>
-          <p:cNvPr id="2" name="Titre 1">
-            <a:extLst>
-              <a:ext uri="{FF2B5EF4-FFF2-40B4-BE49-F238E27FC236}">
-                <a16:creationId xmlns:a16="http://schemas.microsoft.com/office/drawing/2014/main" id="{FB8B347E-A3C6-4FD1-B000-9BF2AD49E8CA}"/>
-              </a:ext>
-            </a:extLst>
-          </p:cNvPr>
-          <p:cNvSpPr>
-            <a:spLocks noGrp="1"/>
-          </p:cNvSpPr>
-          <p:nvPr>
-            <p:ph type="title"/>
-          </p:nvPr>
-        </p:nvSpPr>
-        <p:spPr/>
-        <p:txBody>
-          <a:bodyPr/>
-          <a:lstStyle/>
-          <a:p>
-            <a:r>
-              <a:rPr lang="fr-FR" dirty="0"/>
-              <a:t>Les langages et </a:t>
-            </a:r>
-            <a:r>
-              <a:rPr lang="fr-FR" dirty="0" err="1"/>
-              <a:t>Frameworks</a:t>
-            </a:r>
-            <a:endParaRPr lang="fr-FR" dirty="0"/>
-          </a:p>
-        </p:txBody>
-      </p:sp>
-      <p:pic>
-        <p:nvPicPr>
-          <p:cNvPr id="6" name="Picture 2" descr="Python et intelligence artificielle">
-            <a:extLst>
-              <a:ext uri="{FF2B5EF4-FFF2-40B4-BE49-F238E27FC236}">
-                <a16:creationId xmlns:a16="http://schemas.microsoft.com/office/drawing/2014/main" id="{FB769AA8-F524-42F6-A99C-EBEF407B4F9D}"/>
-              </a:ext>
-            </a:extLst>
-          </p:cNvPr>
-          <p:cNvPicPr>
-            <a:picLocks noChangeAspect="1" noChangeArrowheads="1"/>
-          </p:cNvPicPr>
-          <p:nvPr/>
-        </p:nvPicPr>
-        <p:blipFill>
-          <a:blip r:embed="rId2" cstate="print">
-            <a:extLst>
-              <a:ext uri="{28A0092B-C50C-407E-A947-70E740481C1C}">
-                <a14:useLocalDpi xmlns:a14="http://schemas.microsoft.com/office/drawing/2010/main" val="0"/>
-              </a:ext>
-            </a:extLst>
-          </a:blip>
-          <a:srcRect/>
-          <a:stretch>
-            <a:fillRect/>
-          </a:stretch>
-        </p:blipFill>
-        <p:spPr bwMode="auto">
-          <a:xfrm>
-            <a:off x="5190680" y="3015391"/>
-            <a:ext cx="3671455" cy="1989900"/>
-          </a:xfrm>
-          <a:prstGeom prst="rect">
-            <a:avLst/>
-          </a:prstGeom>
-          <a:noFill/>
-          <a:extLst>
-            <a:ext uri="{909E8E84-426E-40DD-AFC4-6F175D3DCCD1}">
-              <a14:hiddenFill xmlns:a14="http://schemas.microsoft.com/office/drawing/2010/main">
-                <a:solidFill>
-                  <a:srgbClr val="FFFFFF"/>
-                </a:solidFill>
-              </a14:hiddenFill>
-            </a:ext>
-          </a:extLst>
-        </p:spPr>
-      </p:pic>
-      <p:pic>
-        <p:nvPicPr>
-          <p:cNvPr id="8" name="Picture 4" descr="TensorFlow — Wikipédia">
-            <a:extLst>
-              <a:ext uri="{FF2B5EF4-FFF2-40B4-BE49-F238E27FC236}">
-                <a16:creationId xmlns:a16="http://schemas.microsoft.com/office/drawing/2014/main" id="{7B92E35F-DA87-4345-A44E-D4B0F99773B5}"/>
-              </a:ext>
-            </a:extLst>
-          </p:cNvPr>
-          <p:cNvPicPr>
-            <a:picLocks noChangeAspect="1" noChangeArrowheads="1"/>
-          </p:cNvPicPr>
-          <p:nvPr/>
-        </p:nvPicPr>
-        <p:blipFill>
-          <a:blip r:embed="rId3">
-            <a:extLst>
-              <a:ext uri="{28A0092B-C50C-407E-A947-70E740481C1C}">
-                <a14:useLocalDpi xmlns:a14="http://schemas.microsoft.com/office/drawing/2010/main" val="0"/>
-              </a:ext>
-            </a:extLst>
-          </a:blip>
-          <a:srcRect/>
-          <a:stretch>
-            <a:fillRect/>
-          </a:stretch>
-        </p:blipFill>
-        <p:spPr bwMode="auto">
-          <a:xfrm>
-            <a:off x="7557541" y="1873856"/>
-            <a:ext cx="1304594" cy="1087161"/>
-          </a:xfrm>
-          <a:prstGeom prst="rect">
-            <a:avLst/>
-          </a:prstGeom>
-          <a:noFill/>
-          <a:extLst>
-            <a:ext uri="{909E8E84-426E-40DD-AFC4-6F175D3DCCD1}">
-              <a14:hiddenFill xmlns:a14="http://schemas.microsoft.com/office/drawing/2010/main">
-                <a:solidFill>
-                  <a:srgbClr val="FFFFFF"/>
-                </a:solidFill>
-              </a14:hiddenFill>
-            </a:ext>
-          </a:extLst>
-        </p:spPr>
-      </p:pic>
-      <p:sp>
-        <p:nvSpPr>
-          <p:cNvPr id="9" name="Espace réservé du contenu 2">
-            <a:extLst>
-              <a:ext uri="{FF2B5EF4-FFF2-40B4-BE49-F238E27FC236}">
-                <a16:creationId xmlns:a16="http://schemas.microsoft.com/office/drawing/2014/main" id="{C4E86258-C244-48B5-ADC8-901B50E0DF47}"/>
-              </a:ext>
-            </a:extLst>
-          </p:cNvPr>
-          <p:cNvSpPr txBox="1">
-            <a:spLocks/>
-          </p:cNvSpPr>
-          <p:nvPr/>
-        </p:nvSpPr>
-        <p:spPr>
-          <a:xfrm>
-            <a:off x="217264" y="1851422"/>
-            <a:ext cx="4670318" cy="3780420"/>
-          </a:xfrm>
-          <a:prstGeom prst="rect">
-            <a:avLst/>
-          </a:prstGeom>
-        </p:spPr>
-        <p:txBody>
-          <a:bodyPr/>
-          <a:lstStyle>
-            <a:lvl1pPr marL="228600" indent="-228600" algn="l" defTabSz="914400" rtl="0" eaLnBrk="1" latinLnBrk="0" hangingPunct="1">
-              <a:lnSpc>
-                <a:spcPct val="90000"/>
-              </a:lnSpc>
-              <a:spcBef>
-                <a:spcPts val="1000"/>
-              </a:spcBef>
-              <a:buFont typeface="Arial" panose="020B0604020202020204" pitchFamily="34" charset="0"/>
-              <a:buChar char="•"/>
-              <a:defRPr sz="2800" kern="1200">
-                <a:solidFill>
-                  <a:schemeClr val="tx1"/>
-                </a:solidFill>
-                <a:latin typeface="+mn-lt"/>
-                <a:ea typeface="+mn-ea"/>
-                <a:cs typeface="+mn-cs"/>
-              </a:defRPr>
-            </a:lvl1pPr>
-            <a:lvl2pPr marL="685800" indent="-228600" algn="l" defTabSz="914400" rtl="0" eaLnBrk="1" latinLnBrk="0" hangingPunct="1">
-              <a:lnSpc>
-                <a:spcPct val="90000"/>
-              </a:lnSpc>
-              <a:spcBef>
-                <a:spcPts val="500"/>
-              </a:spcBef>
-              <a:buFont typeface="Arial" panose="020B0604020202020204" pitchFamily="34" charset="0"/>
-              <a:buChar char="•"/>
-              <a:defRPr sz="2400" kern="1200">
-                <a:solidFill>
-                  <a:schemeClr val="tx1"/>
-                </a:solidFill>
-                <a:latin typeface="+mn-lt"/>
-                <a:ea typeface="+mn-ea"/>
-                <a:cs typeface="+mn-cs"/>
-              </a:defRPr>
-            </a:lvl2pPr>
-            <a:lvl3pPr marL="1143000" indent="-228600" algn="l" defTabSz="914400" rtl="0" eaLnBrk="1" latinLnBrk="0" hangingPunct="1">
-              <a:lnSpc>
-                <a:spcPct val="90000"/>
-              </a:lnSpc>
-              <a:spcBef>
-                <a:spcPts val="500"/>
-              </a:spcBef>
-              <a:buFont typeface="Arial" panose="020B0604020202020204" pitchFamily="34" charset="0"/>
-              <a:buChar char="•"/>
-              <a:defRPr sz="2000" kern="1200">
-                <a:solidFill>
-                  <a:schemeClr val="tx1"/>
-                </a:solidFill>
-                <a:latin typeface="+mn-lt"/>
-                <a:ea typeface="+mn-ea"/>
-                <a:cs typeface="+mn-cs"/>
-              </a:defRPr>
-            </a:lvl3pPr>
-            <a:lvl4pPr marL="1600200" indent="-228600" algn="l" defTabSz="914400" rtl="0" eaLnBrk="1" latinLnBrk="0" hangingPunct="1">
-              <a:lnSpc>
-                <a:spcPct val="90000"/>
-              </a:lnSpc>
-              <a:spcBef>
-                <a:spcPts val="500"/>
-              </a:spcBef>
-              <a:buFont typeface="Arial" panose="020B0604020202020204" pitchFamily="34" charset="0"/>
-              <a:buChar char="•"/>
-              <a:defRPr sz="1800" kern="1200">
-                <a:solidFill>
-                  <a:schemeClr val="tx1"/>
-                </a:solidFill>
-                <a:latin typeface="+mn-lt"/>
-                <a:ea typeface="+mn-ea"/>
-                <a:cs typeface="+mn-cs"/>
-              </a:defRPr>
-            </a:lvl4pPr>
-            <a:lvl5pPr marL="2057400" indent="-228600" algn="l" defTabSz="914400" rtl="0" eaLnBrk="1" latinLnBrk="0" hangingPunct="1">
-              <a:lnSpc>
-                <a:spcPct val="90000"/>
-              </a:lnSpc>
-              <a:spcBef>
-                <a:spcPts val="500"/>
-              </a:spcBef>
-              <a:buFont typeface="Arial" panose="020B0604020202020204" pitchFamily="34" charset="0"/>
-              <a:buChar char="•"/>
-              <a:defRPr sz="1800" kern="1200">
-                <a:solidFill>
-                  <a:schemeClr val="tx1"/>
-                </a:solidFill>
-                <a:latin typeface="+mn-lt"/>
-                <a:ea typeface="+mn-ea"/>
-                <a:cs typeface="+mn-cs"/>
-              </a:defRPr>
-            </a:lvl5pPr>
-            <a:lvl6pPr marL="2514600" indent="-228600" algn="l" defTabSz="914400" rtl="0" eaLnBrk="1" latinLnBrk="0" hangingPunct="1">
-              <a:lnSpc>
-                <a:spcPct val="90000"/>
-              </a:lnSpc>
-              <a:spcBef>
-                <a:spcPts val="500"/>
-              </a:spcBef>
-              <a:buFont typeface="Arial" panose="020B0604020202020204" pitchFamily="34" charset="0"/>
-              <a:buChar char="•"/>
-              <a:defRPr sz="1800" kern="1200">
-                <a:solidFill>
-                  <a:schemeClr val="tx1"/>
-                </a:solidFill>
-                <a:latin typeface="+mn-lt"/>
-                <a:ea typeface="+mn-ea"/>
-                <a:cs typeface="+mn-cs"/>
-              </a:defRPr>
-            </a:lvl6pPr>
-            <a:lvl7pPr marL="2971800" indent="-228600" algn="l" defTabSz="914400" rtl="0" eaLnBrk="1" latinLnBrk="0" hangingPunct="1">
-              <a:lnSpc>
-                <a:spcPct val="90000"/>
-              </a:lnSpc>
-              <a:spcBef>
-                <a:spcPts val="500"/>
-              </a:spcBef>
-              <a:buFont typeface="Arial" panose="020B0604020202020204" pitchFamily="34" charset="0"/>
-              <a:buChar char="•"/>
-              <a:defRPr sz="1800" kern="1200">
-                <a:solidFill>
-                  <a:schemeClr val="tx1"/>
-                </a:solidFill>
-                <a:latin typeface="+mn-lt"/>
-                <a:ea typeface="+mn-ea"/>
-                <a:cs typeface="+mn-cs"/>
-              </a:defRPr>
-            </a:lvl7pPr>
-            <a:lvl8pPr marL="3429000" indent="-228600" algn="l" defTabSz="914400" rtl="0" eaLnBrk="1" latinLnBrk="0" hangingPunct="1">
-              <a:lnSpc>
-                <a:spcPct val="90000"/>
-              </a:lnSpc>
-              <a:spcBef>
-                <a:spcPts val="500"/>
-              </a:spcBef>
-              <a:buFont typeface="Arial" panose="020B0604020202020204" pitchFamily="34" charset="0"/>
-              <a:buChar char="•"/>
-              <a:defRPr sz="1800" kern="1200">
-                <a:solidFill>
-                  <a:schemeClr val="tx1"/>
-                </a:solidFill>
-                <a:latin typeface="+mn-lt"/>
-                <a:ea typeface="+mn-ea"/>
-                <a:cs typeface="+mn-cs"/>
-              </a:defRPr>
-            </a:lvl8pPr>
-            <a:lvl9pPr marL="3886200" indent="-228600" algn="l" defTabSz="914400" rtl="0" eaLnBrk="1" latinLnBrk="0" hangingPunct="1">
-              <a:lnSpc>
-                <a:spcPct val="90000"/>
-              </a:lnSpc>
-              <a:spcBef>
-                <a:spcPts val="500"/>
-              </a:spcBef>
-              <a:buFont typeface="Arial" panose="020B0604020202020204" pitchFamily="34" charset="0"/>
-              <a:buChar char="•"/>
-              <a:defRPr sz="1800" kern="1200">
-                <a:solidFill>
-                  <a:schemeClr val="tx1"/>
-                </a:solidFill>
-                <a:latin typeface="+mn-lt"/>
-                <a:ea typeface="+mn-ea"/>
-                <a:cs typeface="+mn-cs"/>
-              </a:defRPr>
-            </a:lvl9pPr>
-          </a:lstStyle>
-          <a:p>
-            <a:r>
-              <a:rPr lang="fr-FR" sz="2400" dirty="0"/>
-              <a:t>Apprentissage</a:t>
-            </a:r>
-          </a:p>
-          <a:p>
-            <a:pPr lvl="1"/>
-            <a:r>
-              <a:rPr lang="fr-FR" sz="2100" dirty="0"/>
-              <a:t>Python</a:t>
-            </a:r>
-          </a:p>
-          <a:p>
-            <a:pPr lvl="1"/>
-            <a:r>
-              <a:rPr lang="fr-FR" sz="2100" dirty="0" err="1"/>
-              <a:t>Scikit-learn</a:t>
-            </a:r>
-            <a:endParaRPr lang="fr-FR" sz="2100" dirty="0"/>
-          </a:p>
-          <a:p>
-            <a:pPr lvl="2"/>
-            <a:r>
-              <a:rPr lang="fr-FR" sz="1500" dirty="0"/>
-              <a:t>INRIA et Télécom ParisTech</a:t>
-            </a:r>
-          </a:p>
-          <a:p>
-            <a:pPr lvl="1"/>
-            <a:r>
-              <a:rPr lang="fr-FR" sz="2100" dirty="0" err="1"/>
-              <a:t>TensorFlow</a:t>
-            </a:r>
-            <a:endParaRPr lang="fr-FR" sz="2100" dirty="0"/>
-          </a:p>
-          <a:p>
-            <a:pPr lvl="2"/>
-            <a:r>
-              <a:rPr lang="fr-FR" sz="1500" dirty="0"/>
-              <a:t>Google</a:t>
-            </a:r>
-          </a:p>
-          <a:p>
-            <a:pPr lvl="1"/>
-            <a:r>
-              <a:rPr lang="fr-FR" sz="1900" dirty="0" err="1"/>
-              <a:t>PyTorch</a:t>
-            </a:r>
-            <a:endParaRPr lang="fr-FR" sz="1900" dirty="0"/>
-          </a:p>
-          <a:p>
-            <a:pPr lvl="2"/>
-            <a:r>
-              <a:rPr lang="fr-FR" sz="1500" dirty="0"/>
-              <a:t>Facebook</a:t>
-            </a:r>
-          </a:p>
-          <a:p>
-            <a:r>
-              <a:rPr lang="fr-FR" sz="2400" dirty="0"/>
-              <a:t>Prédiction</a:t>
-            </a:r>
-          </a:p>
-          <a:p>
-            <a:pPr lvl="1"/>
-            <a:r>
-              <a:rPr lang="fr-FR" sz="1800" dirty="0"/>
-              <a:t>N'importe quel langage !</a:t>
-            </a:r>
-          </a:p>
-          <a:p>
-            <a:pPr lvl="1"/>
-            <a:r>
-              <a:rPr lang="fr-FR" sz="1800" dirty="0"/>
-              <a:t>Embarqué : C++, JS, …</a:t>
-            </a:r>
-          </a:p>
-          <a:p>
-            <a:pPr lvl="1"/>
-            <a:endParaRPr lang="fr-FR" sz="1500" dirty="0"/>
-          </a:p>
-        </p:txBody>
-      </p:sp>
-      <p:pic>
-        <p:nvPicPr>
-          <p:cNvPr id="11" name="Image 10">
-            <a:extLst>
-              <a:ext uri="{FF2B5EF4-FFF2-40B4-BE49-F238E27FC236}">
-                <a16:creationId xmlns:a16="http://schemas.microsoft.com/office/drawing/2014/main" id="{E2C0264F-CF05-444C-A3C0-924199BBFEB2}"/>
-              </a:ext>
-            </a:extLst>
-          </p:cNvPr>
-          <p:cNvPicPr>
-            <a:picLocks noChangeAspect="1"/>
-          </p:cNvPicPr>
-          <p:nvPr/>
-        </p:nvPicPr>
-        <p:blipFill>
-          <a:blip r:embed="rId4"/>
-          <a:stretch>
-            <a:fillRect/>
-          </a:stretch>
-        </p:blipFill>
-        <p:spPr>
-          <a:xfrm>
-            <a:off x="5190679" y="1873856"/>
-            <a:ext cx="2300288" cy="571500"/>
-          </a:xfrm>
-          <a:prstGeom prst="rect">
-            <a:avLst/>
-          </a:prstGeom>
-        </p:spPr>
-      </p:pic>
-    </p:spTree>
-    <p:extLst>
-      <p:ext uri="{BB962C8B-B14F-4D97-AF65-F5344CB8AC3E}">
-        <p14:creationId xmlns:p14="http://schemas.microsoft.com/office/powerpoint/2010/main" val="3605670846"/>
-      </p:ext>
-    </p:extLst>
-  </p:cSld>
-  <p:clrMapOvr>
-    <a:masterClrMapping/>
-  </p:clrMapOvr>
-</p:sld>
-</file>
-
-<file path=ppt/slides/slide27.xml><?xml version="1.0" encoding="utf-8"?>
-<p:sld xmlns:a="http://schemas.openxmlformats.org/drawingml/2006/main" xmlns:r="http://schemas.openxmlformats.org/officeDocument/2006/relationships" xmlns:p="http://schemas.openxmlformats.org/presentationml/2006/main">
-  <p:cSld>
-    <p:spTree>
-      <p:nvGrpSpPr>
-        <p:cNvPr id="1" name=""/>
-        <p:cNvGrpSpPr/>
-        <p:nvPr/>
-      </p:nvGrpSpPr>
-      <p:grpSpPr>
-        <a:xfrm>
-          <a:off x="0" y="0"/>
-          <a:ext cx="0" cy="0"/>
-          <a:chOff x="0" y="0"/>
-          <a:chExt cx="0" cy="0"/>
-        </a:xfrm>
-      </p:grpSpPr>
-      <p:sp>
-        <p:nvSpPr>
-          <p:cNvPr id="2" name="Titre 1">
-            <a:extLst>
-              <a:ext uri="{FF2B5EF4-FFF2-40B4-BE49-F238E27FC236}">
-                <a16:creationId xmlns:a16="http://schemas.microsoft.com/office/drawing/2014/main" id="{9E89BEBE-6249-4EE9-A3DE-988A6532E15C}"/>
-              </a:ext>
-            </a:extLst>
-          </p:cNvPr>
-          <p:cNvSpPr>
-            <a:spLocks noGrp="1"/>
-          </p:cNvSpPr>
-          <p:nvPr>
-            <p:ph type="title"/>
-          </p:nvPr>
-        </p:nvSpPr>
-        <p:spPr/>
-        <p:txBody>
-          <a:bodyPr/>
-          <a:lstStyle/>
-          <a:p>
-            <a:r>
-              <a:rPr lang="fr-FR" dirty="0"/>
-              <a:t>Les </a:t>
-            </a:r>
-            <a:r>
-              <a:rPr lang="fr-FR" dirty="0" err="1"/>
-              <a:t>Frameworks</a:t>
-            </a:r>
-            <a:r>
-              <a:rPr lang="fr-FR" dirty="0"/>
-              <a:t> ML et DL en 2019</a:t>
-            </a:r>
-          </a:p>
-        </p:txBody>
-      </p:sp>
-      <p:pic>
-        <p:nvPicPr>
-          <p:cNvPr id="1036" name="Picture 12">
-            <a:extLst>
-              <a:ext uri="{FF2B5EF4-FFF2-40B4-BE49-F238E27FC236}">
-                <a16:creationId xmlns:a16="http://schemas.microsoft.com/office/drawing/2014/main" id="{CC81630E-520F-4640-A4D7-4C649ED090DD}"/>
-              </a:ext>
-            </a:extLst>
-          </p:cNvPr>
-          <p:cNvPicPr>
-            <a:picLocks noChangeAspect="1" noChangeArrowheads="1"/>
-          </p:cNvPicPr>
-          <p:nvPr/>
-        </p:nvPicPr>
-        <p:blipFill>
-          <a:blip r:embed="rId2">
-            <a:extLst>
-              <a:ext uri="{28A0092B-C50C-407E-A947-70E740481C1C}">
-                <a14:useLocalDpi xmlns:a14="http://schemas.microsoft.com/office/drawing/2010/main" val="0"/>
-              </a:ext>
-            </a:extLst>
-          </a:blip>
-          <a:srcRect/>
-          <a:stretch>
-            <a:fillRect/>
-          </a:stretch>
-        </p:blipFill>
-        <p:spPr bwMode="auto">
-          <a:xfrm>
-            <a:off x="1534507" y="1851422"/>
-            <a:ext cx="5938352" cy="3401057"/>
-          </a:xfrm>
-          <a:prstGeom prst="rect">
-            <a:avLst/>
-          </a:prstGeom>
-          <a:noFill/>
-          <a:extLst>
-            <a:ext uri="{909E8E84-426E-40DD-AFC4-6F175D3DCCD1}">
-              <a14:hiddenFill xmlns:a14="http://schemas.microsoft.com/office/drawing/2010/main">
-                <a:solidFill>
-                  <a:srgbClr val="FFFFFF"/>
-                </a:solidFill>
-              </a14:hiddenFill>
-            </a:ext>
-          </a:extLst>
-        </p:spPr>
-      </p:pic>
-      <p:pic>
-        <p:nvPicPr>
-          <p:cNvPr id="3" name="Picture 4" descr="TensorFlow — Wikipédia">
-            <a:extLst>
-              <a:ext uri="{FF2B5EF4-FFF2-40B4-BE49-F238E27FC236}">
-                <a16:creationId xmlns:a16="http://schemas.microsoft.com/office/drawing/2014/main" id="{C4B0032F-A73B-40A0-917F-E14A99B3F947}"/>
-              </a:ext>
-            </a:extLst>
-          </p:cNvPr>
-          <p:cNvPicPr>
-            <a:picLocks noChangeAspect="1" noChangeArrowheads="1"/>
-          </p:cNvPicPr>
-          <p:nvPr/>
-        </p:nvPicPr>
-        <p:blipFill>
-          <a:blip r:embed="rId3">
-            <a:extLst>
-              <a:ext uri="{28A0092B-C50C-407E-A947-70E740481C1C}">
-                <a14:useLocalDpi xmlns:a14="http://schemas.microsoft.com/office/drawing/2010/main" val="0"/>
-              </a:ext>
-            </a:extLst>
-          </a:blip>
-          <a:srcRect/>
-          <a:stretch>
-            <a:fillRect/>
-          </a:stretch>
-        </p:blipFill>
-        <p:spPr bwMode="auto">
-          <a:xfrm>
-            <a:off x="5927934" y="2089516"/>
-            <a:ext cx="1304594" cy="1087161"/>
-          </a:xfrm>
-          <a:prstGeom prst="rect">
-            <a:avLst/>
-          </a:prstGeom>
-          <a:noFill/>
-          <a:extLst>
-            <a:ext uri="{909E8E84-426E-40DD-AFC4-6F175D3DCCD1}">
-              <a14:hiddenFill xmlns:a14="http://schemas.microsoft.com/office/drawing/2010/main">
-                <a:solidFill>
-                  <a:srgbClr val="FFFFFF"/>
-                </a:solidFill>
-              </a14:hiddenFill>
-            </a:ext>
-          </a:extLst>
-        </p:spPr>
-      </p:pic>
-    </p:spTree>
-    <p:extLst>
-      <p:ext uri="{BB962C8B-B14F-4D97-AF65-F5344CB8AC3E}">
-        <p14:creationId xmlns:p14="http://schemas.microsoft.com/office/powerpoint/2010/main" val="934904824"/>
-      </p:ext>
-    </p:extLst>
-  </p:cSld>
-  <p:clrMapOvr>
-    <a:masterClrMapping/>
-  </p:clrMapOvr>
-</p:sld>
-</file>
-
-<file path=ppt/slides/slide28.xml><?xml version="1.0" encoding="utf-8"?>
-<p:sld xmlns:a="http://schemas.openxmlformats.org/drawingml/2006/main" xmlns:r="http://schemas.openxmlformats.org/officeDocument/2006/relationships" xmlns:p="http://schemas.openxmlformats.org/presentationml/2006/main">
-  <p:cSld>
-    <p:spTree>
-      <p:nvGrpSpPr>
-        <p:cNvPr id="1" name=""/>
-        <p:cNvGrpSpPr/>
-        <p:nvPr/>
-      </p:nvGrpSpPr>
-      <p:grpSpPr>
-        <a:xfrm>
-          <a:off x="0" y="0"/>
-          <a:ext cx="0" cy="0"/>
-          <a:chOff x="0" y="0"/>
-          <a:chExt cx="0" cy="0"/>
-        </a:xfrm>
-      </p:grpSpPr>
-      <p:sp>
-        <p:nvSpPr>
-          <p:cNvPr id="2" name="Titre 1"/>
-          <p:cNvSpPr>
-            <a:spLocks noGrp="1"/>
-          </p:cNvSpPr>
-          <p:nvPr>
-            <p:ph type="title"/>
-          </p:nvPr>
-        </p:nvSpPr>
-        <p:spPr/>
-        <p:txBody>
-          <a:bodyPr/>
-          <a:lstStyle/>
-          <a:p>
-            <a:r>
-              <a:rPr lang="fr-FR" dirty="0" err="1"/>
-              <a:t>Deep</a:t>
-            </a:r>
-            <a:r>
-              <a:rPr lang="fr-FR" dirty="0"/>
-              <a:t> Learning</a:t>
-            </a:r>
-          </a:p>
-        </p:txBody>
-      </p:sp>
-      <p:sp>
-        <p:nvSpPr>
-          <p:cNvPr id="3" name="Espace réservé du contenu 2"/>
-          <p:cNvSpPr>
-            <a:spLocks noGrp="1"/>
-          </p:cNvSpPr>
-          <p:nvPr>
-            <p:ph idx="1"/>
-          </p:nvPr>
-        </p:nvSpPr>
-        <p:spPr/>
-        <p:txBody>
-          <a:bodyPr/>
-          <a:lstStyle/>
-          <a:p>
-            <a:r>
-              <a:rPr lang="fr-FR" dirty="0"/>
-              <a:t>Le </a:t>
-            </a:r>
-            <a:r>
-              <a:rPr lang="fr-FR" dirty="0" err="1"/>
-              <a:t>deep</a:t>
-            </a:r>
-            <a:r>
-              <a:rPr lang="fr-FR" dirty="0"/>
-              <a:t> </a:t>
-            </a:r>
-            <a:r>
-              <a:rPr lang="fr-FR" dirty="0" err="1"/>
-              <a:t>learning</a:t>
-            </a:r>
-            <a:r>
-              <a:rPr lang="fr-FR" dirty="0"/>
-              <a:t> est un ensemble de méthodes d'apprentissage automatique tentant de modéliser avec un haut niveau d’abstraction des données grâce à des architectures articulées de différentes transformations </a:t>
-            </a:r>
-            <a:r>
-              <a:rPr lang="fr-FR"/>
-              <a:t>non linéaires</a:t>
-            </a:r>
-          </a:p>
-          <a:p>
-            <a:pPr lvl="1"/>
-            <a:r>
-              <a:rPr lang="fr-FR"/>
-              <a:t>Ces </a:t>
-            </a:r>
-            <a:r>
-              <a:rPr lang="fr-FR" dirty="0"/>
-              <a:t>techniques ont permis des progrès importants et rapides dans les domaines de l'analyse du signal sonore ou visuel et notamment de la reconnaissance faciale, de la reconnaissance vocale, de la vision par ordinateur, du traitement automatisé du langage</a:t>
-            </a:r>
-          </a:p>
-        </p:txBody>
-      </p:sp>
-    </p:spTree>
-    <p:extLst>
-      <p:ext uri="{BB962C8B-B14F-4D97-AF65-F5344CB8AC3E}">
-        <p14:creationId xmlns:p14="http://schemas.microsoft.com/office/powerpoint/2010/main" val="3554226762"/>
-      </p:ext>
-    </p:extLst>
-  </p:cSld>
-  <p:clrMapOvr>
-    <a:masterClrMapping/>
-  </p:clrMapOvr>
-</p:sld>
-</file>
-
-<file path=ppt/slides/slide29.xml><?xml version="1.0" encoding="utf-8"?>
-<p:sld xmlns:a="http://schemas.openxmlformats.org/drawingml/2006/main" xmlns:r="http://schemas.openxmlformats.org/officeDocument/2006/relationships" xmlns:p="http://schemas.openxmlformats.org/presentationml/2006/main">
-  <p:cSld>
-    <p:spTree>
-      <p:nvGrpSpPr>
-        <p:cNvPr id="1" name=""/>
-        <p:cNvGrpSpPr/>
-        <p:nvPr/>
-      </p:nvGrpSpPr>
-      <p:grpSpPr>
-        <a:xfrm>
-          <a:off x="0" y="0"/>
-          <a:ext cx="0" cy="0"/>
-          <a:chOff x="0" y="0"/>
-          <a:chExt cx="0" cy="0"/>
-        </a:xfrm>
-      </p:grpSpPr>
-      <p:sp>
-        <p:nvSpPr>
-          <p:cNvPr id="2" name="Titre 1"/>
-          <p:cNvSpPr>
-            <a:spLocks noGrp="1"/>
-          </p:cNvSpPr>
-          <p:nvPr>
-            <p:ph type="title"/>
-          </p:nvPr>
-        </p:nvSpPr>
-        <p:spPr/>
-        <p:txBody>
-          <a:bodyPr/>
-          <a:lstStyle/>
-          <a:p>
-            <a:r>
-              <a:rPr lang="fr-FR"/>
-              <a:t>Neurone</a:t>
-            </a:r>
-          </a:p>
-        </p:txBody>
-      </p:sp>
-      <p:sp>
-        <p:nvSpPr>
-          <p:cNvPr id="3" name="Espace réservé du contenu 2"/>
-          <p:cNvSpPr>
-            <a:spLocks noGrp="1"/>
-          </p:cNvSpPr>
-          <p:nvPr>
-            <p:ph idx="1"/>
-          </p:nvPr>
-        </p:nvSpPr>
-        <p:spPr/>
-        <p:txBody>
-          <a:bodyPr/>
-          <a:lstStyle/>
-          <a:p>
-            <a:r>
-              <a:rPr lang="fr-FR" dirty="0"/>
-              <a:t>En biologie un neurone est une cellule connecté à d’autre neurones qui a la faculté de laisser passer ou non un courant électrique</a:t>
-            </a:r>
-          </a:p>
-          <a:p>
-            <a:pPr lvl="1"/>
-            <a:r>
-              <a:rPr lang="fr-FR" dirty="0"/>
-              <a:t>Sa modélisation mathématique est appelé perceptron</a:t>
-            </a:r>
-          </a:p>
-          <a:p>
-            <a:endParaRPr lang="fr-FR" dirty="0"/>
-          </a:p>
-        </p:txBody>
-      </p:sp>
-      <p:pic>
-        <p:nvPicPr>
-          <p:cNvPr id="6146" name="Picture 2" descr="RÃ©sultat de recherche d'images pour &quot;neurone&quot;"/>
-          <p:cNvPicPr>
-            <a:picLocks noChangeAspect="1" noChangeArrowheads="1"/>
-          </p:cNvPicPr>
-          <p:nvPr/>
-        </p:nvPicPr>
-        <p:blipFill>
-          <a:blip r:embed="rId2">
-            <a:extLst>
-              <a:ext uri="{28A0092B-C50C-407E-A947-70E740481C1C}">
-                <a14:useLocalDpi xmlns:a14="http://schemas.microsoft.com/office/drawing/2010/main" val="0"/>
-              </a:ext>
-            </a:extLst>
-          </a:blip>
-          <a:srcRect/>
-          <a:stretch>
-            <a:fillRect/>
-          </a:stretch>
-        </p:blipFill>
-        <p:spPr bwMode="auto">
-          <a:xfrm>
-            <a:off x="2627784" y="3429000"/>
-            <a:ext cx="5184576" cy="2912774"/>
-          </a:xfrm>
-          <a:prstGeom prst="rect">
-            <a:avLst/>
-          </a:prstGeom>
-          <a:noFill/>
-          <a:extLst>
-            <a:ext uri="{909E8E84-426E-40DD-AFC4-6F175D3DCCD1}">
-              <a14:hiddenFill xmlns:a14="http://schemas.microsoft.com/office/drawing/2010/main">
-                <a:solidFill>
-                  <a:srgbClr val="FFFFFF"/>
-                </a:solidFill>
-              </a14:hiddenFill>
-            </a:ext>
-          </a:extLst>
-        </p:spPr>
-      </p:pic>
-    </p:spTree>
-    <p:extLst>
-      <p:ext uri="{BB962C8B-B14F-4D97-AF65-F5344CB8AC3E}">
-        <p14:creationId xmlns:p14="http://schemas.microsoft.com/office/powerpoint/2010/main" val="548719315"/>
-      </p:ext>
-    </p:extLst>
-  </p:cSld>
-  <p:clrMapOvr>
-    <a:masterClrMapping/>
-  </p:clrMapOvr>
-</p:sld>
-</file>
-
 <file path=ppt/slides/slide3.xml><?xml version="1.0" encoding="utf-8"?>
 <p:sld xmlns:a="http://schemas.openxmlformats.org/drawingml/2006/main" xmlns:r="http://schemas.openxmlformats.org/officeDocument/2006/relationships" xmlns:p="http://schemas.openxmlformats.org/presentationml/2006/main">
   <p:cSld>
@@ -6714,1533 +4274,6 @@
     <p:extLst>
       <p:ext uri="{BB962C8B-B14F-4D97-AF65-F5344CB8AC3E}">
         <p14:creationId xmlns:p14="http://schemas.microsoft.com/office/powerpoint/2010/main" val="1773936858"/>
-      </p:ext>
-    </p:extLst>
-  </p:cSld>
-  <p:clrMapOvr>
-    <a:masterClrMapping/>
-  </p:clrMapOvr>
-</p:sld>
-</file>
-
-<file path=ppt/slides/slide30.xml><?xml version="1.0" encoding="utf-8"?>
-<p:sld xmlns:a="http://schemas.openxmlformats.org/drawingml/2006/main" xmlns:r="http://schemas.openxmlformats.org/officeDocument/2006/relationships" xmlns:p="http://schemas.openxmlformats.org/presentationml/2006/main">
-  <p:cSld>
-    <p:spTree>
-      <p:nvGrpSpPr>
-        <p:cNvPr id="1" name=""/>
-        <p:cNvGrpSpPr/>
-        <p:nvPr/>
-      </p:nvGrpSpPr>
-      <p:grpSpPr>
-        <a:xfrm>
-          <a:off x="0" y="0"/>
-          <a:ext cx="0" cy="0"/>
-          <a:chOff x="0" y="0"/>
-          <a:chExt cx="0" cy="0"/>
-        </a:xfrm>
-      </p:grpSpPr>
-      <p:sp>
-        <p:nvSpPr>
-          <p:cNvPr id="2" name="Titre 1"/>
-          <p:cNvSpPr>
-            <a:spLocks noGrp="1"/>
-          </p:cNvSpPr>
-          <p:nvPr>
-            <p:ph type="title"/>
-          </p:nvPr>
-        </p:nvSpPr>
-        <p:spPr/>
-        <p:txBody>
-          <a:bodyPr/>
-          <a:lstStyle/>
-          <a:p>
-            <a:r>
-              <a:rPr lang="fr-FR" dirty="0"/>
-              <a:t>Neurone</a:t>
-            </a:r>
-          </a:p>
-        </p:txBody>
-      </p:sp>
-      <p:sp>
-        <p:nvSpPr>
-          <p:cNvPr id="3" name="Espace réservé du contenu 2"/>
-          <p:cNvSpPr>
-            <a:spLocks noGrp="1"/>
-          </p:cNvSpPr>
-          <p:nvPr>
-            <p:ph idx="1"/>
-          </p:nvPr>
-        </p:nvSpPr>
-        <p:spPr/>
-        <p:txBody>
-          <a:bodyPr/>
-          <a:lstStyle/>
-          <a:p>
-            <a:r>
-              <a:rPr lang="fr-FR" dirty="0"/>
-              <a:t>Un neurone possède plusieurs entrées (ix), une sortie (o), un seuil et une fonction d’activation (f)</a:t>
-            </a:r>
-          </a:p>
-          <a:p>
-            <a:r>
-              <a:rPr lang="fr-FR" dirty="0"/>
-              <a:t>Chaque entrée possède un poids (</a:t>
-            </a:r>
-            <a:r>
-              <a:rPr lang="fr-FR" dirty="0" err="1"/>
-              <a:t>Wx</a:t>
-            </a:r>
-            <a:r>
-              <a:rPr lang="fr-FR" dirty="0"/>
-              <a:t>)</a:t>
-            </a:r>
-          </a:p>
-          <a:p>
-            <a:endParaRPr lang="fr-FR" dirty="0"/>
-          </a:p>
-        </p:txBody>
-      </p:sp>
-      <p:pic>
-        <p:nvPicPr>
-          <p:cNvPr id="1026" name="Picture 2" descr="Schéma d'un perceptron à n entrées."/>
-          <p:cNvPicPr>
-            <a:picLocks noChangeAspect="1" noChangeArrowheads="1"/>
-          </p:cNvPicPr>
-          <p:nvPr/>
-        </p:nvPicPr>
-        <p:blipFill>
-          <a:blip r:embed="rId2">
-            <a:extLst>
-              <a:ext uri="{28A0092B-C50C-407E-A947-70E740481C1C}">
-                <a14:useLocalDpi xmlns:a14="http://schemas.microsoft.com/office/drawing/2010/main" val="0"/>
-              </a:ext>
-            </a:extLst>
-          </a:blip>
-          <a:srcRect/>
-          <a:stretch>
-            <a:fillRect/>
-          </a:stretch>
-        </p:blipFill>
-        <p:spPr bwMode="auto">
-          <a:xfrm>
-            <a:off x="1216473" y="2719205"/>
-            <a:ext cx="5640561" cy="3990698"/>
-          </a:xfrm>
-          <a:prstGeom prst="rect">
-            <a:avLst/>
-          </a:prstGeom>
-          <a:noFill/>
-          <a:extLst>
-            <a:ext uri="{909E8E84-426E-40DD-AFC4-6F175D3DCCD1}">
-              <a14:hiddenFill xmlns:a14="http://schemas.microsoft.com/office/drawing/2010/main">
-                <a:solidFill>
-                  <a:srgbClr val="FFFFFF"/>
-                </a:solidFill>
-              </a14:hiddenFill>
-            </a:ext>
-          </a:extLst>
-        </p:spPr>
-      </p:pic>
-    </p:spTree>
-    <p:extLst>
-      <p:ext uri="{BB962C8B-B14F-4D97-AF65-F5344CB8AC3E}">
-        <p14:creationId xmlns:p14="http://schemas.microsoft.com/office/powerpoint/2010/main" val="176497300"/>
-      </p:ext>
-    </p:extLst>
-  </p:cSld>
-  <p:clrMapOvr>
-    <a:masterClrMapping/>
-  </p:clrMapOvr>
-</p:sld>
-</file>
-
-<file path=ppt/slides/slide31.xml><?xml version="1.0" encoding="utf-8"?>
-<p:sld xmlns:a="http://schemas.openxmlformats.org/drawingml/2006/main" xmlns:r="http://schemas.openxmlformats.org/officeDocument/2006/relationships" xmlns:p="http://schemas.openxmlformats.org/presentationml/2006/main">
-  <p:cSld>
-    <p:spTree>
-      <p:nvGrpSpPr>
-        <p:cNvPr id="1" name=""/>
-        <p:cNvGrpSpPr/>
-        <p:nvPr/>
-      </p:nvGrpSpPr>
-      <p:grpSpPr>
-        <a:xfrm>
-          <a:off x="0" y="0"/>
-          <a:ext cx="0" cy="0"/>
-          <a:chOff x="0" y="0"/>
-          <a:chExt cx="0" cy="0"/>
-        </a:xfrm>
-      </p:grpSpPr>
-      <p:sp>
-        <p:nvSpPr>
-          <p:cNvPr id="2" name="Titre 1"/>
-          <p:cNvSpPr>
-            <a:spLocks noGrp="1"/>
-          </p:cNvSpPr>
-          <p:nvPr>
-            <p:ph type="title"/>
-          </p:nvPr>
-        </p:nvSpPr>
-        <p:spPr/>
-        <p:txBody>
-          <a:bodyPr/>
-          <a:lstStyle/>
-          <a:p>
-            <a:r>
-              <a:rPr lang="fr-FR" dirty="0"/>
-              <a:t>Réseaux</a:t>
-            </a:r>
-          </a:p>
-        </p:txBody>
-      </p:sp>
-      <p:sp>
-        <p:nvSpPr>
-          <p:cNvPr id="3" name="Espace réservé du contenu 2"/>
-          <p:cNvSpPr>
-            <a:spLocks noGrp="1"/>
-          </p:cNvSpPr>
-          <p:nvPr>
-            <p:ph idx="1"/>
-          </p:nvPr>
-        </p:nvSpPr>
-        <p:spPr/>
-        <p:txBody>
-          <a:bodyPr/>
-          <a:lstStyle/>
-          <a:p>
-            <a:r>
-              <a:rPr lang="fr-FR" dirty="0"/>
-              <a:t>Les neurones peuvent être mis en réseaux</a:t>
-            </a:r>
-          </a:p>
-          <a:p>
-            <a:pPr lvl="1"/>
-            <a:r>
-              <a:rPr lang="fr-FR" dirty="0"/>
-              <a:t>En arbre (MLP)</a:t>
-            </a:r>
-          </a:p>
-          <a:p>
-            <a:pPr lvl="1"/>
-            <a:r>
-              <a:rPr lang="fr-FR" dirty="0"/>
-              <a:t>En graphe (plus complexe)</a:t>
-            </a:r>
-          </a:p>
-          <a:p>
-            <a:pPr lvl="1"/>
-            <a:r>
-              <a:rPr lang="fr-FR" dirty="0"/>
-              <a:t>Poids multiples</a:t>
-            </a:r>
-          </a:p>
-          <a:p>
-            <a:r>
-              <a:rPr lang="fr-FR" dirty="0"/>
-              <a:t>Très couteux</a:t>
-            </a:r>
-          </a:p>
-          <a:p>
-            <a:pPr lvl="1"/>
-            <a:r>
-              <a:rPr lang="fr-FR" dirty="0"/>
-              <a:t>Mais donne de très bon résultats</a:t>
-            </a:r>
-          </a:p>
-          <a:p>
-            <a:pPr lvl="1"/>
-            <a:r>
-              <a:rPr lang="fr-FR" dirty="0"/>
-              <a:t>Maitrise l’addition sur 4 bits avec 10 neurones et 10000 itérations</a:t>
-            </a:r>
-          </a:p>
-          <a:p>
-            <a:r>
-              <a:rPr lang="fr-FR" dirty="0" err="1"/>
-              <a:t>Backpropagation</a:t>
-            </a:r>
-            <a:r>
-              <a:rPr lang="fr-FR"/>
-              <a:t> complexe</a:t>
-            </a:r>
-            <a:endParaRPr lang="fr-FR" dirty="0"/>
-          </a:p>
-        </p:txBody>
-      </p:sp>
-      <p:pic>
-        <p:nvPicPr>
-          <p:cNvPr id="3074" name="Picture 2" descr="../_images/multilayerperceptron_network.png"/>
-          <p:cNvPicPr>
-            <a:picLocks noChangeAspect="1" noChangeArrowheads="1"/>
-          </p:cNvPicPr>
-          <p:nvPr/>
-        </p:nvPicPr>
-        <p:blipFill>
-          <a:blip r:embed="rId2" cstate="print">
-            <a:extLst>
-              <a:ext uri="{28A0092B-C50C-407E-A947-70E740481C1C}">
-                <a14:useLocalDpi xmlns:a14="http://schemas.microsoft.com/office/drawing/2010/main" val="0"/>
-              </a:ext>
-            </a:extLst>
-          </a:blip>
-          <a:srcRect/>
-          <a:stretch>
-            <a:fillRect/>
-          </a:stretch>
-        </p:blipFill>
-        <p:spPr bwMode="auto">
-          <a:xfrm>
-            <a:off x="6516216" y="1930341"/>
-            <a:ext cx="2088232" cy="2269585"/>
-          </a:xfrm>
-          <a:prstGeom prst="rect">
-            <a:avLst/>
-          </a:prstGeom>
-          <a:noFill/>
-          <a:extLst>
-            <a:ext uri="{909E8E84-426E-40DD-AFC4-6F175D3DCCD1}">
-              <a14:hiddenFill xmlns:a14="http://schemas.microsoft.com/office/drawing/2010/main">
-                <a:solidFill>
-                  <a:srgbClr val="FFFFFF"/>
-                </a:solidFill>
-              </a14:hiddenFill>
-            </a:ext>
-          </a:extLst>
-        </p:spPr>
-      </p:pic>
-    </p:spTree>
-    <p:extLst>
-      <p:ext uri="{BB962C8B-B14F-4D97-AF65-F5344CB8AC3E}">
-        <p14:creationId xmlns:p14="http://schemas.microsoft.com/office/powerpoint/2010/main" val="2978072789"/>
-      </p:ext>
-    </p:extLst>
-  </p:cSld>
-  <p:clrMapOvr>
-    <a:masterClrMapping/>
-  </p:clrMapOvr>
-</p:sld>
-</file>
-
-<file path=ppt/slides/slide32.xml><?xml version="1.0" encoding="utf-8"?>
-<p:sld xmlns:a="http://schemas.openxmlformats.org/drawingml/2006/main" xmlns:r="http://schemas.openxmlformats.org/officeDocument/2006/relationships" xmlns:p="http://schemas.openxmlformats.org/presentationml/2006/main">
-  <p:cSld>
-    <p:spTree>
-      <p:nvGrpSpPr>
-        <p:cNvPr id="1" name=""/>
-        <p:cNvGrpSpPr/>
-        <p:nvPr/>
-      </p:nvGrpSpPr>
-      <p:grpSpPr>
-        <a:xfrm>
-          <a:off x="0" y="0"/>
-          <a:ext cx="0" cy="0"/>
-          <a:chOff x="0" y="0"/>
-          <a:chExt cx="0" cy="0"/>
-        </a:xfrm>
-      </p:grpSpPr>
-      <p:sp>
-        <p:nvSpPr>
-          <p:cNvPr id="2" name="Titre 1"/>
-          <p:cNvSpPr>
-            <a:spLocks noGrp="1"/>
-          </p:cNvSpPr>
-          <p:nvPr>
-            <p:ph type="title"/>
-          </p:nvPr>
-        </p:nvSpPr>
-        <p:spPr/>
-        <p:txBody>
-          <a:bodyPr/>
-          <a:lstStyle/>
-          <a:p>
-            <a:r>
-              <a:rPr lang="fr-FR" dirty="0"/>
-              <a:t>Workflow</a:t>
-            </a:r>
-          </a:p>
-        </p:txBody>
-      </p:sp>
-      <p:pic>
-        <p:nvPicPr>
-          <p:cNvPr id="1026" name="Picture 2" descr="Cycle de travail du data scientist - en.wikipedia.org/wiki/Data_science pouet"/>
-          <p:cNvPicPr>
-            <a:picLocks noGrp="1" noChangeAspect="1" noChangeArrowheads="1"/>
-          </p:cNvPicPr>
-          <p:nvPr>
-            <p:ph idx="1"/>
-          </p:nvPr>
-        </p:nvPicPr>
-        <p:blipFill>
-          <a:blip r:embed="rId2">
-            <a:extLst>
-              <a:ext uri="{28A0092B-C50C-407E-A947-70E740481C1C}">
-                <a14:useLocalDpi xmlns:a14="http://schemas.microsoft.com/office/drawing/2010/main" val="0"/>
-              </a:ext>
-            </a:extLst>
-          </a:blip>
-          <a:srcRect/>
-          <a:stretch>
-            <a:fillRect/>
-          </a:stretch>
-        </p:blipFill>
-        <p:spPr bwMode="auto">
-          <a:xfrm>
-            <a:off x="1547664" y="1484784"/>
-            <a:ext cx="5415111" cy="4061333"/>
-          </a:xfrm>
-          <a:prstGeom prst="rect">
-            <a:avLst/>
-          </a:prstGeom>
-          <a:noFill/>
-          <a:extLst>
-            <a:ext uri="{909E8E84-426E-40DD-AFC4-6F175D3DCCD1}">
-              <a14:hiddenFill xmlns:a14="http://schemas.microsoft.com/office/drawing/2010/main">
-                <a:solidFill>
-                  <a:srgbClr val="FFFFFF"/>
-                </a:solidFill>
-              </a14:hiddenFill>
-            </a:ext>
-          </a:extLst>
-        </p:spPr>
-      </p:pic>
-    </p:spTree>
-    <p:extLst>
-      <p:ext uri="{BB962C8B-B14F-4D97-AF65-F5344CB8AC3E}">
-        <p14:creationId xmlns:p14="http://schemas.microsoft.com/office/powerpoint/2010/main" val="4247828387"/>
-      </p:ext>
-    </p:extLst>
-  </p:cSld>
-  <p:clrMapOvr>
-    <a:masterClrMapping/>
-  </p:clrMapOvr>
-</p:sld>
-</file>
-
-<file path=ppt/slides/slide33.xml><?xml version="1.0" encoding="utf-8"?>
-<p:sld xmlns:a="http://schemas.openxmlformats.org/drawingml/2006/main" xmlns:r="http://schemas.openxmlformats.org/officeDocument/2006/relationships" xmlns:p="http://schemas.openxmlformats.org/presentationml/2006/main">
-  <p:cSld>
-    <p:spTree>
-      <p:nvGrpSpPr>
-        <p:cNvPr id="1" name=""/>
-        <p:cNvGrpSpPr/>
-        <p:nvPr/>
-      </p:nvGrpSpPr>
-      <p:grpSpPr>
-        <a:xfrm>
-          <a:off x="0" y="0"/>
-          <a:ext cx="0" cy="0"/>
-          <a:chOff x="0" y="0"/>
-          <a:chExt cx="0" cy="0"/>
-        </a:xfrm>
-      </p:grpSpPr>
-      <p:sp>
-        <p:nvSpPr>
-          <p:cNvPr id="2" name="Titre 1">
-            <a:extLst>
-              <a:ext uri="{FF2B5EF4-FFF2-40B4-BE49-F238E27FC236}">
-                <a16:creationId xmlns:a16="http://schemas.microsoft.com/office/drawing/2014/main" id="{553CA38B-3BB0-4629-BF22-7D4D4C6D2943}"/>
-              </a:ext>
-            </a:extLst>
-          </p:cNvPr>
-          <p:cNvSpPr>
-            <a:spLocks noGrp="1"/>
-          </p:cNvSpPr>
-          <p:nvPr>
-            <p:ph type="title"/>
-          </p:nvPr>
-        </p:nvSpPr>
-        <p:spPr/>
-        <p:txBody>
-          <a:bodyPr/>
-          <a:lstStyle/>
-          <a:p>
-            <a:r>
-              <a:rPr lang="fr-FR" dirty="0"/>
-              <a:t>Les enjeux 1/3</a:t>
-            </a:r>
-          </a:p>
-        </p:txBody>
-      </p:sp>
-      <p:sp>
-        <p:nvSpPr>
-          <p:cNvPr id="7" name="Espace réservé du contenu 2">
-            <a:extLst>
-              <a:ext uri="{FF2B5EF4-FFF2-40B4-BE49-F238E27FC236}">
-                <a16:creationId xmlns:a16="http://schemas.microsoft.com/office/drawing/2014/main" id="{62CAC85E-A812-47F9-A7C5-91F75568AA15}"/>
-              </a:ext>
-            </a:extLst>
-          </p:cNvPr>
-          <p:cNvSpPr txBox="1">
-            <a:spLocks/>
-          </p:cNvSpPr>
-          <p:nvPr/>
-        </p:nvSpPr>
-        <p:spPr>
-          <a:xfrm>
-            <a:off x="628650" y="2226469"/>
-            <a:ext cx="7886700" cy="3263504"/>
-          </a:xfrm>
-          <a:prstGeom prst="rect">
-            <a:avLst/>
-          </a:prstGeom>
-        </p:spPr>
-        <p:txBody>
-          <a:bodyPr/>
-          <a:lstStyle>
-            <a:lvl1pPr marL="228600" indent="-228600" algn="l" defTabSz="914400" rtl="0" eaLnBrk="1" latinLnBrk="0" hangingPunct="1">
-              <a:lnSpc>
-                <a:spcPct val="90000"/>
-              </a:lnSpc>
-              <a:spcBef>
-                <a:spcPts val="1000"/>
-              </a:spcBef>
-              <a:buFont typeface="Arial" panose="020B0604020202020204" pitchFamily="34" charset="0"/>
-              <a:buChar char="•"/>
-              <a:defRPr sz="2800" kern="1200">
-                <a:solidFill>
-                  <a:schemeClr val="tx1"/>
-                </a:solidFill>
-                <a:latin typeface="+mn-lt"/>
-                <a:ea typeface="+mn-ea"/>
-                <a:cs typeface="+mn-cs"/>
-              </a:defRPr>
-            </a:lvl1pPr>
-            <a:lvl2pPr marL="685800" indent="-228600" algn="l" defTabSz="914400" rtl="0" eaLnBrk="1" latinLnBrk="0" hangingPunct="1">
-              <a:lnSpc>
-                <a:spcPct val="90000"/>
-              </a:lnSpc>
-              <a:spcBef>
-                <a:spcPts val="500"/>
-              </a:spcBef>
-              <a:buFont typeface="Arial" panose="020B0604020202020204" pitchFamily="34" charset="0"/>
-              <a:buChar char="•"/>
-              <a:defRPr sz="2400" kern="1200">
-                <a:solidFill>
-                  <a:schemeClr val="tx1"/>
-                </a:solidFill>
-                <a:latin typeface="+mn-lt"/>
-                <a:ea typeface="+mn-ea"/>
-                <a:cs typeface="+mn-cs"/>
-              </a:defRPr>
-            </a:lvl2pPr>
-            <a:lvl3pPr marL="1143000" indent="-228600" algn="l" defTabSz="914400" rtl="0" eaLnBrk="1" latinLnBrk="0" hangingPunct="1">
-              <a:lnSpc>
-                <a:spcPct val="90000"/>
-              </a:lnSpc>
-              <a:spcBef>
-                <a:spcPts val="500"/>
-              </a:spcBef>
-              <a:buFont typeface="Arial" panose="020B0604020202020204" pitchFamily="34" charset="0"/>
-              <a:buChar char="•"/>
-              <a:defRPr sz="2000" kern="1200">
-                <a:solidFill>
-                  <a:schemeClr val="tx1"/>
-                </a:solidFill>
-                <a:latin typeface="+mn-lt"/>
-                <a:ea typeface="+mn-ea"/>
-                <a:cs typeface="+mn-cs"/>
-              </a:defRPr>
-            </a:lvl3pPr>
-            <a:lvl4pPr marL="1600200" indent="-228600" algn="l" defTabSz="914400" rtl="0" eaLnBrk="1" latinLnBrk="0" hangingPunct="1">
-              <a:lnSpc>
-                <a:spcPct val="90000"/>
-              </a:lnSpc>
-              <a:spcBef>
-                <a:spcPts val="500"/>
-              </a:spcBef>
-              <a:buFont typeface="Arial" panose="020B0604020202020204" pitchFamily="34" charset="0"/>
-              <a:buChar char="•"/>
-              <a:defRPr sz="1800" kern="1200">
-                <a:solidFill>
-                  <a:schemeClr val="tx1"/>
-                </a:solidFill>
-                <a:latin typeface="+mn-lt"/>
-                <a:ea typeface="+mn-ea"/>
-                <a:cs typeface="+mn-cs"/>
-              </a:defRPr>
-            </a:lvl4pPr>
-            <a:lvl5pPr marL="2057400" indent="-228600" algn="l" defTabSz="914400" rtl="0" eaLnBrk="1" latinLnBrk="0" hangingPunct="1">
-              <a:lnSpc>
-                <a:spcPct val="90000"/>
-              </a:lnSpc>
-              <a:spcBef>
-                <a:spcPts val="500"/>
-              </a:spcBef>
-              <a:buFont typeface="Arial" panose="020B0604020202020204" pitchFamily="34" charset="0"/>
-              <a:buChar char="•"/>
-              <a:defRPr sz="1800" kern="1200">
-                <a:solidFill>
-                  <a:schemeClr val="tx1"/>
-                </a:solidFill>
-                <a:latin typeface="+mn-lt"/>
-                <a:ea typeface="+mn-ea"/>
-                <a:cs typeface="+mn-cs"/>
-              </a:defRPr>
-            </a:lvl5pPr>
-            <a:lvl6pPr marL="2514600" indent="-228600" algn="l" defTabSz="914400" rtl="0" eaLnBrk="1" latinLnBrk="0" hangingPunct="1">
-              <a:lnSpc>
-                <a:spcPct val="90000"/>
-              </a:lnSpc>
-              <a:spcBef>
-                <a:spcPts val="500"/>
-              </a:spcBef>
-              <a:buFont typeface="Arial" panose="020B0604020202020204" pitchFamily="34" charset="0"/>
-              <a:buChar char="•"/>
-              <a:defRPr sz="1800" kern="1200">
-                <a:solidFill>
-                  <a:schemeClr val="tx1"/>
-                </a:solidFill>
-                <a:latin typeface="+mn-lt"/>
-                <a:ea typeface="+mn-ea"/>
-                <a:cs typeface="+mn-cs"/>
-              </a:defRPr>
-            </a:lvl6pPr>
-            <a:lvl7pPr marL="2971800" indent="-228600" algn="l" defTabSz="914400" rtl="0" eaLnBrk="1" latinLnBrk="0" hangingPunct="1">
-              <a:lnSpc>
-                <a:spcPct val="90000"/>
-              </a:lnSpc>
-              <a:spcBef>
-                <a:spcPts val="500"/>
-              </a:spcBef>
-              <a:buFont typeface="Arial" panose="020B0604020202020204" pitchFamily="34" charset="0"/>
-              <a:buChar char="•"/>
-              <a:defRPr sz="1800" kern="1200">
-                <a:solidFill>
-                  <a:schemeClr val="tx1"/>
-                </a:solidFill>
-                <a:latin typeface="+mn-lt"/>
-                <a:ea typeface="+mn-ea"/>
-                <a:cs typeface="+mn-cs"/>
-              </a:defRPr>
-            </a:lvl7pPr>
-            <a:lvl8pPr marL="3429000" indent="-228600" algn="l" defTabSz="914400" rtl="0" eaLnBrk="1" latinLnBrk="0" hangingPunct="1">
-              <a:lnSpc>
-                <a:spcPct val="90000"/>
-              </a:lnSpc>
-              <a:spcBef>
-                <a:spcPts val="500"/>
-              </a:spcBef>
-              <a:buFont typeface="Arial" panose="020B0604020202020204" pitchFamily="34" charset="0"/>
-              <a:buChar char="•"/>
-              <a:defRPr sz="1800" kern="1200">
-                <a:solidFill>
-                  <a:schemeClr val="tx1"/>
-                </a:solidFill>
-                <a:latin typeface="+mn-lt"/>
-                <a:ea typeface="+mn-ea"/>
-                <a:cs typeface="+mn-cs"/>
-              </a:defRPr>
-            </a:lvl8pPr>
-            <a:lvl9pPr marL="3886200" indent="-228600" algn="l" defTabSz="914400" rtl="0" eaLnBrk="1" latinLnBrk="0" hangingPunct="1">
-              <a:lnSpc>
-                <a:spcPct val="90000"/>
-              </a:lnSpc>
-              <a:spcBef>
-                <a:spcPts val="500"/>
-              </a:spcBef>
-              <a:buFont typeface="Arial" panose="020B0604020202020204" pitchFamily="34" charset="0"/>
-              <a:buChar char="•"/>
-              <a:defRPr sz="1800" kern="1200">
-                <a:solidFill>
-                  <a:schemeClr val="tx1"/>
-                </a:solidFill>
-                <a:latin typeface="+mn-lt"/>
-                <a:ea typeface="+mn-ea"/>
-                <a:cs typeface="+mn-cs"/>
-              </a:defRPr>
-            </a:lvl9pPr>
-          </a:lstStyle>
-          <a:p>
-            <a:r>
-              <a:rPr lang="fr-FR" sz="2100" b="1" dirty="0">
-                <a:solidFill>
-                  <a:srgbClr val="111111"/>
-                </a:solidFill>
-                <a:latin typeface="Arial" panose="020B0604020202020204" pitchFamily="34" charset="0"/>
-              </a:rPr>
-              <a:t>Constituer et donner accès à de très grands jeux de données de qualité</a:t>
-            </a:r>
-          </a:p>
-          <a:p>
-            <a:pPr lvl="1"/>
-            <a:r>
-              <a:rPr lang="fr-FR" sz="1800" dirty="0"/>
-              <a:t>le principal facteur limitant à l’heure actuelle n’est pas la technologie mais l’accès à des données de qualité.</a:t>
-            </a:r>
-          </a:p>
-          <a:p>
-            <a:pPr lvl="1"/>
-            <a:r>
-              <a:rPr lang="fr-FR" sz="1800" dirty="0"/>
-              <a:t>L’accès à des données massives, corrélées, complètes, qualifiées, historisées, est une clé technologique majeure de mise au point de technologies d’intelligence artificielle aujourd’hui</a:t>
-            </a:r>
-          </a:p>
-        </p:txBody>
-      </p:sp>
-    </p:spTree>
-    <p:extLst>
-      <p:ext uri="{BB962C8B-B14F-4D97-AF65-F5344CB8AC3E}">
-        <p14:creationId xmlns:p14="http://schemas.microsoft.com/office/powerpoint/2010/main" val="3326188260"/>
-      </p:ext>
-    </p:extLst>
-  </p:cSld>
-  <p:clrMapOvr>
-    <a:masterClrMapping/>
-  </p:clrMapOvr>
-</p:sld>
-</file>
-
-<file path=ppt/slides/slide34.xml><?xml version="1.0" encoding="utf-8"?>
-<p:sld xmlns:a="http://schemas.openxmlformats.org/drawingml/2006/main" xmlns:r="http://schemas.openxmlformats.org/officeDocument/2006/relationships" xmlns:p="http://schemas.openxmlformats.org/presentationml/2006/main">
-  <p:cSld>
-    <p:spTree>
-      <p:nvGrpSpPr>
-        <p:cNvPr id="1" name=""/>
-        <p:cNvGrpSpPr/>
-        <p:nvPr/>
-      </p:nvGrpSpPr>
-      <p:grpSpPr>
-        <a:xfrm>
-          <a:off x="0" y="0"/>
-          <a:ext cx="0" cy="0"/>
-          <a:chOff x="0" y="0"/>
-          <a:chExt cx="0" cy="0"/>
-        </a:xfrm>
-      </p:grpSpPr>
-      <p:sp>
-        <p:nvSpPr>
-          <p:cNvPr id="2" name="Titre 1"/>
-          <p:cNvSpPr>
-            <a:spLocks noGrp="1"/>
-          </p:cNvSpPr>
-          <p:nvPr>
-            <p:ph type="title"/>
-          </p:nvPr>
-        </p:nvSpPr>
-        <p:spPr/>
-        <p:txBody>
-          <a:bodyPr/>
-          <a:lstStyle/>
-          <a:p>
-            <a:r>
-              <a:rPr lang="fr-FR" dirty="0"/>
-              <a:t>Les nouvelles sources de données</a:t>
-            </a:r>
-          </a:p>
-        </p:txBody>
-      </p:sp>
-      <p:sp>
-        <p:nvSpPr>
-          <p:cNvPr id="3" name="Espace réservé du contenu 2"/>
-          <p:cNvSpPr>
-            <a:spLocks noGrp="1"/>
-          </p:cNvSpPr>
-          <p:nvPr>
-            <p:ph idx="1"/>
-          </p:nvPr>
-        </p:nvSpPr>
-        <p:spPr/>
-        <p:txBody>
-          <a:bodyPr/>
-          <a:lstStyle/>
-          <a:p>
-            <a:endParaRPr lang="fr-FR" dirty="0"/>
-          </a:p>
-        </p:txBody>
-      </p:sp>
-      <p:pic>
-        <p:nvPicPr>
-          <p:cNvPr id="1026" name="Picture 2" descr="Nouvelles sources de données Big Data"/>
-          <p:cNvPicPr>
-            <a:picLocks noChangeAspect="1" noChangeArrowheads="1"/>
-          </p:cNvPicPr>
-          <p:nvPr/>
-        </p:nvPicPr>
-        <p:blipFill>
-          <a:blip r:embed="rId2">
-            <a:extLst>
-              <a:ext uri="{28A0092B-C50C-407E-A947-70E740481C1C}">
-                <a14:useLocalDpi xmlns:a14="http://schemas.microsoft.com/office/drawing/2010/main" val="0"/>
-              </a:ext>
-            </a:extLst>
-          </a:blip>
-          <a:srcRect/>
-          <a:stretch>
-            <a:fillRect/>
-          </a:stretch>
-        </p:blipFill>
-        <p:spPr bwMode="auto">
-          <a:xfrm>
-            <a:off x="1709682" y="2186862"/>
-            <a:ext cx="5837663" cy="3269091"/>
-          </a:xfrm>
-          <a:prstGeom prst="rect">
-            <a:avLst/>
-          </a:prstGeom>
-          <a:noFill/>
-          <a:extLst>
-            <a:ext uri="{909E8E84-426E-40DD-AFC4-6F175D3DCCD1}">
-              <a14:hiddenFill xmlns:a14="http://schemas.microsoft.com/office/drawing/2010/main">
-                <a:solidFill>
-                  <a:srgbClr val="FFFFFF"/>
-                </a:solidFill>
-              </a14:hiddenFill>
-            </a:ext>
-          </a:extLst>
-        </p:spPr>
-      </p:pic>
-    </p:spTree>
-    <p:extLst>
-      <p:ext uri="{BB962C8B-B14F-4D97-AF65-F5344CB8AC3E}">
-        <p14:creationId xmlns:p14="http://schemas.microsoft.com/office/powerpoint/2010/main" val="419766916"/>
-      </p:ext>
-    </p:extLst>
-  </p:cSld>
-  <p:clrMapOvr>
-    <a:masterClrMapping/>
-  </p:clrMapOvr>
-</p:sld>
-</file>
-
-<file path=ppt/slides/slide35.xml><?xml version="1.0" encoding="utf-8"?>
-<p:sld xmlns:a="http://schemas.openxmlformats.org/drawingml/2006/main" xmlns:r="http://schemas.openxmlformats.org/officeDocument/2006/relationships" xmlns:p="http://schemas.openxmlformats.org/presentationml/2006/main">
-  <p:cSld>
-    <p:spTree>
-      <p:nvGrpSpPr>
-        <p:cNvPr id="1" name=""/>
-        <p:cNvGrpSpPr/>
-        <p:nvPr/>
-      </p:nvGrpSpPr>
-      <p:grpSpPr>
-        <a:xfrm>
-          <a:off x="0" y="0"/>
-          <a:ext cx="0" cy="0"/>
-          <a:chOff x="0" y="0"/>
-          <a:chExt cx="0" cy="0"/>
-        </a:xfrm>
-      </p:grpSpPr>
-      <p:sp>
-        <p:nvSpPr>
-          <p:cNvPr id="2" name="Titre 1">
-            <a:extLst>
-              <a:ext uri="{FF2B5EF4-FFF2-40B4-BE49-F238E27FC236}">
-                <a16:creationId xmlns:a16="http://schemas.microsoft.com/office/drawing/2014/main" id="{553CA38B-3BB0-4629-BF22-7D4D4C6D2943}"/>
-              </a:ext>
-            </a:extLst>
-          </p:cNvPr>
-          <p:cNvSpPr>
-            <a:spLocks noGrp="1"/>
-          </p:cNvSpPr>
-          <p:nvPr>
-            <p:ph type="title"/>
-          </p:nvPr>
-        </p:nvSpPr>
-        <p:spPr/>
-        <p:txBody>
-          <a:bodyPr/>
-          <a:lstStyle/>
-          <a:p>
-            <a:r>
-              <a:rPr lang="fr-FR" dirty="0"/>
-              <a:t>Les enjeux 2/3</a:t>
-            </a:r>
-          </a:p>
-        </p:txBody>
-      </p:sp>
-      <p:sp>
-        <p:nvSpPr>
-          <p:cNvPr id="7" name="Espace réservé du contenu 2">
-            <a:extLst>
-              <a:ext uri="{FF2B5EF4-FFF2-40B4-BE49-F238E27FC236}">
-                <a16:creationId xmlns:a16="http://schemas.microsoft.com/office/drawing/2014/main" id="{62CAC85E-A812-47F9-A7C5-91F75568AA15}"/>
-              </a:ext>
-            </a:extLst>
-          </p:cNvPr>
-          <p:cNvSpPr txBox="1">
-            <a:spLocks/>
-          </p:cNvSpPr>
-          <p:nvPr/>
-        </p:nvSpPr>
-        <p:spPr>
-          <a:xfrm>
-            <a:off x="628650" y="2226469"/>
-            <a:ext cx="7886700" cy="3263504"/>
-          </a:xfrm>
-          <a:prstGeom prst="rect">
-            <a:avLst/>
-          </a:prstGeom>
-        </p:spPr>
-        <p:txBody>
-          <a:bodyPr/>
-          <a:lstStyle>
-            <a:lvl1pPr marL="228600" indent="-228600" algn="l" defTabSz="914400" rtl="0" eaLnBrk="1" latinLnBrk="0" hangingPunct="1">
-              <a:lnSpc>
-                <a:spcPct val="90000"/>
-              </a:lnSpc>
-              <a:spcBef>
-                <a:spcPts val="1000"/>
-              </a:spcBef>
-              <a:buFont typeface="Arial" panose="020B0604020202020204" pitchFamily="34" charset="0"/>
-              <a:buChar char="•"/>
-              <a:defRPr sz="2800" kern="1200">
-                <a:solidFill>
-                  <a:schemeClr val="tx1"/>
-                </a:solidFill>
-                <a:latin typeface="+mn-lt"/>
-                <a:ea typeface="+mn-ea"/>
-                <a:cs typeface="+mn-cs"/>
-              </a:defRPr>
-            </a:lvl1pPr>
-            <a:lvl2pPr marL="685800" indent="-228600" algn="l" defTabSz="914400" rtl="0" eaLnBrk="1" latinLnBrk="0" hangingPunct="1">
-              <a:lnSpc>
-                <a:spcPct val="90000"/>
-              </a:lnSpc>
-              <a:spcBef>
-                <a:spcPts val="500"/>
-              </a:spcBef>
-              <a:buFont typeface="Arial" panose="020B0604020202020204" pitchFamily="34" charset="0"/>
-              <a:buChar char="•"/>
-              <a:defRPr sz="2400" kern="1200">
-                <a:solidFill>
-                  <a:schemeClr val="tx1"/>
-                </a:solidFill>
-                <a:latin typeface="+mn-lt"/>
-                <a:ea typeface="+mn-ea"/>
-                <a:cs typeface="+mn-cs"/>
-              </a:defRPr>
-            </a:lvl2pPr>
-            <a:lvl3pPr marL="1143000" indent="-228600" algn="l" defTabSz="914400" rtl="0" eaLnBrk="1" latinLnBrk="0" hangingPunct="1">
-              <a:lnSpc>
-                <a:spcPct val="90000"/>
-              </a:lnSpc>
-              <a:spcBef>
-                <a:spcPts val="500"/>
-              </a:spcBef>
-              <a:buFont typeface="Arial" panose="020B0604020202020204" pitchFamily="34" charset="0"/>
-              <a:buChar char="•"/>
-              <a:defRPr sz="2000" kern="1200">
-                <a:solidFill>
-                  <a:schemeClr val="tx1"/>
-                </a:solidFill>
-                <a:latin typeface="+mn-lt"/>
-                <a:ea typeface="+mn-ea"/>
-                <a:cs typeface="+mn-cs"/>
-              </a:defRPr>
-            </a:lvl3pPr>
-            <a:lvl4pPr marL="1600200" indent="-228600" algn="l" defTabSz="914400" rtl="0" eaLnBrk="1" latinLnBrk="0" hangingPunct="1">
-              <a:lnSpc>
-                <a:spcPct val="90000"/>
-              </a:lnSpc>
-              <a:spcBef>
-                <a:spcPts val="500"/>
-              </a:spcBef>
-              <a:buFont typeface="Arial" panose="020B0604020202020204" pitchFamily="34" charset="0"/>
-              <a:buChar char="•"/>
-              <a:defRPr sz="1800" kern="1200">
-                <a:solidFill>
-                  <a:schemeClr val="tx1"/>
-                </a:solidFill>
-                <a:latin typeface="+mn-lt"/>
-                <a:ea typeface="+mn-ea"/>
-                <a:cs typeface="+mn-cs"/>
-              </a:defRPr>
-            </a:lvl4pPr>
-            <a:lvl5pPr marL="2057400" indent="-228600" algn="l" defTabSz="914400" rtl="0" eaLnBrk="1" latinLnBrk="0" hangingPunct="1">
-              <a:lnSpc>
-                <a:spcPct val="90000"/>
-              </a:lnSpc>
-              <a:spcBef>
-                <a:spcPts val="500"/>
-              </a:spcBef>
-              <a:buFont typeface="Arial" panose="020B0604020202020204" pitchFamily="34" charset="0"/>
-              <a:buChar char="•"/>
-              <a:defRPr sz="1800" kern="1200">
-                <a:solidFill>
-                  <a:schemeClr val="tx1"/>
-                </a:solidFill>
-                <a:latin typeface="+mn-lt"/>
-                <a:ea typeface="+mn-ea"/>
-                <a:cs typeface="+mn-cs"/>
-              </a:defRPr>
-            </a:lvl5pPr>
-            <a:lvl6pPr marL="2514600" indent="-228600" algn="l" defTabSz="914400" rtl="0" eaLnBrk="1" latinLnBrk="0" hangingPunct="1">
-              <a:lnSpc>
-                <a:spcPct val="90000"/>
-              </a:lnSpc>
-              <a:spcBef>
-                <a:spcPts val="500"/>
-              </a:spcBef>
-              <a:buFont typeface="Arial" panose="020B0604020202020204" pitchFamily="34" charset="0"/>
-              <a:buChar char="•"/>
-              <a:defRPr sz="1800" kern="1200">
-                <a:solidFill>
-                  <a:schemeClr val="tx1"/>
-                </a:solidFill>
-                <a:latin typeface="+mn-lt"/>
-                <a:ea typeface="+mn-ea"/>
-                <a:cs typeface="+mn-cs"/>
-              </a:defRPr>
-            </a:lvl6pPr>
-            <a:lvl7pPr marL="2971800" indent="-228600" algn="l" defTabSz="914400" rtl="0" eaLnBrk="1" latinLnBrk="0" hangingPunct="1">
-              <a:lnSpc>
-                <a:spcPct val="90000"/>
-              </a:lnSpc>
-              <a:spcBef>
-                <a:spcPts val="500"/>
-              </a:spcBef>
-              <a:buFont typeface="Arial" panose="020B0604020202020204" pitchFamily="34" charset="0"/>
-              <a:buChar char="•"/>
-              <a:defRPr sz="1800" kern="1200">
-                <a:solidFill>
-                  <a:schemeClr val="tx1"/>
-                </a:solidFill>
-                <a:latin typeface="+mn-lt"/>
-                <a:ea typeface="+mn-ea"/>
-                <a:cs typeface="+mn-cs"/>
-              </a:defRPr>
-            </a:lvl7pPr>
-            <a:lvl8pPr marL="3429000" indent="-228600" algn="l" defTabSz="914400" rtl="0" eaLnBrk="1" latinLnBrk="0" hangingPunct="1">
-              <a:lnSpc>
-                <a:spcPct val="90000"/>
-              </a:lnSpc>
-              <a:spcBef>
-                <a:spcPts val="500"/>
-              </a:spcBef>
-              <a:buFont typeface="Arial" panose="020B0604020202020204" pitchFamily="34" charset="0"/>
-              <a:buChar char="•"/>
-              <a:defRPr sz="1800" kern="1200">
-                <a:solidFill>
-                  <a:schemeClr val="tx1"/>
-                </a:solidFill>
-                <a:latin typeface="+mn-lt"/>
-                <a:ea typeface="+mn-ea"/>
-                <a:cs typeface="+mn-cs"/>
-              </a:defRPr>
-            </a:lvl8pPr>
-            <a:lvl9pPr marL="3886200" indent="-228600" algn="l" defTabSz="914400" rtl="0" eaLnBrk="1" latinLnBrk="0" hangingPunct="1">
-              <a:lnSpc>
-                <a:spcPct val="90000"/>
-              </a:lnSpc>
-              <a:spcBef>
-                <a:spcPts val="500"/>
-              </a:spcBef>
-              <a:buFont typeface="Arial" panose="020B0604020202020204" pitchFamily="34" charset="0"/>
-              <a:buChar char="•"/>
-              <a:defRPr sz="1800" kern="1200">
-                <a:solidFill>
-                  <a:schemeClr val="tx1"/>
-                </a:solidFill>
-                <a:latin typeface="+mn-lt"/>
-                <a:ea typeface="+mn-ea"/>
-                <a:cs typeface="+mn-cs"/>
-              </a:defRPr>
-            </a:lvl9pPr>
-          </a:lstStyle>
-          <a:p>
-            <a:r>
-              <a:rPr lang="fr-FR" sz="2100" b="1" dirty="0">
-                <a:solidFill>
-                  <a:srgbClr val="111111"/>
-                </a:solidFill>
-                <a:latin typeface="Arial" panose="020B0604020202020204" pitchFamily="34" charset="0"/>
-              </a:rPr>
-              <a:t>Embaucher, capitaliser et former</a:t>
-            </a:r>
-          </a:p>
-          <a:p>
-            <a:r>
-              <a:rPr lang="fr-FR" sz="2100" dirty="0">
-                <a:solidFill>
-                  <a:srgbClr val="111111"/>
-                </a:solidFill>
-                <a:latin typeface="Arial" panose="020B0604020202020204" pitchFamily="34" charset="0"/>
-              </a:rPr>
-              <a:t>Créer des équipes autonomes</a:t>
-            </a:r>
-          </a:p>
-          <a:p>
-            <a:r>
-              <a:rPr lang="en-US" sz="2100" dirty="0"/>
-              <a:t>Data Scientist (n.): Person who is better at statistics than any software engineer and better at software engineering than any statistician</a:t>
-            </a:r>
-            <a:endParaRPr lang="fr-FR" sz="2100" dirty="0"/>
-          </a:p>
-          <a:p>
-            <a:endParaRPr lang="fr-FR" sz="2100" b="1" dirty="0">
-              <a:solidFill>
-                <a:srgbClr val="111111"/>
-              </a:solidFill>
-              <a:latin typeface="Arial" panose="020B0604020202020204" pitchFamily="34" charset="0"/>
-            </a:endParaRPr>
-          </a:p>
-        </p:txBody>
-      </p:sp>
-      <p:pic>
-        <p:nvPicPr>
-          <p:cNvPr id="4" name="Picture 2" descr="https://upload.wikimedia.org/wikipedia/commons/4/44/DataScienceDisciplines.png">
-            <a:extLst>
-              <a:ext uri="{FF2B5EF4-FFF2-40B4-BE49-F238E27FC236}">
-                <a16:creationId xmlns:a16="http://schemas.microsoft.com/office/drawing/2014/main" id="{55A7E1B0-1946-4E1F-92C7-9D63F94A7C70}"/>
-              </a:ext>
-            </a:extLst>
-          </p:cNvPr>
-          <p:cNvPicPr>
-            <a:picLocks noChangeAspect="1" noChangeArrowheads="1"/>
-          </p:cNvPicPr>
-          <p:nvPr/>
-        </p:nvPicPr>
-        <p:blipFill>
-          <a:blip r:embed="rId2">
-            <a:extLst>
-              <a:ext uri="{28A0092B-C50C-407E-A947-70E740481C1C}">
-                <a14:useLocalDpi xmlns:a14="http://schemas.microsoft.com/office/drawing/2010/main" val="0"/>
-              </a:ext>
-            </a:extLst>
-          </a:blip>
-          <a:srcRect/>
-          <a:stretch>
-            <a:fillRect/>
-          </a:stretch>
-        </p:blipFill>
-        <p:spPr bwMode="auto">
-          <a:xfrm>
-            <a:off x="3034753" y="3667033"/>
-            <a:ext cx="3184055" cy="2388041"/>
-          </a:xfrm>
-          <a:prstGeom prst="rect">
-            <a:avLst/>
-          </a:prstGeom>
-          <a:noFill/>
-          <a:extLst>
-            <a:ext uri="{909E8E84-426E-40DD-AFC4-6F175D3DCCD1}">
-              <a14:hiddenFill xmlns:a14="http://schemas.microsoft.com/office/drawing/2010/main">
-                <a:solidFill>
-                  <a:srgbClr val="FFFFFF"/>
-                </a:solidFill>
-              </a14:hiddenFill>
-            </a:ext>
-          </a:extLst>
-        </p:spPr>
-      </p:pic>
-    </p:spTree>
-    <p:extLst>
-      <p:ext uri="{BB962C8B-B14F-4D97-AF65-F5344CB8AC3E}">
-        <p14:creationId xmlns:p14="http://schemas.microsoft.com/office/powerpoint/2010/main" val="3120774273"/>
-      </p:ext>
-    </p:extLst>
-  </p:cSld>
-  <p:clrMapOvr>
-    <a:masterClrMapping/>
-  </p:clrMapOvr>
-</p:sld>
-</file>
-
-<file path=ppt/slides/slide36.xml><?xml version="1.0" encoding="utf-8"?>
-<p:sld xmlns:a="http://schemas.openxmlformats.org/drawingml/2006/main" xmlns:r="http://schemas.openxmlformats.org/officeDocument/2006/relationships" xmlns:p="http://schemas.openxmlformats.org/presentationml/2006/main">
-  <p:cSld>
-    <p:spTree>
-      <p:nvGrpSpPr>
-        <p:cNvPr id="1" name=""/>
-        <p:cNvGrpSpPr/>
-        <p:nvPr/>
-      </p:nvGrpSpPr>
-      <p:grpSpPr>
-        <a:xfrm>
-          <a:off x="0" y="0"/>
-          <a:ext cx="0" cy="0"/>
-          <a:chOff x="0" y="0"/>
-          <a:chExt cx="0" cy="0"/>
-        </a:xfrm>
-      </p:grpSpPr>
-      <p:sp>
-        <p:nvSpPr>
-          <p:cNvPr id="2" name="Titre 1">
-            <a:extLst>
-              <a:ext uri="{FF2B5EF4-FFF2-40B4-BE49-F238E27FC236}">
-                <a16:creationId xmlns:a16="http://schemas.microsoft.com/office/drawing/2014/main" id="{553CA38B-3BB0-4629-BF22-7D4D4C6D2943}"/>
-              </a:ext>
-            </a:extLst>
-          </p:cNvPr>
-          <p:cNvSpPr>
-            <a:spLocks noGrp="1"/>
-          </p:cNvSpPr>
-          <p:nvPr>
-            <p:ph type="title"/>
-          </p:nvPr>
-        </p:nvSpPr>
-        <p:spPr/>
-        <p:txBody>
-          <a:bodyPr/>
-          <a:lstStyle/>
-          <a:p>
-            <a:r>
-              <a:rPr lang="fr-FR" dirty="0"/>
-              <a:t>Les enjeux 3/3</a:t>
-            </a:r>
-          </a:p>
-        </p:txBody>
-      </p:sp>
-      <p:sp>
-        <p:nvSpPr>
-          <p:cNvPr id="7" name="Espace réservé du contenu 2">
-            <a:extLst>
-              <a:ext uri="{FF2B5EF4-FFF2-40B4-BE49-F238E27FC236}">
-                <a16:creationId xmlns:a16="http://schemas.microsoft.com/office/drawing/2014/main" id="{62CAC85E-A812-47F9-A7C5-91F75568AA15}"/>
-              </a:ext>
-            </a:extLst>
-          </p:cNvPr>
-          <p:cNvSpPr txBox="1">
-            <a:spLocks/>
-          </p:cNvSpPr>
-          <p:nvPr/>
-        </p:nvSpPr>
-        <p:spPr>
-          <a:xfrm>
-            <a:off x="628650" y="2226469"/>
-            <a:ext cx="7886700" cy="3263504"/>
-          </a:xfrm>
-          <a:prstGeom prst="rect">
-            <a:avLst/>
-          </a:prstGeom>
-        </p:spPr>
-        <p:txBody>
-          <a:bodyPr/>
-          <a:lstStyle>
-            <a:lvl1pPr marL="228600" indent="-228600" algn="l" defTabSz="914400" rtl="0" eaLnBrk="1" latinLnBrk="0" hangingPunct="1">
-              <a:lnSpc>
-                <a:spcPct val="90000"/>
-              </a:lnSpc>
-              <a:spcBef>
-                <a:spcPts val="1000"/>
-              </a:spcBef>
-              <a:buFont typeface="Arial" panose="020B0604020202020204" pitchFamily="34" charset="0"/>
-              <a:buChar char="•"/>
-              <a:defRPr sz="2800" kern="1200">
-                <a:solidFill>
-                  <a:schemeClr val="tx1"/>
-                </a:solidFill>
-                <a:latin typeface="+mn-lt"/>
-                <a:ea typeface="+mn-ea"/>
-                <a:cs typeface="+mn-cs"/>
-              </a:defRPr>
-            </a:lvl1pPr>
-            <a:lvl2pPr marL="685800" indent="-228600" algn="l" defTabSz="914400" rtl="0" eaLnBrk="1" latinLnBrk="0" hangingPunct="1">
-              <a:lnSpc>
-                <a:spcPct val="90000"/>
-              </a:lnSpc>
-              <a:spcBef>
-                <a:spcPts val="500"/>
-              </a:spcBef>
-              <a:buFont typeface="Arial" panose="020B0604020202020204" pitchFamily="34" charset="0"/>
-              <a:buChar char="•"/>
-              <a:defRPr sz="2400" kern="1200">
-                <a:solidFill>
-                  <a:schemeClr val="tx1"/>
-                </a:solidFill>
-                <a:latin typeface="+mn-lt"/>
-                <a:ea typeface="+mn-ea"/>
-                <a:cs typeface="+mn-cs"/>
-              </a:defRPr>
-            </a:lvl2pPr>
-            <a:lvl3pPr marL="1143000" indent="-228600" algn="l" defTabSz="914400" rtl="0" eaLnBrk="1" latinLnBrk="0" hangingPunct="1">
-              <a:lnSpc>
-                <a:spcPct val="90000"/>
-              </a:lnSpc>
-              <a:spcBef>
-                <a:spcPts val="500"/>
-              </a:spcBef>
-              <a:buFont typeface="Arial" panose="020B0604020202020204" pitchFamily="34" charset="0"/>
-              <a:buChar char="•"/>
-              <a:defRPr sz="2000" kern="1200">
-                <a:solidFill>
-                  <a:schemeClr val="tx1"/>
-                </a:solidFill>
-                <a:latin typeface="+mn-lt"/>
-                <a:ea typeface="+mn-ea"/>
-                <a:cs typeface="+mn-cs"/>
-              </a:defRPr>
-            </a:lvl3pPr>
-            <a:lvl4pPr marL="1600200" indent="-228600" algn="l" defTabSz="914400" rtl="0" eaLnBrk="1" latinLnBrk="0" hangingPunct="1">
-              <a:lnSpc>
-                <a:spcPct val="90000"/>
-              </a:lnSpc>
-              <a:spcBef>
-                <a:spcPts val="500"/>
-              </a:spcBef>
-              <a:buFont typeface="Arial" panose="020B0604020202020204" pitchFamily="34" charset="0"/>
-              <a:buChar char="•"/>
-              <a:defRPr sz="1800" kern="1200">
-                <a:solidFill>
-                  <a:schemeClr val="tx1"/>
-                </a:solidFill>
-                <a:latin typeface="+mn-lt"/>
-                <a:ea typeface="+mn-ea"/>
-                <a:cs typeface="+mn-cs"/>
-              </a:defRPr>
-            </a:lvl4pPr>
-            <a:lvl5pPr marL="2057400" indent="-228600" algn="l" defTabSz="914400" rtl="0" eaLnBrk="1" latinLnBrk="0" hangingPunct="1">
-              <a:lnSpc>
-                <a:spcPct val="90000"/>
-              </a:lnSpc>
-              <a:spcBef>
-                <a:spcPts val="500"/>
-              </a:spcBef>
-              <a:buFont typeface="Arial" panose="020B0604020202020204" pitchFamily="34" charset="0"/>
-              <a:buChar char="•"/>
-              <a:defRPr sz="1800" kern="1200">
-                <a:solidFill>
-                  <a:schemeClr val="tx1"/>
-                </a:solidFill>
-                <a:latin typeface="+mn-lt"/>
-                <a:ea typeface="+mn-ea"/>
-                <a:cs typeface="+mn-cs"/>
-              </a:defRPr>
-            </a:lvl5pPr>
-            <a:lvl6pPr marL="2514600" indent="-228600" algn="l" defTabSz="914400" rtl="0" eaLnBrk="1" latinLnBrk="0" hangingPunct="1">
-              <a:lnSpc>
-                <a:spcPct val="90000"/>
-              </a:lnSpc>
-              <a:spcBef>
-                <a:spcPts val="500"/>
-              </a:spcBef>
-              <a:buFont typeface="Arial" panose="020B0604020202020204" pitchFamily="34" charset="0"/>
-              <a:buChar char="•"/>
-              <a:defRPr sz="1800" kern="1200">
-                <a:solidFill>
-                  <a:schemeClr val="tx1"/>
-                </a:solidFill>
-                <a:latin typeface="+mn-lt"/>
-                <a:ea typeface="+mn-ea"/>
-                <a:cs typeface="+mn-cs"/>
-              </a:defRPr>
-            </a:lvl6pPr>
-            <a:lvl7pPr marL="2971800" indent="-228600" algn="l" defTabSz="914400" rtl="0" eaLnBrk="1" latinLnBrk="0" hangingPunct="1">
-              <a:lnSpc>
-                <a:spcPct val="90000"/>
-              </a:lnSpc>
-              <a:spcBef>
-                <a:spcPts val="500"/>
-              </a:spcBef>
-              <a:buFont typeface="Arial" panose="020B0604020202020204" pitchFamily="34" charset="0"/>
-              <a:buChar char="•"/>
-              <a:defRPr sz="1800" kern="1200">
-                <a:solidFill>
-                  <a:schemeClr val="tx1"/>
-                </a:solidFill>
-                <a:latin typeface="+mn-lt"/>
-                <a:ea typeface="+mn-ea"/>
-                <a:cs typeface="+mn-cs"/>
-              </a:defRPr>
-            </a:lvl7pPr>
-            <a:lvl8pPr marL="3429000" indent="-228600" algn="l" defTabSz="914400" rtl="0" eaLnBrk="1" latinLnBrk="0" hangingPunct="1">
-              <a:lnSpc>
-                <a:spcPct val="90000"/>
-              </a:lnSpc>
-              <a:spcBef>
-                <a:spcPts val="500"/>
-              </a:spcBef>
-              <a:buFont typeface="Arial" panose="020B0604020202020204" pitchFamily="34" charset="0"/>
-              <a:buChar char="•"/>
-              <a:defRPr sz="1800" kern="1200">
-                <a:solidFill>
-                  <a:schemeClr val="tx1"/>
-                </a:solidFill>
-                <a:latin typeface="+mn-lt"/>
-                <a:ea typeface="+mn-ea"/>
-                <a:cs typeface="+mn-cs"/>
-              </a:defRPr>
-            </a:lvl8pPr>
-            <a:lvl9pPr marL="3886200" indent="-228600" algn="l" defTabSz="914400" rtl="0" eaLnBrk="1" latinLnBrk="0" hangingPunct="1">
-              <a:lnSpc>
-                <a:spcPct val="90000"/>
-              </a:lnSpc>
-              <a:spcBef>
-                <a:spcPts val="500"/>
-              </a:spcBef>
-              <a:buFont typeface="Arial" panose="020B0604020202020204" pitchFamily="34" charset="0"/>
-              <a:buChar char="•"/>
-              <a:defRPr sz="1800" kern="1200">
-                <a:solidFill>
-                  <a:schemeClr val="tx1"/>
-                </a:solidFill>
-                <a:latin typeface="+mn-lt"/>
-                <a:ea typeface="+mn-ea"/>
-                <a:cs typeface="+mn-cs"/>
-              </a:defRPr>
-            </a:lvl9pPr>
-          </a:lstStyle>
-          <a:p>
-            <a:r>
-              <a:rPr lang="fr-FR" sz="2100" b="1" dirty="0">
-                <a:solidFill>
-                  <a:srgbClr val="111111"/>
-                </a:solidFill>
-                <a:latin typeface="Arial" panose="020B0604020202020204" pitchFamily="34" charset="0"/>
-              </a:rPr>
-              <a:t>Mettre en pratique et industrialiser</a:t>
-            </a:r>
-          </a:p>
-        </p:txBody>
-      </p:sp>
-    </p:spTree>
-    <p:extLst>
-      <p:ext uri="{BB962C8B-B14F-4D97-AF65-F5344CB8AC3E}">
-        <p14:creationId xmlns:p14="http://schemas.microsoft.com/office/powerpoint/2010/main" val="2372488552"/>
-      </p:ext>
-    </p:extLst>
-  </p:cSld>
-  <p:clrMapOvr>
-    <a:masterClrMapping/>
-  </p:clrMapOvr>
-</p:sld>
-</file>
-
-<file path=ppt/slides/slide37.xml><?xml version="1.0" encoding="utf-8"?>
-<p:sld xmlns:a="http://schemas.openxmlformats.org/drawingml/2006/main" xmlns:r="http://schemas.openxmlformats.org/officeDocument/2006/relationships" xmlns:p="http://schemas.openxmlformats.org/presentationml/2006/main">
-  <p:cSld>
-    <p:spTree>
-      <p:nvGrpSpPr>
-        <p:cNvPr id="1" name=""/>
-        <p:cNvGrpSpPr/>
-        <p:nvPr/>
-      </p:nvGrpSpPr>
-      <p:grpSpPr>
-        <a:xfrm>
-          <a:off x="0" y="0"/>
-          <a:ext cx="0" cy="0"/>
-          <a:chOff x="0" y="0"/>
-          <a:chExt cx="0" cy="0"/>
-        </a:xfrm>
-      </p:grpSpPr>
-      <p:sp>
-        <p:nvSpPr>
-          <p:cNvPr id="2" name="Titre 1"/>
-          <p:cNvSpPr>
-            <a:spLocks noGrp="1"/>
-          </p:cNvSpPr>
-          <p:nvPr>
-            <p:ph type="title"/>
-          </p:nvPr>
-        </p:nvSpPr>
-        <p:spPr/>
-        <p:txBody>
-          <a:bodyPr/>
-          <a:lstStyle/>
-          <a:p>
-            <a:r>
-              <a:rPr lang="fr-FR"/>
-              <a:t>²</a:t>
-            </a:r>
-            <a:endParaRPr lang="fr-FR" dirty="0"/>
-          </a:p>
-        </p:txBody>
-      </p:sp>
-      <p:sp>
-        <p:nvSpPr>
-          <p:cNvPr id="3" name="Espace réservé du contenu 2"/>
-          <p:cNvSpPr>
-            <a:spLocks noGrp="1"/>
-          </p:cNvSpPr>
-          <p:nvPr>
-            <p:ph idx="1"/>
-          </p:nvPr>
-        </p:nvSpPr>
-        <p:spPr/>
-        <p:txBody>
-          <a:bodyPr/>
-          <a:lstStyle/>
-          <a:p>
-            <a:endParaRPr lang="fr-FR" dirty="0"/>
-          </a:p>
-        </p:txBody>
-      </p:sp>
-      <p:pic>
-        <p:nvPicPr>
-          <p:cNvPr id="3074" name="Picture 2" descr="https://cdn.technologyreview.com/i/images/Face%20detection.png?sw=600"/>
-          <p:cNvPicPr>
-            <a:picLocks noChangeAspect="1" noChangeArrowheads="1"/>
-          </p:cNvPicPr>
-          <p:nvPr/>
-        </p:nvPicPr>
-        <p:blipFill>
-          <a:blip r:embed="rId2">
-            <a:extLst>
-              <a:ext uri="{28A0092B-C50C-407E-A947-70E740481C1C}">
-                <a14:useLocalDpi xmlns:a14="http://schemas.microsoft.com/office/drawing/2010/main" val="0"/>
-              </a:ext>
-            </a:extLst>
-          </a:blip>
-          <a:srcRect/>
-          <a:stretch>
-            <a:fillRect/>
-          </a:stretch>
-        </p:blipFill>
-        <p:spPr bwMode="auto">
-          <a:xfrm>
-            <a:off x="0" y="13209"/>
-            <a:ext cx="9252520" cy="5181413"/>
-          </a:xfrm>
-          <a:prstGeom prst="rect">
-            <a:avLst/>
-          </a:prstGeom>
-          <a:noFill/>
-          <a:extLst>
-            <a:ext uri="{909E8E84-426E-40DD-AFC4-6F175D3DCCD1}">
-              <a14:hiddenFill xmlns:a14="http://schemas.microsoft.com/office/drawing/2010/main">
-                <a:solidFill>
-                  <a:srgbClr val="FFFFFF"/>
-                </a:solidFill>
-              </a14:hiddenFill>
-            </a:ext>
-          </a:extLst>
-        </p:spPr>
-      </p:pic>
-      <p:pic>
-        <p:nvPicPr>
-          <p:cNvPr id="3076" name="Picture 4" descr="RÃ©sultat de recherche d'images pour &quot;deep learning face recognition&quot;"/>
-          <p:cNvPicPr>
-            <a:picLocks noChangeAspect="1" noChangeArrowheads="1"/>
-          </p:cNvPicPr>
-          <p:nvPr/>
-        </p:nvPicPr>
-        <p:blipFill>
-          <a:blip r:embed="rId3" cstate="print">
-            <a:extLst>
-              <a:ext uri="{28A0092B-C50C-407E-A947-70E740481C1C}">
-                <a14:useLocalDpi xmlns:a14="http://schemas.microsoft.com/office/drawing/2010/main" val="0"/>
-              </a:ext>
-            </a:extLst>
-          </a:blip>
-          <a:srcRect/>
-          <a:stretch>
-            <a:fillRect/>
-          </a:stretch>
-        </p:blipFill>
-        <p:spPr bwMode="auto">
-          <a:xfrm>
-            <a:off x="1985999" y="5073942"/>
-            <a:ext cx="5280521" cy="1760174"/>
-          </a:xfrm>
-          <a:prstGeom prst="rect">
-            <a:avLst/>
-          </a:prstGeom>
-          <a:noFill/>
-          <a:extLst>
-            <a:ext uri="{909E8E84-426E-40DD-AFC4-6F175D3DCCD1}">
-              <a14:hiddenFill xmlns:a14="http://schemas.microsoft.com/office/drawing/2010/main">
-                <a:solidFill>
-                  <a:srgbClr val="FFFFFF"/>
-                </a:solidFill>
-              </a14:hiddenFill>
-            </a:ext>
-          </a:extLst>
-        </p:spPr>
-      </p:pic>
-    </p:spTree>
-    <p:extLst>
-      <p:ext uri="{BB962C8B-B14F-4D97-AF65-F5344CB8AC3E}">
-        <p14:creationId xmlns:p14="http://schemas.microsoft.com/office/powerpoint/2010/main" val="1062161648"/>
       </p:ext>
     </p:extLst>
   </p:cSld>

--- a/ppt/BigData01-Intro.pptx
+++ b/ppt/BigData01-Intro.pptx
@@ -5,10 +5,10 @@
     <p:sldMasterId id="2147483653" r:id="rId1"/>
   </p:sldMasterIdLst>
   <p:notesMasterIdLst>
-    <p:notesMasterId r:id="rId14"/>
+    <p:notesMasterId r:id="rId13"/>
   </p:notesMasterIdLst>
   <p:handoutMasterIdLst>
-    <p:handoutMasterId r:id="rId15"/>
+    <p:handoutMasterId r:id="rId14"/>
   </p:handoutMasterIdLst>
   <p:sldIdLst>
     <p:sldId id="264" r:id="rId2"/>
@@ -17,12 +17,11 @@
     <p:sldId id="281" r:id="rId5"/>
     <p:sldId id="282" r:id="rId6"/>
     <p:sldId id="283" r:id="rId7"/>
-    <p:sldId id="284" r:id="rId8"/>
-    <p:sldId id="285" r:id="rId9"/>
-    <p:sldId id="308" r:id="rId10"/>
-    <p:sldId id="309" r:id="rId11"/>
-    <p:sldId id="286" r:id="rId12"/>
-    <p:sldId id="289" r:id="rId13"/>
+    <p:sldId id="285" r:id="rId8"/>
+    <p:sldId id="308" r:id="rId9"/>
+    <p:sldId id="309" r:id="rId10"/>
+    <p:sldId id="286" r:id="rId11"/>
+    <p:sldId id="289" r:id="rId12"/>
   </p:sldIdLst>
   <p:sldSz cx="9144000" cy="6858000" type="screen4x3"/>
   <p:notesSz cx="6648450" cy="9782175"/>
@@ -3796,115 +3795,6 @@
           <a:bodyPr/>
           <a:lstStyle/>
           <a:p>
-            <a:endParaRPr lang="fr-FR"/>
-          </a:p>
-        </p:txBody>
-      </p:sp>
-      <p:sp>
-        <p:nvSpPr>
-          <p:cNvPr id="3" name="Espace réservé du contenu 2"/>
-          <p:cNvSpPr>
-            <a:spLocks noGrp="1"/>
-          </p:cNvSpPr>
-          <p:nvPr>
-            <p:ph idx="1"/>
-          </p:nvPr>
-        </p:nvSpPr>
-        <p:spPr/>
-        <p:txBody>
-          <a:bodyPr/>
-          <a:lstStyle/>
-          <a:p>
-            <a:endParaRPr lang="fr-FR"/>
-          </a:p>
-        </p:txBody>
-      </p:sp>
-      <p:pic>
-        <p:nvPicPr>
-          <p:cNvPr id="1026" name="Picture 2" descr="RÃ©sultat de recherche d'images pour &quot;voiture autonome&quot;"/>
-          <p:cNvPicPr>
-            <a:picLocks noChangeAspect="1" noChangeArrowheads="1"/>
-          </p:cNvPicPr>
-          <p:nvPr/>
-        </p:nvPicPr>
-        <p:blipFill>
-          <a:blip r:embed="rId2">
-            <a:extLst>
-              <a:ext uri="{28A0092B-C50C-407E-A947-70E740481C1C}">
-                <a14:useLocalDpi xmlns:a14="http://schemas.microsoft.com/office/drawing/2010/main" val="0"/>
-              </a:ext>
-            </a:extLst>
-          </a:blip>
-          <a:srcRect/>
-          <a:stretch>
-            <a:fillRect/>
-          </a:stretch>
-        </p:blipFill>
-        <p:spPr bwMode="auto">
-          <a:xfrm>
-            <a:off x="0" y="476672"/>
-            <a:ext cx="9230645" cy="5733256"/>
-          </a:xfrm>
-          <a:prstGeom prst="rect">
-            <a:avLst/>
-          </a:prstGeom>
-          <a:noFill/>
-          <a:extLst>
-            <a:ext uri="{909E8E84-426E-40DD-AFC4-6F175D3DCCD1}">
-              <a14:hiddenFill xmlns:a14="http://schemas.microsoft.com/office/drawing/2010/main">
-                <a:solidFill>
-                  <a:srgbClr val="FFFFFF"/>
-                </a:solidFill>
-              </a14:hiddenFill>
-            </a:ext>
-          </a:extLst>
-        </p:spPr>
-      </p:pic>
-    </p:spTree>
-    <p:extLst>
-      <p:ext uri="{BB962C8B-B14F-4D97-AF65-F5344CB8AC3E}">
-        <p14:creationId xmlns:p14="http://schemas.microsoft.com/office/powerpoint/2010/main" val="1614982738"/>
-      </p:ext>
-    </p:extLst>
-  </p:cSld>
-  <p:clrMapOvr>
-    <a:masterClrMapping/>
-  </p:clrMapOvr>
-</p:sld>
-</file>
-
-<file path=ppt/slides/slide11.xml><?xml version="1.0" encoding="utf-8"?>
-<p:sld xmlns:a="http://schemas.openxmlformats.org/drawingml/2006/main" xmlns:r="http://schemas.openxmlformats.org/officeDocument/2006/relationships" xmlns:p="http://schemas.openxmlformats.org/presentationml/2006/main">
-  <p:cSld>
-    <p:spTree>
-      <p:nvGrpSpPr>
-        <p:cNvPr id="1" name=""/>
-        <p:cNvGrpSpPr/>
-        <p:nvPr/>
-      </p:nvGrpSpPr>
-      <p:grpSpPr>
-        <a:xfrm>
-          <a:off x="0" y="0"/>
-          <a:ext cx="0" cy="0"/>
-          <a:chOff x="0" y="0"/>
-          <a:chExt cx="0" cy="0"/>
-        </a:xfrm>
-      </p:grpSpPr>
-      <p:sp>
-        <p:nvSpPr>
-          <p:cNvPr id="2" name="Titre 1"/>
-          <p:cNvSpPr>
-            <a:spLocks noGrp="1"/>
-          </p:cNvSpPr>
-          <p:nvPr>
-            <p:ph type="title"/>
-          </p:nvPr>
-        </p:nvSpPr>
-        <p:spPr/>
-        <p:txBody>
-          <a:bodyPr/>
-          <a:lstStyle/>
-          <a:p>
             <a:r>
               <a:rPr lang="fr-FR" dirty="0"/>
               <a:t>L'intelligence artificielle</a:t>
@@ -3993,7 +3883,7 @@
 </p:sld>
 </file>
 
-<file path=ppt/slides/slide12.xml><?xml version="1.0" encoding="utf-8"?>
+<file path=ppt/slides/slide11.xml><?xml version="1.0" encoding="utf-8"?>
 <p:sld xmlns:a="http://schemas.openxmlformats.org/drawingml/2006/main" xmlns:r="http://schemas.openxmlformats.org/officeDocument/2006/relationships" xmlns:p="http://schemas.openxmlformats.org/presentationml/2006/main">
   <p:cSld>
     <p:spTree>
@@ -4646,8 +4536,13 @@
           <a:p>
             <a:r>
               <a:rPr lang="fr-FR" dirty="0"/>
-              <a:t>Les langages</a:t>
-            </a:r>
+              <a:t>Data </a:t>
+            </a:r>
+            <a:r>
+              <a:rPr lang="fr-FR" dirty="0" err="1"/>
+              <a:t>Scientist</a:t>
+            </a:r>
+            <a:endParaRPr lang="fr-FR" dirty="0"/>
           </a:p>
         </p:txBody>
       </p:sp>
@@ -4668,113 +4563,6 @@
           <a:p>
             <a:r>
               <a:rPr lang="fr-FR" dirty="0"/>
-              <a:t>Les "nouveaux"</a:t>
-            </a:r>
-          </a:p>
-          <a:p>
-            <a:pPr lvl="1"/>
-            <a:r>
-              <a:rPr lang="fr-FR" dirty="0"/>
-              <a:t>Python, R, Scala, </a:t>
-            </a:r>
-            <a:r>
-              <a:rPr lang="fr-FR" dirty="0" err="1"/>
-              <a:t>Kotlin</a:t>
-            </a:r>
-            <a:r>
-              <a:rPr lang="fr-FR" dirty="0"/>
-              <a:t>, …</a:t>
-            </a:r>
-          </a:p>
-          <a:p>
-            <a:r>
-              <a:rPr lang="fr-FR" dirty="0"/>
-              <a:t>Les "anciens"</a:t>
-            </a:r>
-          </a:p>
-          <a:p>
-            <a:pPr lvl="1"/>
-            <a:r>
-              <a:rPr lang="fr-FR" dirty="0"/>
-              <a:t>Java, C#</a:t>
-            </a:r>
-          </a:p>
-        </p:txBody>
-      </p:sp>
-    </p:spTree>
-    <p:extLst>
-      <p:ext uri="{BB962C8B-B14F-4D97-AF65-F5344CB8AC3E}">
-        <p14:creationId xmlns:p14="http://schemas.microsoft.com/office/powerpoint/2010/main" val="3006852767"/>
-      </p:ext>
-    </p:extLst>
-  </p:cSld>
-  <p:clrMapOvr>
-    <a:masterClrMapping/>
-  </p:clrMapOvr>
-</p:sld>
-</file>
-
-<file path=ppt/slides/slide8.xml><?xml version="1.0" encoding="utf-8"?>
-<p:sld xmlns:a="http://schemas.openxmlformats.org/drawingml/2006/main" xmlns:r="http://schemas.openxmlformats.org/officeDocument/2006/relationships" xmlns:p="http://schemas.openxmlformats.org/presentationml/2006/main">
-  <p:cSld>
-    <p:spTree>
-      <p:nvGrpSpPr>
-        <p:cNvPr id="1" name=""/>
-        <p:cNvGrpSpPr/>
-        <p:nvPr/>
-      </p:nvGrpSpPr>
-      <p:grpSpPr>
-        <a:xfrm>
-          <a:off x="0" y="0"/>
-          <a:ext cx="0" cy="0"/>
-          <a:chOff x="0" y="0"/>
-          <a:chExt cx="0" cy="0"/>
-        </a:xfrm>
-      </p:grpSpPr>
-      <p:sp>
-        <p:nvSpPr>
-          <p:cNvPr id="2" name="Titre 1"/>
-          <p:cNvSpPr>
-            <a:spLocks noGrp="1"/>
-          </p:cNvSpPr>
-          <p:nvPr>
-            <p:ph type="title"/>
-          </p:nvPr>
-        </p:nvSpPr>
-        <p:spPr/>
-        <p:txBody>
-          <a:bodyPr/>
-          <a:lstStyle/>
-          <a:p>
-            <a:r>
-              <a:rPr lang="fr-FR" dirty="0"/>
-              <a:t>Data </a:t>
-            </a:r>
-            <a:r>
-              <a:rPr lang="fr-FR" dirty="0" err="1"/>
-              <a:t>Scientist</a:t>
-            </a:r>
-            <a:endParaRPr lang="fr-FR" dirty="0"/>
-          </a:p>
-        </p:txBody>
-      </p:sp>
-      <p:sp>
-        <p:nvSpPr>
-          <p:cNvPr id="3" name="Espace réservé du contenu 2"/>
-          <p:cNvSpPr>
-            <a:spLocks noGrp="1"/>
-          </p:cNvSpPr>
-          <p:nvPr>
-            <p:ph idx="1"/>
-          </p:nvPr>
-        </p:nvSpPr>
-        <p:spPr/>
-        <p:txBody>
-          <a:bodyPr/>
-          <a:lstStyle/>
-          <a:p>
-            <a:r>
-              <a:rPr lang="fr-FR" dirty="0"/>
               <a:t>Le premier objectif du data </a:t>
             </a:r>
             <a:r>
@@ -4817,7 +4605,7 @@
 </p:sld>
 </file>
 
-<file path=ppt/slides/slide9.xml><?xml version="1.0" encoding="utf-8"?>
+<file path=ppt/slides/slide8.xml><?xml version="1.0" encoding="utf-8"?>
 <p:sld xmlns:a="http://schemas.openxmlformats.org/drawingml/2006/main" xmlns:r="http://schemas.openxmlformats.org/officeDocument/2006/relationships" xmlns:p="http://schemas.openxmlformats.org/presentationml/2006/main">
   <p:cSld>
     <p:spTree>
@@ -5020,6 +4808,115 @@
     <p:extLst>
       <p:ext uri="{BB962C8B-B14F-4D97-AF65-F5344CB8AC3E}">
         <p14:creationId xmlns:p14="http://schemas.microsoft.com/office/powerpoint/2010/main" val="3995539023"/>
+      </p:ext>
+    </p:extLst>
+  </p:cSld>
+  <p:clrMapOvr>
+    <a:masterClrMapping/>
+  </p:clrMapOvr>
+</p:sld>
+</file>
+
+<file path=ppt/slides/slide9.xml><?xml version="1.0" encoding="utf-8"?>
+<p:sld xmlns:a="http://schemas.openxmlformats.org/drawingml/2006/main" xmlns:r="http://schemas.openxmlformats.org/officeDocument/2006/relationships" xmlns:p="http://schemas.openxmlformats.org/presentationml/2006/main">
+  <p:cSld>
+    <p:spTree>
+      <p:nvGrpSpPr>
+        <p:cNvPr id="1" name=""/>
+        <p:cNvGrpSpPr/>
+        <p:nvPr/>
+      </p:nvGrpSpPr>
+      <p:grpSpPr>
+        <a:xfrm>
+          <a:off x="0" y="0"/>
+          <a:ext cx="0" cy="0"/>
+          <a:chOff x="0" y="0"/>
+          <a:chExt cx="0" cy="0"/>
+        </a:xfrm>
+      </p:grpSpPr>
+      <p:sp>
+        <p:nvSpPr>
+          <p:cNvPr id="2" name="Titre 1"/>
+          <p:cNvSpPr>
+            <a:spLocks noGrp="1"/>
+          </p:cNvSpPr>
+          <p:nvPr>
+            <p:ph type="title"/>
+          </p:nvPr>
+        </p:nvSpPr>
+        <p:spPr/>
+        <p:txBody>
+          <a:bodyPr/>
+          <a:lstStyle/>
+          <a:p>
+            <a:endParaRPr lang="fr-FR"/>
+          </a:p>
+        </p:txBody>
+      </p:sp>
+      <p:sp>
+        <p:nvSpPr>
+          <p:cNvPr id="3" name="Espace réservé du contenu 2"/>
+          <p:cNvSpPr>
+            <a:spLocks noGrp="1"/>
+          </p:cNvSpPr>
+          <p:nvPr>
+            <p:ph idx="1"/>
+          </p:nvPr>
+        </p:nvSpPr>
+        <p:spPr/>
+        <p:txBody>
+          <a:bodyPr/>
+          <a:lstStyle/>
+          <a:p>
+            <a:endParaRPr lang="fr-FR"/>
+          </a:p>
+        </p:txBody>
+      </p:sp>
+      <p:pic>
+        <p:nvPicPr>
+          <p:cNvPr id="1026" name="Picture 2" descr="RÃ©sultat de recherche d'images pour &quot;voiture autonome&quot;"/>
+          <p:cNvPicPr>
+            <a:picLocks noChangeAspect="1" noChangeArrowheads="1"/>
+          </p:cNvPicPr>
+          <p:nvPr/>
+        </p:nvPicPr>
+        <p:blipFill>
+          <a:blip r:embed="rId2">
+            <a:extLst>
+              <a:ext uri="{28A0092B-C50C-407E-A947-70E740481C1C}">
+                <a14:useLocalDpi xmlns:a14="http://schemas.microsoft.com/office/drawing/2010/main" val="0"/>
+              </a:ext>
+            </a:extLst>
+          </a:blip>
+          <a:srcRect/>
+          <a:stretch>
+            <a:fillRect/>
+          </a:stretch>
+        </p:blipFill>
+        <p:spPr bwMode="auto">
+          <a:xfrm>
+            <a:off x="0" y="476672"/>
+            <a:ext cx="9230645" cy="5733256"/>
+          </a:xfrm>
+          <a:prstGeom prst="rect">
+            <a:avLst/>
+          </a:prstGeom>
+          <a:noFill/>
+          <a:extLst>
+            <a:ext uri="{909E8E84-426E-40DD-AFC4-6F175D3DCCD1}">
+              <a14:hiddenFill xmlns:a14="http://schemas.microsoft.com/office/drawing/2010/main">
+                <a:solidFill>
+                  <a:srgbClr val="FFFFFF"/>
+                </a:solidFill>
+              </a14:hiddenFill>
+            </a:ext>
+          </a:extLst>
+        </p:spPr>
+      </p:pic>
+    </p:spTree>
+    <p:extLst>
+      <p:ext uri="{BB962C8B-B14F-4D97-AF65-F5344CB8AC3E}">
+        <p14:creationId xmlns:p14="http://schemas.microsoft.com/office/powerpoint/2010/main" val="1614982738"/>
       </p:ext>
     </p:extLst>
   </p:cSld>
